--- a/Slides.pptx
+++ b/Slides.pptx
@@ -4,14 +4,21 @@
   <p:sldMasterIdLst>
     <p:sldMasterId id="2147483648" r:id="rId1"/>
   </p:sldMasterIdLst>
+  <p:notesMasterIdLst>
+    <p:notesMasterId r:id="rId13"/>
+  </p:notesMasterIdLst>
   <p:sldIdLst>
-    <p:sldId id="256" r:id="rId2"/>
-    <p:sldId id="257" r:id="rId3"/>
-    <p:sldId id="260" r:id="rId4"/>
-    <p:sldId id="258" r:id="rId5"/>
-    <p:sldId id="259" r:id="rId6"/>
-    <p:sldId id="261" r:id="rId7"/>
-    <p:sldId id="262" r:id="rId8"/>
+    <p:sldId id="438" r:id="rId2"/>
+    <p:sldId id="439" r:id="rId3"/>
+    <p:sldId id="257" r:id="rId4"/>
+    <p:sldId id="440" r:id="rId5"/>
+    <p:sldId id="260" r:id="rId6"/>
+    <p:sldId id="258" r:id="rId7"/>
+    <p:sldId id="259" r:id="rId8"/>
+    <p:sldId id="441" r:id="rId9"/>
+    <p:sldId id="261" r:id="rId10"/>
+    <p:sldId id="426" r:id="rId11"/>
+    <p:sldId id="262" r:id="rId12"/>
   </p:sldIdLst>
   <p:sldSz cx="12192000" cy="6858000"/>
   <p:notesSz cx="6858000" cy="9144000"/>
@@ -110,7 +117,777 @@
       </a:defRPr>
     </a:lvl9pPr>
   </p:defaultTextStyle>
+  <p:extLst>
+    <p:ext uri="{EFAFB233-063F-42B5-8137-9DF3F51BA10A}">
+      <p15:sldGuideLst xmlns:p15="http://schemas.microsoft.com/office/powerpoint/2012/main"/>
+    </p:ext>
+  </p:extLst>
 </p:presentation>
+</file>
+
+<file path=ppt/notesMasters/notesMaster1.xml><?xml version="1.0" encoding="utf-8"?>
+<p:notesMaster xmlns:a="http://schemas.openxmlformats.org/drawingml/2006/main" xmlns:r="http://schemas.openxmlformats.org/officeDocument/2006/relationships" xmlns:p="http://schemas.openxmlformats.org/presentationml/2006/main">
+  <p:cSld>
+    <p:bg>
+      <p:bgRef idx="1001">
+        <a:schemeClr val="bg1"/>
+      </p:bgRef>
+    </p:bg>
+    <p:spTree>
+      <p:nvGrpSpPr>
+        <p:cNvPr id="1" name=""/>
+        <p:cNvGrpSpPr/>
+        <p:nvPr/>
+      </p:nvGrpSpPr>
+      <p:grpSpPr>
+        <a:xfrm>
+          <a:off x="0" y="0"/>
+          <a:ext cx="0" cy="0"/>
+          <a:chOff x="0" y="0"/>
+          <a:chExt cx="0" cy="0"/>
+        </a:xfrm>
+      </p:grpSpPr>
+      <p:sp>
+        <p:nvSpPr>
+          <p:cNvPr id="2" name="Header Placeholder 1"/>
+          <p:cNvSpPr>
+            <a:spLocks noGrp="1"/>
+          </p:cNvSpPr>
+          <p:nvPr>
+            <p:ph type="hdr" sz="quarter"/>
+          </p:nvPr>
+        </p:nvSpPr>
+        <p:spPr>
+          <a:xfrm>
+            <a:off x="0" y="0"/>
+            <a:ext cx="2971800" cy="458788"/>
+          </a:xfrm>
+          <a:prstGeom prst="rect">
+            <a:avLst/>
+          </a:prstGeom>
+        </p:spPr>
+        <p:txBody>
+          <a:bodyPr vert="horz" lIns="91440" tIns="45720" rIns="91440" bIns="45720" rtlCol="0"/>
+          <a:lstStyle>
+            <a:lvl1pPr algn="l">
+              <a:defRPr sz="1200"/>
+            </a:lvl1pPr>
+          </a:lstStyle>
+          <a:p>
+            <a:endParaRPr lang="en-US"/>
+          </a:p>
+        </p:txBody>
+      </p:sp>
+      <p:sp>
+        <p:nvSpPr>
+          <p:cNvPr id="3" name="Date Placeholder 2"/>
+          <p:cNvSpPr>
+            <a:spLocks noGrp="1"/>
+          </p:cNvSpPr>
+          <p:nvPr>
+            <p:ph type="dt" idx="1"/>
+          </p:nvPr>
+        </p:nvSpPr>
+        <p:spPr>
+          <a:xfrm>
+            <a:off x="3884613" y="0"/>
+            <a:ext cx="2971800" cy="458788"/>
+          </a:xfrm>
+          <a:prstGeom prst="rect">
+            <a:avLst/>
+          </a:prstGeom>
+        </p:spPr>
+        <p:txBody>
+          <a:bodyPr vert="horz" lIns="91440" tIns="45720" rIns="91440" bIns="45720" rtlCol="0"/>
+          <a:lstStyle>
+            <a:lvl1pPr algn="r">
+              <a:defRPr sz="1200"/>
+            </a:lvl1pPr>
+          </a:lstStyle>
+          <a:p>
+            <a:fld id="{0BDAAB90-E78F-5949-9719-7B5229E4B738}" type="datetimeFigureOut">
+              <a:rPr lang="en-US" smtClean="0"/>
+              <a:t>10/23/24</a:t>
+            </a:fld>
+            <a:endParaRPr lang="en-US"/>
+          </a:p>
+        </p:txBody>
+      </p:sp>
+      <p:sp>
+        <p:nvSpPr>
+          <p:cNvPr id="4" name="Slide Image Placeholder 3"/>
+          <p:cNvSpPr>
+            <a:spLocks noGrp="1" noRot="1" noChangeAspect="1"/>
+          </p:cNvSpPr>
+          <p:nvPr>
+            <p:ph type="sldImg" idx="2"/>
+          </p:nvPr>
+        </p:nvSpPr>
+        <p:spPr>
+          <a:xfrm>
+            <a:off x="685800" y="1143000"/>
+            <a:ext cx="5486400" cy="3086100"/>
+          </a:xfrm>
+          <a:prstGeom prst="rect">
+            <a:avLst/>
+          </a:prstGeom>
+          <a:noFill/>
+          <a:ln w="12700">
+            <a:solidFill>
+              <a:prstClr val="black"/>
+            </a:solidFill>
+          </a:ln>
+        </p:spPr>
+        <p:txBody>
+          <a:bodyPr vert="horz" lIns="91440" tIns="45720" rIns="91440" bIns="45720" rtlCol="0" anchor="ctr"/>
+          <a:lstStyle/>
+          <a:p>
+            <a:endParaRPr lang="en-US"/>
+          </a:p>
+        </p:txBody>
+      </p:sp>
+      <p:sp>
+        <p:nvSpPr>
+          <p:cNvPr id="5" name="Notes Placeholder 4"/>
+          <p:cNvSpPr>
+            <a:spLocks noGrp="1"/>
+          </p:cNvSpPr>
+          <p:nvPr>
+            <p:ph type="body" sz="quarter" idx="3"/>
+          </p:nvPr>
+        </p:nvSpPr>
+        <p:spPr>
+          <a:xfrm>
+            <a:off x="685800" y="4400550"/>
+            <a:ext cx="5486400" cy="3600450"/>
+          </a:xfrm>
+          <a:prstGeom prst="rect">
+            <a:avLst/>
+          </a:prstGeom>
+        </p:spPr>
+        <p:txBody>
+          <a:bodyPr vert="horz" lIns="91440" tIns="45720" rIns="91440" bIns="45720" rtlCol="0"/>
+          <a:lstStyle/>
+          <a:p>
+            <a:pPr lvl="0"/>
+            <a:r>
+              <a:rPr lang="en-US"/>
+              <a:t>Click to edit Master text styles</a:t>
+            </a:r>
+          </a:p>
+          <a:p>
+            <a:pPr lvl="1"/>
+            <a:r>
+              <a:rPr lang="en-US"/>
+              <a:t>Second level</a:t>
+            </a:r>
+          </a:p>
+          <a:p>
+            <a:pPr lvl="2"/>
+            <a:r>
+              <a:rPr lang="en-US"/>
+              <a:t>Third level</a:t>
+            </a:r>
+          </a:p>
+          <a:p>
+            <a:pPr lvl="3"/>
+            <a:r>
+              <a:rPr lang="en-US"/>
+              <a:t>Fourth level</a:t>
+            </a:r>
+          </a:p>
+          <a:p>
+            <a:pPr lvl="4"/>
+            <a:r>
+              <a:rPr lang="en-US"/>
+              <a:t>Fifth level</a:t>
+            </a:r>
+          </a:p>
+        </p:txBody>
+      </p:sp>
+      <p:sp>
+        <p:nvSpPr>
+          <p:cNvPr id="6" name="Footer Placeholder 5"/>
+          <p:cNvSpPr>
+            <a:spLocks noGrp="1"/>
+          </p:cNvSpPr>
+          <p:nvPr>
+            <p:ph type="ftr" sz="quarter" idx="4"/>
+          </p:nvPr>
+        </p:nvSpPr>
+        <p:spPr>
+          <a:xfrm>
+            <a:off x="0" y="8685213"/>
+            <a:ext cx="2971800" cy="458787"/>
+          </a:xfrm>
+          <a:prstGeom prst="rect">
+            <a:avLst/>
+          </a:prstGeom>
+        </p:spPr>
+        <p:txBody>
+          <a:bodyPr vert="horz" lIns="91440" tIns="45720" rIns="91440" bIns="45720" rtlCol="0" anchor="b"/>
+          <a:lstStyle>
+            <a:lvl1pPr algn="l">
+              <a:defRPr sz="1200"/>
+            </a:lvl1pPr>
+          </a:lstStyle>
+          <a:p>
+            <a:endParaRPr lang="en-US"/>
+          </a:p>
+        </p:txBody>
+      </p:sp>
+      <p:sp>
+        <p:nvSpPr>
+          <p:cNvPr id="7" name="Slide Number Placeholder 6"/>
+          <p:cNvSpPr>
+            <a:spLocks noGrp="1"/>
+          </p:cNvSpPr>
+          <p:nvPr>
+            <p:ph type="sldNum" sz="quarter" idx="5"/>
+          </p:nvPr>
+        </p:nvSpPr>
+        <p:spPr>
+          <a:xfrm>
+            <a:off x="3884613" y="8685213"/>
+            <a:ext cx="2971800" cy="458787"/>
+          </a:xfrm>
+          <a:prstGeom prst="rect">
+            <a:avLst/>
+          </a:prstGeom>
+        </p:spPr>
+        <p:txBody>
+          <a:bodyPr vert="horz" lIns="91440" tIns="45720" rIns="91440" bIns="45720" rtlCol="0" anchor="b"/>
+          <a:lstStyle>
+            <a:lvl1pPr algn="r">
+              <a:defRPr sz="1200"/>
+            </a:lvl1pPr>
+          </a:lstStyle>
+          <a:p>
+            <a:fld id="{2046F256-CE45-D249-B9AE-E3E60DE04CE0}" type="slidenum">
+              <a:rPr lang="en-US" smtClean="0"/>
+              <a:t>‹#›</a:t>
+            </a:fld>
+            <a:endParaRPr lang="en-US"/>
+          </a:p>
+        </p:txBody>
+      </p:sp>
+    </p:spTree>
+    <p:extLst>
+      <p:ext uri="{BB962C8B-B14F-4D97-AF65-F5344CB8AC3E}">
+        <p14:creationId xmlns:p14="http://schemas.microsoft.com/office/powerpoint/2010/main" val="1698504244"/>
+      </p:ext>
+    </p:extLst>
+  </p:cSld>
+  <p:clrMap bg1="lt1" tx1="dk1" bg2="lt2" tx2="dk2" accent1="accent1" accent2="accent2" accent3="accent3" accent4="accent4" accent5="accent5" accent6="accent6" hlink="hlink" folHlink="folHlink"/>
+  <p:notesStyle>
+    <a:lvl1pPr marL="0" algn="l" defTabSz="914400" rtl="0" eaLnBrk="1" latinLnBrk="0" hangingPunct="1">
+      <a:defRPr sz="1200" kern="1200">
+        <a:solidFill>
+          <a:schemeClr val="tx1"/>
+        </a:solidFill>
+        <a:latin typeface="+mn-lt"/>
+        <a:ea typeface="+mn-ea"/>
+        <a:cs typeface="+mn-cs"/>
+      </a:defRPr>
+    </a:lvl1pPr>
+    <a:lvl2pPr marL="457200" algn="l" defTabSz="914400" rtl="0" eaLnBrk="1" latinLnBrk="0" hangingPunct="1">
+      <a:defRPr sz="1200" kern="1200">
+        <a:solidFill>
+          <a:schemeClr val="tx1"/>
+        </a:solidFill>
+        <a:latin typeface="+mn-lt"/>
+        <a:ea typeface="+mn-ea"/>
+        <a:cs typeface="+mn-cs"/>
+      </a:defRPr>
+    </a:lvl2pPr>
+    <a:lvl3pPr marL="914400" algn="l" defTabSz="914400" rtl="0" eaLnBrk="1" latinLnBrk="0" hangingPunct="1">
+      <a:defRPr sz="1200" kern="1200">
+        <a:solidFill>
+          <a:schemeClr val="tx1"/>
+        </a:solidFill>
+        <a:latin typeface="+mn-lt"/>
+        <a:ea typeface="+mn-ea"/>
+        <a:cs typeface="+mn-cs"/>
+      </a:defRPr>
+    </a:lvl3pPr>
+    <a:lvl4pPr marL="1371600" algn="l" defTabSz="914400" rtl="0" eaLnBrk="1" latinLnBrk="0" hangingPunct="1">
+      <a:defRPr sz="1200" kern="1200">
+        <a:solidFill>
+          <a:schemeClr val="tx1"/>
+        </a:solidFill>
+        <a:latin typeface="+mn-lt"/>
+        <a:ea typeface="+mn-ea"/>
+        <a:cs typeface="+mn-cs"/>
+      </a:defRPr>
+    </a:lvl4pPr>
+    <a:lvl5pPr marL="1828800" algn="l" defTabSz="914400" rtl="0" eaLnBrk="1" latinLnBrk="0" hangingPunct="1">
+      <a:defRPr sz="1200" kern="1200">
+        <a:solidFill>
+          <a:schemeClr val="tx1"/>
+        </a:solidFill>
+        <a:latin typeface="+mn-lt"/>
+        <a:ea typeface="+mn-ea"/>
+        <a:cs typeface="+mn-cs"/>
+      </a:defRPr>
+    </a:lvl5pPr>
+    <a:lvl6pPr marL="2286000" algn="l" defTabSz="914400" rtl="0" eaLnBrk="1" latinLnBrk="0" hangingPunct="1">
+      <a:defRPr sz="1200" kern="1200">
+        <a:solidFill>
+          <a:schemeClr val="tx1"/>
+        </a:solidFill>
+        <a:latin typeface="+mn-lt"/>
+        <a:ea typeface="+mn-ea"/>
+        <a:cs typeface="+mn-cs"/>
+      </a:defRPr>
+    </a:lvl6pPr>
+    <a:lvl7pPr marL="2743200" algn="l" defTabSz="914400" rtl="0" eaLnBrk="1" latinLnBrk="0" hangingPunct="1">
+      <a:defRPr sz="1200" kern="1200">
+        <a:solidFill>
+          <a:schemeClr val="tx1"/>
+        </a:solidFill>
+        <a:latin typeface="+mn-lt"/>
+        <a:ea typeface="+mn-ea"/>
+        <a:cs typeface="+mn-cs"/>
+      </a:defRPr>
+    </a:lvl7pPr>
+    <a:lvl8pPr marL="3200400" algn="l" defTabSz="914400" rtl="0" eaLnBrk="1" latinLnBrk="0" hangingPunct="1">
+      <a:defRPr sz="1200" kern="1200">
+        <a:solidFill>
+          <a:schemeClr val="tx1"/>
+        </a:solidFill>
+        <a:latin typeface="+mn-lt"/>
+        <a:ea typeface="+mn-ea"/>
+        <a:cs typeface="+mn-cs"/>
+      </a:defRPr>
+    </a:lvl8pPr>
+    <a:lvl9pPr marL="3657600" algn="l" defTabSz="914400" rtl="0" eaLnBrk="1" latinLnBrk="0" hangingPunct="1">
+      <a:defRPr sz="1200" kern="1200">
+        <a:solidFill>
+          <a:schemeClr val="tx1"/>
+        </a:solidFill>
+        <a:latin typeface="+mn-lt"/>
+        <a:ea typeface="+mn-ea"/>
+        <a:cs typeface="+mn-cs"/>
+      </a:defRPr>
+    </a:lvl9pPr>
+  </p:notesStyle>
+</p:notesMaster>
+</file>
+
+<file path=ppt/notesSlides/notesSlide1.xml><?xml version="1.0" encoding="utf-8"?>
+<p:notes xmlns:a="http://schemas.openxmlformats.org/drawingml/2006/main" xmlns:r="http://schemas.openxmlformats.org/officeDocument/2006/relationships" xmlns:p="http://schemas.openxmlformats.org/presentationml/2006/main">
+  <p:cSld>
+    <p:spTree>
+      <p:nvGrpSpPr>
+        <p:cNvPr id="1" name="">
+          <a:extLst>
+            <a:ext uri="{FF2B5EF4-FFF2-40B4-BE49-F238E27FC236}">
+              <a16:creationId xmlns:a16="http://schemas.microsoft.com/office/drawing/2014/main" id="{6FE0B98B-E2BA-9BB8-DE32-52B006C621EE}"/>
+            </a:ext>
+          </a:extLst>
+        </p:cNvPr>
+        <p:cNvGrpSpPr/>
+        <p:nvPr/>
+      </p:nvGrpSpPr>
+      <p:grpSpPr>
+        <a:xfrm>
+          <a:off x="0" y="0"/>
+          <a:ext cx="0" cy="0"/>
+          <a:chOff x="0" y="0"/>
+          <a:chExt cx="0" cy="0"/>
+        </a:xfrm>
+      </p:grpSpPr>
+      <p:sp>
+        <p:nvSpPr>
+          <p:cNvPr id="2" name="Slide Image Placeholder 1">
+            <a:extLst>
+              <a:ext uri="{FF2B5EF4-FFF2-40B4-BE49-F238E27FC236}">
+                <a16:creationId xmlns:a16="http://schemas.microsoft.com/office/drawing/2014/main" id="{B4773038-0C35-C1FE-246F-93CB646E8C1E}"/>
+              </a:ext>
+            </a:extLst>
+          </p:cNvPr>
+          <p:cNvSpPr>
+            <a:spLocks noGrp="1" noRot="1" noChangeAspect="1"/>
+          </p:cNvSpPr>
+          <p:nvPr>
+            <p:ph type="sldImg"/>
+          </p:nvPr>
+        </p:nvSpPr>
+        <p:spPr/>
+      </p:sp>
+      <p:sp>
+        <p:nvSpPr>
+          <p:cNvPr id="3" name="Notes Placeholder 2">
+            <a:extLst>
+              <a:ext uri="{FF2B5EF4-FFF2-40B4-BE49-F238E27FC236}">
+                <a16:creationId xmlns:a16="http://schemas.microsoft.com/office/drawing/2014/main" id="{6698797F-0590-6791-7141-CF3BFD90875C}"/>
+              </a:ext>
+            </a:extLst>
+          </p:cNvPr>
+          <p:cNvSpPr>
+            <a:spLocks noGrp="1"/>
+          </p:cNvSpPr>
+          <p:nvPr>
+            <p:ph type="body" idx="1"/>
+          </p:nvPr>
+        </p:nvSpPr>
+        <p:spPr/>
+        <p:txBody>
+          <a:bodyPr/>
+          <a:lstStyle/>
+          <a:p>
+            <a:pPr marL="228600" indent="-228600">
+              <a:buAutoNum type="arabicPeriod"/>
+            </a:pPr>
+            <a:r>
+              <a:rPr lang="en-US" dirty="0"/>
+              <a:t>Mention annotation of feature tables. Maybe show example. </a:t>
+            </a:r>
+          </a:p>
+          <a:p>
+            <a:pPr marL="228600" indent="-228600">
+              <a:buAutoNum type="arabicPeriod"/>
+            </a:pPr>
+            <a:endParaRPr lang="en-US" dirty="0"/>
+          </a:p>
+        </p:txBody>
+      </p:sp>
+      <p:sp>
+        <p:nvSpPr>
+          <p:cNvPr id="4" name="Slide Number Placeholder 3">
+            <a:extLst>
+              <a:ext uri="{FF2B5EF4-FFF2-40B4-BE49-F238E27FC236}">
+                <a16:creationId xmlns:a16="http://schemas.microsoft.com/office/drawing/2014/main" id="{650AEA71-F9FB-DFB5-9EEF-AA37D7CEA528}"/>
+              </a:ext>
+            </a:extLst>
+          </p:cNvPr>
+          <p:cNvSpPr>
+            <a:spLocks noGrp="1"/>
+          </p:cNvSpPr>
+          <p:nvPr>
+            <p:ph type="sldNum" sz="quarter" idx="5"/>
+          </p:nvPr>
+        </p:nvSpPr>
+        <p:spPr/>
+        <p:txBody>
+          <a:bodyPr/>
+          <a:lstStyle/>
+          <a:p>
+            <a:fld id="{2AEDF837-FFD0-B148-9DB5-4E257F2DA1EF}" type="slidenum">
+              <a:rPr lang="en-US" smtClean="0"/>
+              <a:t>1</a:t>
+            </a:fld>
+            <a:endParaRPr lang="en-US"/>
+          </a:p>
+        </p:txBody>
+      </p:sp>
+    </p:spTree>
+    <p:extLst>
+      <p:ext uri="{BB962C8B-B14F-4D97-AF65-F5344CB8AC3E}">
+        <p14:creationId xmlns:p14="http://schemas.microsoft.com/office/powerpoint/2010/main" val="1602240479"/>
+      </p:ext>
+    </p:extLst>
+  </p:cSld>
+  <p:clrMapOvr>
+    <a:masterClrMapping/>
+  </p:clrMapOvr>
+</p:notes>
+</file>
+
+<file path=ppt/notesSlides/notesSlide2.xml><?xml version="1.0" encoding="utf-8"?>
+<p:notes xmlns:a="http://schemas.openxmlformats.org/drawingml/2006/main" xmlns:r="http://schemas.openxmlformats.org/officeDocument/2006/relationships" xmlns:p="http://schemas.openxmlformats.org/presentationml/2006/main">
+  <p:cSld>
+    <p:spTree>
+      <p:nvGrpSpPr>
+        <p:cNvPr id="1" name="">
+          <a:extLst>
+            <a:ext uri="{FF2B5EF4-FFF2-40B4-BE49-F238E27FC236}">
+              <a16:creationId xmlns:a16="http://schemas.microsoft.com/office/drawing/2014/main" id="{C018AA8F-0742-58B9-8213-B51D0F7B240C}"/>
+            </a:ext>
+          </a:extLst>
+        </p:cNvPr>
+        <p:cNvGrpSpPr/>
+        <p:nvPr/>
+      </p:nvGrpSpPr>
+      <p:grpSpPr>
+        <a:xfrm>
+          <a:off x="0" y="0"/>
+          <a:ext cx="0" cy="0"/>
+          <a:chOff x="0" y="0"/>
+          <a:chExt cx="0" cy="0"/>
+        </a:xfrm>
+      </p:grpSpPr>
+      <p:sp>
+        <p:nvSpPr>
+          <p:cNvPr id="2" name="Slide Image Placeholder 1">
+            <a:extLst>
+              <a:ext uri="{FF2B5EF4-FFF2-40B4-BE49-F238E27FC236}">
+                <a16:creationId xmlns:a16="http://schemas.microsoft.com/office/drawing/2014/main" id="{1A9E52DD-B6CA-D1D1-21A9-6BAAD8BA793F}"/>
+              </a:ext>
+            </a:extLst>
+          </p:cNvPr>
+          <p:cNvSpPr>
+            <a:spLocks noGrp="1" noRot="1" noChangeAspect="1"/>
+          </p:cNvSpPr>
+          <p:nvPr>
+            <p:ph type="sldImg"/>
+          </p:nvPr>
+        </p:nvSpPr>
+        <p:spPr/>
+      </p:sp>
+      <p:sp>
+        <p:nvSpPr>
+          <p:cNvPr id="3" name="Notes Placeholder 2">
+            <a:extLst>
+              <a:ext uri="{FF2B5EF4-FFF2-40B4-BE49-F238E27FC236}">
+                <a16:creationId xmlns:a16="http://schemas.microsoft.com/office/drawing/2014/main" id="{D2EC795E-57D8-FDCB-9AE1-CF53E908C02C}"/>
+              </a:ext>
+            </a:extLst>
+          </p:cNvPr>
+          <p:cNvSpPr>
+            <a:spLocks noGrp="1"/>
+          </p:cNvSpPr>
+          <p:nvPr>
+            <p:ph type="body" idx="1"/>
+          </p:nvPr>
+        </p:nvSpPr>
+        <p:spPr/>
+        <p:txBody>
+          <a:bodyPr/>
+          <a:lstStyle/>
+          <a:p>
+            <a:endParaRPr lang="en-US" dirty="0"/>
+          </a:p>
+        </p:txBody>
+      </p:sp>
+      <p:sp>
+        <p:nvSpPr>
+          <p:cNvPr id="4" name="Slide Number Placeholder 3">
+            <a:extLst>
+              <a:ext uri="{FF2B5EF4-FFF2-40B4-BE49-F238E27FC236}">
+                <a16:creationId xmlns:a16="http://schemas.microsoft.com/office/drawing/2014/main" id="{E22F1FA7-3581-7E5B-026B-828E05F9D92F}"/>
+              </a:ext>
+            </a:extLst>
+          </p:cNvPr>
+          <p:cNvSpPr>
+            <a:spLocks noGrp="1"/>
+          </p:cNvSpPr>
+          <p:nvPr>
+            <p:ph type="sldNum" sz="quarter" idx="5"/>
+          </p:nvPr>
+        </p:nvSpPr>
+        <p:spPr/>
+        <p:txBody>
+          <a:bodyPr/>
+          <a:lstStyle/>
+          <a:p>
+            <a:fld id="{2AEDF837-FFD0-B148-9DB5-4E257F2DA1EF}" type="slidenum">
+              <a:rPr lang="en-US" smtClean="0"/>
+              <a:t>8</a:t>
+            </a:fld>
+            <a:endParaRPr lang="en-US"/>
+          </a:p>
+        </p:txBody>
+      </p:sp>
+    </p:spTree>
+    <p:extLst>
+      <p:ext uri="{BB962C8B-B14F-4D97-AF65-F5344CB8AC3E}">
+        <p14:creationId xmlns:p14="http://schemas.microsoft.com/office/powerpoint/2010/main" val="2835223556"/>
+      </p:ext>
+    </p:extLst>
+  </p:cSld>
+  <p:clrMapOvr>
+    <a:masterClrMapping/>
+  </p:clrMapOvr>
+</p:notes>
+</file>
+
+<file path=ppt/notesSlides/notesSlide3.xml><?xml version="1.0" encoding="utf-8"?>
+<p:notes xmlns:a="http://schemas.openxmlformats.org/drawingml/2006/main" xmlns:r="http://schemas.openxmlformats.org/officeDocument/2006/relationships" xmlns:p="http://schemas.openxmlformats.org/presentationml/2006/main">
+  <p:cSld>
+    <p:spTree>
+      <p:nvGrpSpPr>
+        <p:cNvPr id="1" name="">
+          <a:extLst>
+            <a:ext uri="{FF2B5EF4-FFF2-40B4-BE49-F238E27FC236}">
+              <a16:creationId xmlns:a16="http://schemas.microsoft.com/office/drawing/2014/main" id="{1A2B464F-3343-DEDD-97B0-D1E72251BF2D}"/>
+            </a:ext>
+          </a:extLst>
+        </p:cNvPr>
+        <p:cNvGrpSpPr/>
+        <p:nvPr/>
+      </p:nvGrpSpPr>
+      <p:grpSpPr>
+        <a:xfrm>
+          <a:off x="0" y="0"/>
+          <a:ext cx="0" cy="0"/>
+          <a:chOff x="0" y="0"/>
+          <a:chExt cx="0" cy="0"/>
+        </a:xfrm>
+      </p:grpSpPr>
+      <p:sp>
+        <p:nvSpPr>
+          <p:cNvPr id="2" name="Slide Image Placeholder 1">
+            <a:extLst>
+              <a:ext uri="{FF2B5EF4-FFF2-40B4-BE49-F238E27FC236}">
+                <a16:creationId xmlns:a16="http://schemas.microsoft.com/office/drawing/2014/main" id="{EDD81741-AB25-DC22-C406-6FE0940BA7B9}"/>
+              </a:ext>
+            </a:extLst>
+          </p:cNvPr>
+          <p:cNvSpPr>
+            <a:spLocks noGrp="1" noRot="1" noChangeAspect="1"/>
+          </p:cNvSpPr>
+          <p:nvPr>
+            <p:ph type="sldImg"/>
+          </p:nvPr>
+        </p:nvSpPr>
+        <p:spPr/>
+      </p:sp>
+      <p:sp>
+        <p:nvSpPr>
+          <p:cNvPr id="3" name="Notes Placeholder 2">
+            <a:extLst>
+              <a:ext uri="{FF2B5EF4-FFF2-40B4-BE49-F238E27FC236}">
+                <a16:creationId xmlns:a16="http://schemas.microsoft.com/office/drawing/2014/main" id="{B8541271-1299-FAB5-1D4E-9F8C20F2B066}"/>
+              </a:ext>
+            </a:extLst>
+          </p:cNvPr>
+          <p:cNvSpPr>
+            <a:spLocks noGrp="1"/>
+          </p:cNvSpPr>
+          <p:nvPr>
+            <p:ph type="body" idx="1"/>
+          </p:nvPr>
+        </p:nvSpPr>
+        <p:spPr/>
+        <p:txBody>
+          <a:bodyPr/>
+          <a:lstStyle/>
+          <a:p>
+            <a:pPr marL="0" marR="0" lvl="0" indent="0" algn="l" defTabSz="914400" rtl="0" eaLnBrk="1" fontAlgn="auto" latinLnBrk="0" hangingPunct="1">
+              <a:lnSpc>
+                <a:spcPct val="100000"/>
+              </a:lnSpc>
+              <a:spcBef>
+                <a:spcPts val="0"/>
+              </a:spcBef>
+              <a:spcAft>
+                <a:spcPts val="0"/>
+              </a:spcAft>
+              <a:buClrTx/>
+              <a:buSzTx/>
+              <a:buFontTx/>
+              <a:buNone/>
+              <a:tabLst/>
+              <a:defRPr/>
+            </a:pPr>
+            <a:r>
+              <a:rPr lang="en-US" sz="1200" b="1" dirty="0" err="1">
+                <a:latin typeface="Lato" panose="020F0502020204030203" pitchFamily="34" charset="0"/>
+                <a:ea typeface="Lato" panose="020F0502020204030203" pitchFamily="34" charset="0"/>
+                <a:cs typeface="Lato" panose="020F0502020204030203" pitchFamily="34" charset="0"/>
+              </a:rPr>
+              <a:t>mzunit</a:t>
+            </a:r>
+            <a:r>
+              <a:rPr lang="en-US" sz="1200" b="1" dirty="0">
+                <a:latin typeface="Lato" panose="020F0502020204030203" pitchFamily="34" charset="0"/>
+                <a:ea typeface="Lato" panose="020F0502020204030203" pitchFamily="34" charset="0"/>
+                <a:cs typeface="Lato" panose="020F0502020204030203" pitchFamily="34" charset="0"/>
+              </a:rPr>
+              <a:t>, CAMERA, </a:t>
+            </a:r>
+            <a:r>
+              <a:rPr lang="en-US" sz="1200" b="1" dirty="0" err="1">
+                <a:latin typeface="Lato" panose="020F0502020204030203" pitchFamily="34" charset="0"/>
+                <a:ea typeface="Lato" panose="020F0502020204030203" pitchFamily="34" charset="0"/>
+                <a:cs typeface="Lato" panose="020F0502020204030203" pitchFamily="34" charset="0"/>
+              </a:rPr>
+              <a:t>binner</a:t>
+            </a:r>
+            <a:r>
+              <a:rPr lang="en-US" sz="1200" b="1" dirty="0">
+                <a:latin typeface="Lato" panose="020F0502020204030203" pitchFamily="34" charset="0"/>
+                <a:ea typeface="Lato" panose="020F0502020204030203" pitchFamily="34" charset="0"/>
+                <a:cs typeface="Lato" panose="020F0502020204030203" pitchFamily="34" charset="0"/>
+              </a:rPr>
+              <a:t> </a:t>
+            </a:r>
+            <a:r>
+              <a:rPr lang="en-US" b="1" dirty="0">
+                <a:latin typeface="Lato" panose="020F0502020204030203" pitchFamily="34" charset="0"/>
+                <a:ea typeface="Lato" panose="020F0502020204030203" pitchFamily="34" charset="0"/>
+                <a:cs typeface="Lato" panose="020F0502020204030203" pitchFamily="34" charset="0"/>
+              </a:rPr>
+              <a:t>perform a similar ‘pre-annotation’ but </a:t>
+            </a:r>
+            <a:r>
+              <a:rPr lang="en-US" b="1" dirty="0" err="1">
+                <a:latin typeface="Lato" panose="020F0502020204030203" pitchFamily="34" charset="0"/>
+                <a:ea typeface="Lato" panose="020F0502020204030203" pitchFamily="34" charset="0"/>
+                <a:cs typeface="Lato" panose="020F0502020204030203" pitchFamily="34" charset="0"/>
+              </a:rPr>
+              <a:t>khipu</a:t>
+            </a:r>
+            <a:r>
+              <a:rPr lang="en-US" b="1" dirty="0">
+                <a:latin typeface="Lato" panose="020F0502020204030203" pitchFamily="34" charset="0"/>
+                <a:ea typeface="Lato" panose="020F0502020204030203" pitchFamily="34" charset="0"/>
+                <a:cs typeface="Lato" panose="020F0502020204030203" pitchFamily="34" charset="0"/>
+              </a:rPr>
+              <a:t> performs the regression that allows for the inference of mass and yields a computable data structure.</a:t>
+            </a:r>
+            <a:endParaRPr lang="en-US" sz="1200" b="1" dirty="0">
+              <a:latin typeface="Lato" panose="020F0502020204030203" pitchFamily="34" charset="0"/>
+              <a:ea typeface="Lato" panose="020F0502020204030203" pitchFamily="34" charset="0"/>
+              <a:cs typeface="Lato" panose="020F0502020204030203" pitchFamily="34" charset="0"/>
+            </a:endParaRPr>
+          </a:p>
+          <a:p>
+            <a:endParaRPr lang="en-US" dirty="0"/>
+          </a:p>
+        </p:txBody>
+      </p:sp>
+      <p:sp>
+        <p:nvSpPr>
+          <p:cNvPr id="4" name="Slide Number Placeholder 3">
+            <a:extLst>
+              <a:ext uri="{FF2B5EF4-FFF2-40B4-BE49-F238E27FC236}">
+                <a16:creationId xmlns:a16="http://schemas.microsoft.com/office/drawing/2014/main" id="{B6C66CE9-D692-A32F-9977-0B672DE2A37C}"/>
+              </a:ext>
+            </a:extLst>
+          </p:cNvPr>
+          <p:cNvSpPr>
+            <a:spLocks noGrp="1"/>
+          </p:cNvSpPr>
+          <p:nvPr>
+            <p:ph type="sldNum" sz="quarter" idx="5"/>
+          </p:nvPr>
+        </p:nvSpPr>
+        <p:spPr/>
+        <p:txBody>
+          <a:bodyPr/>
+          <a:lstStyle/>
+          <a:p>
+            <a:fld id="{2AEDF837-FFD0-B148-9DB5-4E257F2DA1EF}" type="slidenum">
+              <a:rPr lang="en-US" smtClean="0"/>
+              <a:t>10</a:t>
+            </a:fld>
+            <a:endParaRPr lang="en-US"/>
+          </a:p>
+        </p:txBody>
+      </p:sp>
+    </p:spTree>
+    <p:extLst>
+      <p:ext uri="{BB962C8B-B14F-4D97-AF65-F5344CB8AC3E}">
+        <p14:creationId xmlns:p14="http://schemas.microsoft.com/office/powerpoint/2010/main" val="3508028794"/>
+      </p:ext>
+    </p:extLst>
+  </p:cSld>
+  <p:clrMapOvr>
+    <a:masterClrMapping/>
+  </p:clrMapOvr>
+</p:notes>
 </file>
 
 <file path=ppt/slideLayouts/slideLayout1.xml><?xml version="1.0" encoding="utf-8"?>
@@ -260,7 +1037,7 @@
           <a:p>
             <a:fld id="{8536B192-373E-0842-999B-B5C6CEBCB427}" type="datetimeFigureOut">
               <a:rPr lang="en-US" smtClean="0"/>
-              <a:t>10/21/24</a:t>
+              <a:t>10/23/24</a:t>
             </a:fld>
             <a:endParaRPr lang="en-US"/>
           </a:p>
@@ -458,7 +1235,7 @@
           <a:p>
             <a:fld id="{8536B192-373E-0842-999B-B5C6CEBCB427}" type="datetimeFigureOut">
               <a:rPr lang="en-US" smtClean="0"/>
-              <a:t>10/21/24</a:t>
+              <a:t>10/23/24</a:t>
             </a:fld>
             <a:endParaRPr lang="en-US"/>
           </a:p>
@@ -666,7 +1443,7 @@
           <a:p>
             <a:fld id="{8536B192-373E-0842-999B-B5C6CEBCB427}" type="datetimeFigureOut">
               <a:rPr lang="en-US" smtClean="0"/>
-              <a:t>10/21/24</a:t>
+              <a:t>10/23/24</a:t>
             </a:fld>
             <a:endParaRPr lang="en-US"/>
           </a:p>
@@ -864,7 +1641,7 @@
           <a:p>
             <a:fld id="{8536B192-373E-0842-999B-B5C6CEBCB427}" type="datetimeFigureOut">
               <a:rPr lang="en-US" smtClean="0"/>
-              <a:t>10/21/24</a:t>
+              <a:t>10/23/24</a:t>
             </a:fld>
             <a:endParaRPr lang="en-US"/>
           </a:p>
@@ -1139,7 +1916,7 @@
           <a:p>
             <a:fld id="{8536B192-373E-0842-999B-B5C6CEBCB427}" type="datetimeFigureOut">
               <a:rPr lang="en-US" smtClean="0"/>
-              <a:t>10/21/24</a:t>
+              <a:t>10/23/24</a:t>
             </a:fld>
             <a:endParaRPr lang="en-US"/>
           </a:p>
@@ -1404,7 +2181,7 @@
           <a:p>
             <a:fld id="{8536B192-373E-0842-999B-B5C6CEBCB427}" type="datetimeFigureOut">
               <a:rPr lang="en-US" smtClean="0"/>
-              <a:t>10/21/24</a:t>
+              <a:t>10/23/24</a:t>
             </a:fld>
             <a:endParaRPr lang="en-US"/>
           </a:p>
@@ -1816,7 +2593,7 @@
           <a:p>
             <a:fld id="{8536B192-373E-0842-999B-B5C6CEBCB427}" type="datetimeFigureOut">
               <a:rPr lang="en-US" smtClean="0"/>
-              <a:t>10/21/24</a:t>
+              <a:t>10/23/24</a:t>
             </a:fld>
             <a:endParaRPr lang="en-US"/>
           </a:p>
@@ -1957,7 +2734,7 @@
           <a:p>
             <a:fld id="{8536B192-373E-0842-999B-B5C6CEBCB427}" type="datetimeFigureOut">
               <a:rPr lang="en-US" smtClean="0"/>
-              <a:t>10/21/24</a:t>
+              <a:t>10/23/24</a:t>
             </a:fld>
             <a:endParaRPr lang="en-US"/>
           </a:p>
@@ -2070,7 +2847,7 @@
           <a:p>
             <a:fld id="{8536B192-373E-0842-999B-B5C6CEBCB427}" type="datetimeFigureOut">
               <a:rPr lang="en-US" smtClean="0"/>
-              <a:t>10/21/24</a:t>
+              <a:t>10/23/24</a:t>
             </a:fld>
             <a:endParaRPr lang="en-US"/>
           </a:p>
@@ -2381,7 +3158,7 @@
           <a:p>
             <a:fld id="{8536B192-373E-0842-999B-B5C6CEBCB427}" type="datetimeFigureOut">
               <a:rPr lang="en-US" smtClean="0"/>
-              <a:t>10/21/24</a:t>
+              <a:t>10/23/24</a:t>
             </a:fld>
             <a:endParaRPr lang="en-US"/>
           </a:p>
@@ -2669,7 +3446,7 @@
           <a:p>
             <a:fld id="{8536B192-373E-0842-999B-B5C6CEBCB427}" type="datetimeFigureOut">
               <a:rPr lang="en-US" smtClean="0"/>
-              <a:t>10/21/24</a:t>
+              <a:t>10/23/24</a:t>
             </a:fld>
             <a:endParaRPr lang="en-US"/>
           </a:p>
@@ -2910,7 +3687,7 @@
           <a:p>
             <a:fld id="{8536B192-373E-0842-999B-B5C6CEBCB427}" type="datetimeFigureOut">
               <a:rPr lang="en-US" smtClean="0"/>
-              <a:t>10/21/24</a:t>
+              <a:t>10/23/24</a:t>
             </a:fld>
             <a:endParaRPr lang="en-US"/>
           </a:p>
@@ -3315,7 +4092,13 @@
   <p:cSld>
     <p:spTree>
       <p:nvGrpSpPr>
-        <p:cNvPr id="1" name=""/>
+        <p:cNvPr id="1" name="">
+          <a:extLst>
+            <a:ext uri="{FF2B5EF4-FFF2-40B4-BE49-F238E27FC236}">
+              <a16:creationId xmlns:a16="http://schemas.microsoft.com/office/drawing/2014/main" id="{43CCD157-8619-4E32-05D2-510A0869E794}"/>
+            </a:ext>
+          </a:extLst>
+        </p:cNvPr>
         <p:cNvGrpSpPr/>
         <p:nvPr/>
       </p:nvGrpSpPr>
@@ -3332,7 +4115,7 @@
           <p:cNvPr id="2" name="Title 1">
             <a:extLst>
               <a:ext uri="{FF2B5EF4-FFF2-40B4-BE49-F238E27FC236}">
-                <a16:creationId xmlns:a16="http://schemas.microsoft.com/office/drawing/2014/main" id="{76682D2A-99E2-BC9D-E916-03542C94737D}"/>
+                <a16:creationId xmlns:a16="http://schemas.microsoft.com/office/drawing/2014/main" id="{3328D3A7-C9AB-FD5D-BF90-F151B8092BA9}"/>
               </a:ext>
             </a:extLst>
           </p:cNvPr>
@@ -3343,22 +4126,1637 @@
             <p:ph type="ctrTitle"/>
           </p:nvPr>
         </p:nvSpPr>
-        <p:spPr/>
-        <p:txBody>
-          <a:bodyPr/>
-          <a:lstStyle/>
-          <a:p>
+        <p:spPr>
+          <a:xfrm>
+            <a:off x="1381387" y="2184214"/>
+            <a:ext cx="10060970" cy="1016186"/>
+          </a:xfrm>
+        </p:spPr>
+        <p:txBody>
+          <a:bodyPr>
+            <a:normAutofit/>
+          </a:bodyPr>
+          <a:lstStyle/>
+          <a:p>
+            <a:pPr algn="l">
+              <a:lnSpc>
+                <a:spcPct val="150000"/>
+              </a:lnSpc>
+            </a:pPr>
+            <a:r>
+              <a:rPr lang="en-US" sz="3600" b="1" dirty="0">
+                <a:solidFill>
+                  <a:srgbClr val="1F2328"/>
+                </a:solidFill>
+              </a:rPr>
+              <a:t>Working like a data scientist on </a:t>
+            </a:r>
+            <a:r>
+              <a:rPr lang="en-US" sz="3600" b="1" dirty="0" err="1">
+                <a:solidFill>
+                  <a:srgbClr val="1F2328"/>
+                </a:solidFill>
+              </a:rPr>
+              <a:t>Jupyter</a:t>
+            </a:r>
+            <a:endParaRPr lang="en-US" sz="3600" b="1" i="0" dirty="0">
+              <a:solidFill>
+                <a:srgbClr val="1F2328"/>
+              </a:solidFill>
+              <a:effectLst/>
+            </a:endParaRPr>
+          </a:p>
+        </p:txBody>
+      </p:sp>
+      <p:sp>
+        <p:nvSpPr>
+          <p:cNvPr id="3" name="Subtitle 2">
+            <a:extLst>
+              <a:ext uri="{FF2B5EF4-FFF2-40B4-BE49-F238E27FC236}">
+                <a16:creationId xmlns:a16="http://schemas.microsoft.com/office/drawing/2014/main" id="{18F65233-93C1-DD63-C704-017FA8CFC4B5}"/>
+              </a:ext>
+            </a:extLst>
+          </p:cNvPr>
+          <p:cNvSpPr>
+            <a:spLocks noGrp="1"/>
+          </p:cNvSpPr>
+          <p:nvPr>
+            <p:ph type="subTitle" idx="1"/>
+          </p:nvPr>
+        </p:nvSpPr>
+        <p:spPr>
+          <a:xfrm>
+            <a:off x="1381387" y="3789370"/>
+            <a:ext cx="9144000" cy="1783977"/>
+          </a:xfrm>
+        </p:spPr>
+        <p:txBody>
+          <a:bodyPr>
+            <a:normAutofit fontScale="92500" lnSpcReduction="20000"/>
+          </a:bodyPr>
+          <a:lstStyle/>
+          <a:p>
+            <a:pPr algn="l">
+              <a:lnSpc>
+                <a:spcPct val="110000"/>
+              </a:lnSpc>
+            </a:pPr>
             <a:r>
               <a:rPr lang="en-US" dirty="0"/>
-              <a:t>MANA 2024 Workshop</a:t>
-            </a:r>
-          </a:p>
-        </p:txBody>
-      </p:sp>
+              <a:t>Shuzhao Li, Ph.D. (</a:t>
+            </a:r>
+            <a:r>
+              <a:rPr lang="en-US" dirty="0" err="1"/>
+              <a:t>shuzhao.li@jax.org</a:t>
+            </a:r>
+            <a:r>
+              <a:rPr lang="en-US" dirty="0"/>
+              <a:t>)</a:t>
+            </a:r>
+          </a:p>
+          <a:p>
+            <a:pPr algn="l">
+              <a:lnSpc>
+                <a:spcPct val="110000"/>
+              </a:lnSpc>
+            </a:pPr>
+            <a:r>
+              <a:rPr lang="en-US" dirty="0"/>
+              <a:t>Joshua Mitchell M.D., Ph.D. (</a:t>
+            </a:r>
+            <a:r>
+              <a:rPr lang="en-US" dirty="0" err="1"/>
+              <a:t>joshua.mitchell@jax.org</a:t>
+            </a:r>
+            <a:r>
+              <a:rPr lang="en-US" dirty="0"/>
+              <a:t>)</a:t>
+            </a:r>
+          </a:p>
+          <a:p>
+            <a:pPr algn="l">
+              <a:lnSpc>
+                <a:spcPct val="110000"/>
+              </a:lnSpc>
+            </a:pPr>
+            <a:endParaRPr lang="en-US" dirty="0"/>
+          </a:p>
+          <a:p>
+            <a:pPr algn="l">
+              <a:lnSpc>
+                <a:spcPct val="110000"/>
+              </a:lnSpc>
+            </a:pPr>
+            <a:r>
+              <a:rPr lang="en-US" dirty="0"/>
+              <a:t>Oct. 23, 2024. Tampa</a:t>
+            </a:r>
+          </a:p>
+        </p:txBody>
+      </p:sp>
+      <p:pic>
+        <p:nvPicPr>
+          <p:cNvPr id="4" name="Picture 3">
+            <a:extLst>
+              <a:ext uri="{FF2B5EF4-FFF2-40B4-BE49-F238E27FC236}">
+                <a16:creationId xmlns:a16="http://schemas.microsoft.com/office/drawing/2014/main" id="{BB47989C-7D79-1053-F994-BF88D9F1D1B9}"/>
+              </a:ext>
+            </a:extLst>
+          </p:cNvPr>
+          <p:cNvPicPr>
+            <a:picLocks noChangeAspect="1"/>
+          </p:cNvPicPr>
+          <p:nvPr/>
+        </p:nvPicPr>
+        <p:blipFill>
+          <a:blip r:embed="rId3">
+            <a:extLst>
+              <a:ext uri="{28A0092B-C50C-407E-A947-70E740481C1C}">
+                <a14:useLocalDpi xmlns:a14="http://schemas.microsoft.com/office/drawing/2010/main" val="0"/>
+              </a:ext>
+            </a:extLst>
+          </a:blip>
+          <a:stretch>
+            <a:fillRect/>
+          </a:stretch>
+        </p:blipFill>
+        <p:spPr>
+          <a:xfrm>
+            <a:off x="8211670" y="493987"/>
+            <a:ext cx="2824311" cy="701028"/>
+          </a:xfrm>
+          <a:prstGeom prst="rect">
+            <a:avLst/>
+          </a:prstGeom>
+        </p:spPr>
+      </p:pic>
+      <p:sp>
+        <p:nvSpPr>
+          <p:cNvPr id="6" name="TextBox 5">
+            <a:extLst>
+              <a:ext uri="{FF2B5EF4-FFF2-40B4-BE49-F238E27FC236}">
+                <a16:creationId xmlns:a16="http://schemas.microsoft.com/office/drawing/2014/main" id="{71CB62D5-8321-C62A-8E6B-C3842FE66E06}"/>
+              </a:ext>
+            </a:extLst>
+          </p:cNvPr>
+          <p:cNvSpPr txBox="1"/>
+          <p:nvPr/>
+        </p:nvSpPr>
+        <p:spPr>
+          <a:xfrm>
+            <a:off x="1381387" y="1625599"/>
+            <a:ext cx="7589618" cy="400110"/>
+          </a:xfrm>
+          <a:prstGeom prst="rect">
+            <a:avLst/>
+          </a:prstGeom>
+          <a:noFill/>
+        </p:spPr>
+        <p:txBody>
+          <a:bodyPr wrap="square">
+            <a:spAutoFit/>
+          </a:bodyPr>
+          <a:lstStyle/>
+          <a:p>
+            <a:r>
+              <a:rPr lang="en-US" sz="2000" dirty="0">
+                <a:solidFill>
+                  <a:srgbClr val="0070C0"/>
+                </a:solidFill>
+                <a:latin typeface="Arial" panose="020B0604020202020204" pitchFamily="34" charset="0"/>
+                <a:cs typeface="Arial" panose="020B0604020202020204" pitchFamily="34" charset="0"/>
+              </a:rPr>
+              <a:t>https://</a:t>
+            </a:r>
+            <a:r>
+              <a:rPr lang="en-US" sz="2000" dirty="0" err="1">
+                <a:solidFill>
+                  <a:srgbClr val="0070C0"/>
+                </a:solidFill>
+                <a:latin typeface="Arial" panose="020B0604020202020204" pitchFamily="34" charset="0"/>
+                <a:cs typeface="Arial" panose="020B0604020202020204" pitchFamily="34" charset="0"/>
+              </a:rPr>
+              <a:t>github.com</a:t>
+            </a:r>
+            <a:r>
+              <a:rPr lang="en-US" sz="2000" dirty="0">
+                <a:solidFill>
+                  <a:srgbClr val="0070C0"/>
+                </a:solidFill>
+                <a:latin typeface="Arial" panose="020B0604020202020204" pitchFamily="34" charset="0"/>
+                <a:cs typeface="Arial" panose="020B0604020202020204" pitchFamily="34" charset="0"/>
+              </a:rPr>
+              <a:t>/</a:t>
+            </a:r>
+            <a:r>
+              <a:rPr lang="en-US" sz="2000" dirty="0" err="1">
+                <a:solidFill>
+                  <a:srgbClr val="0070C0"/>
+                </a:solidFill>
+                <a:latin typeface="Arial" panose="020B0604020202020204" pitchFamily="34" charset="0"/>
+                <a:cs typeface="Arial" panose="020B0604020202020204" pitchFamily="34" charset="0"/>
+              </a:rPr>
+              <a:t>shuzhao</a:t>
+            </a:r>
+            <a:r>
+              <a:rPr lang="en-US" sz="2000" dirty="0">
+                <a:solidFill>
+                  <a:srgbClr val="0070C0"/>
+                </a:solidFill>
+                <a:latin typeface="Arial" panose="020B0604020202020204" pitchFamily="34" charset="0"/>
+                <a:cs typeface="Arial" panose="020B0604020202020204" pitchFamily="34" charset="0"/>
+              </a:rPr>
+              <a:t>-li-lab/MANA2024</a:t>
+            </a:r>
+          </a:p>
+        </p:txBody>
+      </p:sp>
+      <p:pic>
+        <p:nvPicPr>
+          <p:cNvPr id="7" name="Picture 6" descr="A qr code with a few black squares&#10;&#10;Description automatically generated">
+            <a:extLst>
+              <a:ext uri="{FF2B5EF4-FFF2-40B4-BE49-F238E27FC236}">
+                <a16:creationId xmlns:a16="http://schemas.microsoft.com/office/drawing/2014/main" id="{2906AD9D-9DEB-B306-D5A9-3F0A7634DED1}"/>
+              </a:ext>
+            </a:extLst>
+          </p:cNvPr>
+          <p:cNvPicPr>
+            <a:picLocks noChangeAspect="1"/>
+          </p:cNvPicPr>
+          <p:nvPr/>
+        </p:nvPicPr>
+        <p:blipFill>
+          <a:blip r:embed="rId4"/>
+          <a:stretch>
+            <a:fillRect/>
+          </a:stretch>
+        </p:blipFill>
+        <p:spPr>
+          <a:xfrm>
+            <a:off x="8971005" y="3842189"/>
+            <a:ext cx="2064976" cy="2048843"/>
+          </a:xfrm>
+          <a:prstGeom prst="rect">
+            <a:avLst/>
+          </a:prstGeom>
+        </p:spPr>
+      </p:pic>
     </p:spTree>
     <p:extLst>
       <p:ext uri="{BB962C8B-B14F-4D97-AF65-F5344CB8AC3E}">
-        <p14:creationId xmlns:p14="http://schemas.microsoft.com/office/powerpoint/2010/main" val="3705698554"/>
+        <p14:creationId xmlns:p14="http://schemas.microsoft.com/office/powerpoint/2010/main" val="809701378"/>
+      </p:ext>
+    </p:extLst>
+  </p:cSld>
+  <p:clrMapOvr>
+    <a:masterClrMapping/>
+  </p:clrMapOvr>
+</p:sld>
+</file>
+
+<file path=ppt/slides/slide10.xml><?xml version="1.0" encoding="utf-8"?>
+<p:sld xmlns:a="http://schemas.openxmlformats.org/drawingml/2006/main" xmlns:r="http://schemas.openxmlformats.org/officeDocument/2006/relationships" xmlns:p="http://schemas.openxmlformats.org/presentationml/2006/main">
+  <p:cSld>
+    <p:spTree>
+      <p:nvGrpSpPr>
+        <p:cNvPr id="1" name="">
+          <a:extLst>
+            <a:ext uri="{FF2B5EF4-FFF2-40B4-BE49-F238E27FC236}">
+              <a16:creationId xmlns:a16="http://schemas.microsoft.com/office/drawing/2014/main" id="{6E6219D4-29AD-92DF-9253-F3AAFF7157F0}"/>
+            </a:ext>
+          </a:extLst>
+        </p:cNvPr>
+        <p:cNvGrpSpPr/>
+        <p:nvPr/>
+      </p:nvGrpSpPr>
+      <p:grpSpPr>
+        <a:xfrm>
+          <a:off x="0" y="0"/>
+          <a:ext cx="0" cy="0"/>
+          <a:chOff x="0" y="0"/>
+          <a:chExt cx="0" cy="0"/>
+        </a:xfrm>
+      </p:grpSpPr>
+      <p:sp>
+        <p:nvSpPr>
+          <p:cNvPr id="8" name="Google Shape;697;p15">
+            <a:extLst>
+              <a:ext uri="{FF2B5EF4-FFF2-40B4-BE49-F238E27FC236}">
+                <a16:creationId xmlns:a16="http://schemas.microsoft.com/office/drawing/2014/main" id="{10314329-7DE1-4020-176B-87610868B68A}"/>
+              </a:ext>
+            </a:extLst>
+          </p:cNvPr>
+          <p:cNvSpPr txBox="1">
+            <a:spLocks/>
+          </p:cNvSpPr>
+          <p:nvPr/>
+        </p:nvSpPr>
+        <p:spPr>
+          <a:xfrm>
+            <a:off x="473657" y="2567"/>
+            <a:ext cx="10954400" cy="763600"/>
+          </a:xfrm>
+          <a:prstGeom prst="rect">
+            <a:avLst/>
+          </a:prstGeom>
+        </p:spPr>
+        <p:txBody>
+          <a:bodyPr spcFirstLastPara="1" vert="horz" wrap="square" lIns="121900" tIns="121900" rIns="121900" bIns="121900" rtlCol="0" anchor="t" anchorCtr="0">
+            <a:noAutofit/>
+          </a:bodyPr>
+          <a:lstStyle>
+            <a:lvl1pPr algn="l" defTabSz="914400" rtl="0" eaLnBrk="1" latinLnBrk="0" hangingPunct="1">
+              <a:lnSpc>
+                <a:spcPct val="90000"/>
+              </a:lnSpc>
+              <a:spcBef>
+                <a:spcPct val="0"/>
+              </a:spcBef>
+              <a:buNone/>
+              <a:defRPr sz="4400" kern="1200">
+                <a:solidFill>
+                  <a:schemeClr val="tx1"/>
+                </a:solidFill>
+                <a:latin typeface="+mj-lt"/>
+                <a:ea typeface="+mj-ea"/>
+                <a:cs typeface="+mj-cs"/>
+              </a:defRPr>
+            </a:lvl1pPr>
+          </a:lstStyle>
+          <a:p>
+            <a:pPr algn="ctr"/>
+            <a:r>
+              <a:rPr lang="en-US" sz="2667" b="1" dirty="0">
+                <a:latin typeface="Lato" panose="020F0502020204030203" pitchFamily="34" charset="0"/>
+                <a:ea typeface="Lato" panose="020F0502020204030203" pitchFamily="34" charset="0"/>
+                <a:cs typeface="Lato" panose="020F0502020204030203" pitchFamily="34" charset="0"/>
+              </a:rPr>
+              <a:t>What is Pre-Annotation?</a:t>
+            </a:r>
+            <a:endParaRPr lang="en-US" sz="2667" dirty="0">
+              <a:latin typeface="Lato" panose="020F0502020204030203" pitchFamily="34" charset="0"/>
+              <a:ea typeface="Lato" panose="020F0502020204030203" pitchFamily="34" charset="0"/>
+              <a:cs typeface="Lato" panose="020F0502020204030203" pitchFamily="34" charset="0"/>
+            </a:endParaRPr>
+          </a:p>
+        </p:txBody>
+      </p:sp>
+      <p:cxnSp>
+        <p:nvCxnSpPr>
+          <p:cNvPr id="2" name="Straight Connector 1">
+            <a:extLst>
+              <a:ext uri="{FF2B5EF4-FFF2-40B4-BE49-F238E27FC236}">
+                <a16:creationId xmlns:a16="http://schemas.microsoft.com/office/drawing/2014/main" id="{774F3ED4-3290-7239-D14C-E7C19FF78AD4}"/>
+              </a:ext>
+            </a:extLst>
+          </p:cNvPr>
+          <p:cNvCxnSpPr>
+            <a:cxnSpLocks/>
+          </p:cNvCxnSpPr>
+          <p:nvPr/>
+        </p:nvCxnSpPr>
+        <p:spPr>
+          <a:xfrm flipH="1">
+            <a:off x="2793247" y="3667829"/>
+            <a:ext cx="6226842" cy="0"/>
+          </a:xfrm>
+          <a:prstGeom prst="line">
+            <a:avLst/>
+          </a:prstGeom>
+          <a:ln w="28575">
+            <a:solidFill>
+              <a:schemeClr val="tx1"/>
+            </a:solidFill>
+          </a:ln>
+        </p:spPr>
+        <p:style>
+          <a:lnRef idx="1">
+            <a:schemeClr val="accent1"/>
+          </a:lnRef>
+          <a:fillRef idx="0">
+            <a:schemeClr val="accent1"/>
+          </a:fillRef>
+          <a:effectRef idx="0">
+            <a:schemeClr val="accent1"/>
+          </a:effectRef>
+          <a:fontRef idx="minor">
+            <a:schemeClr val="tx1"/>
+          </a:fontRef>
+        </p:style>
+      </p:cxnSp>
+      <p:sp>
+        <p:nvSpPr>
+          <p:cNvPr id="10" name="TextBox 9">
+            <a:extLst>
+              <a:ext uri="{FF2B5EF4-FFF2-40B4-BE49-F238E27FC236}">
+                <a16:creationId xmlns:a16="http://schemas.microsoft.com/office/drawing/2014/main" id="{7E825D89-095F-C87D-1615-DE15243CB51D}"/>
+              </a:ext>
+            </a:extLst>
+          </p:cNvPr>
+          <p:cNvSpPr txBox="1"/>
+          <p:nvPr/>
+        </p:nvSpPr>
+        <p:spPr>
+          <a:xfrm flipH="1">
+            <a:off x="2080996" y="3469268"/>
+            <a:ext cx="654806" cy="369332"/>
+          </a:xfrm>
+          <a:prstGeom prst="rect">
+            <a:avLst/>
+          </a:prstGeom>
+          <a:noFill/>
+        </p:spPr>
+        <p:txBody>
+          <a:bodyPr wrap="square" rtlCol="0">
+            <a:spAutoFit/>
+          </a:bodyPr>
+          <a:lstStyle/>
+          <a:p>
+            <a:pPr algn="ctr"/>
+            <a:r>
+              <a:rPr lang="en-US" dirty="0"/>
+              <a:t>m/z</a:t>
+            </a:r>
+          </a:p>
+        </p:txBody>
+      </p:sp>
+      <p:cxnSp>
+        <p:nvCxnSpPr>
+          <p:cNvPr id="12" name="Straight Connector 11">
+            <a:extLst>
+              <a:ext uri="{FF2B5EF4-FFF2-40B4-BE49-F238E27FC236}">
+                <a16:creationId xmlns:a16="http://schemas.microsoft.com/office/drawing/2014/main" id="{F9E07897-1721-D991-B716-4961207A2BCD}"/>
+              </a:ext>
+            </a:extLst>
+          </p:cNvPr>
+          <p:cNvCxnSpPr>
+            <a:cxnSpLocks/>
+          </p:cNvCxnSpPr>
+          <p:nvPr/>
+        </p:nvCxnSpPr>
+        <p:spPr>
+          <a:xfrm flipV="1">
+            <a:off x="3599379" y="2487644"/>
+            <a:ext cx="0" cy="1180185"/>
+          </a:xfrm>
+          <a:prstGeom prst="line">
+            <a:avLst/>
+          </a:prstGeom>
+          <a:ln w="28575">
+            <a:solidFill>
+              <a:schemeClr val="tx1"/>
+            </a:solidFill>
+          </a:ln>
+        </p:spPr>
+        <p:style>
+          <a:lnRef idx="1">
+            <a:schemeClr val="accent1"/>
+          </a:lnRef>
+          <a:fillRef idx="0">
+            <a:schemeClr val="accent1"/>
+          </a:fillRef>
+          <a:effectRef idx="0">
+            <a:schemeClr val="accent1"/>
+          </a:effectRef>
+          <a:fontRef idx="minor">
+            <a:schemeClr val="tx1"/>
+          </a:fontRef>
+        </p:style>
+      </p:cxnSp>
+      <p:cxnSp>
+        <p:nvCxnSpPr>
+          <p:cNvPr id="14" name="Straight Connector 13">
+            <a:extLst>
+              <a:ext uri="{FF2B5EF4-FFF2-40B4-BE49-F238E27FC236}">
+                <a16:creationId xmlns:a16="http://schemas.microsoft.com/office/drawing/2014/main" id="{7C76722F-F1E5-F46F-0FF9-8C84E2183453}"/>
+              </a:ext>
+            </a:extLst>
+          </p:cNvPr>
+          <p:cNvCxnSpPr>
+            <a:cxnSpLocks/>
+          </p:cNvCxnSpPr>
+          <p:nvPr/>
+        </p:nvCxnSpPr>
+        <p:spPr>
+          <a:xfrm flipV="1">
+            <a:off x="3925200" y="3077736"/>
+            <a:ext cx="0" cy="590092"/>
+          </a:xfrm>
+          <a:prstGeom prst="line">
+            <a:avLst/>
+          </a:prstGeom>
+          <a:ln w="28575">
+            <a:solidFill>
+              <a:schemeClr val="tx1"/>
+            </a:solidFill>
+          </a:ln>
+        </p:spPr>
+        <p:style>
+          <a:lnRef idx="1">
+            <a:schemeClr val="accent1"/>
+          </a:lnRef>
+          <a:fillRef idx="0">
+            <a:schemeClr val="accent1"/>
+          </a:fillRef>
+          <a:effectRef idx="0">
+            <a:schemeClr val="accent1"/>
+          </a:effectRef>
+          <a:fontRef idx="minor">
+            <a:schemeClr val="tx1"/>
+          </a:fontRef>
+        </p:style>
+      </p:cxnSp>
+      <p:cxnSp>
+        <p:nvCxnSpPr>
+          <p:cNvPr id="16" name="Straight Connector 15">
+            <a:extLst>
+              <a:ext uri="{FF2B5EF4-FFF2-40B4-BE49-F238E27FC236}">
+                <a16:creationId xmlns:a16="http://schemas.microsoft.com/office/drawing/2014/main" id="{9603F41A-B0C4-0402-8FE4-24EDFE62FD62}"/>
+              </a:ext>
+            </a:extLst>
+          </p:cNvPr>
+          <p:cNvCxnSpPr>
+            <a:cxnSpLocks/>
+          </p:cNvCxnSpPr>
+          <p:nvPr/>
+        </p:nvCxnSpPr>
+        <p:spPr>
+          <a:xfrm flipV="1">
+            <a:off x="4251021" y="3459851"/>
+            <a:ext cx="0" cy="207977"/>
+          </a:xfrm>
+          <a:prstGeom prst="line">
+            <a:avLst/>
+          </a:prstGeom>
+          <a:ln w="28575">
+            <a:solidFill>
+              <a:schemeClr val="tx1"/>
+            </a:solidFill>
+          </a:ln>
+        </p:spPr>
+        <p:style>
+          <a:lnRef idx="1">
+            <a:schemeClr val="accent1"/>
+          </a:lnRef>
+          <a:fillRef idx="0">
+            <a:schemeClr val="accent1"/>
+          </a:fillRef>
+          <a:effectRef idx="0">
+            <a:schemeClr val="accent1"/>
+          </a:effectRef>
+          <a:fontRef idx="minor">
+            <a:schemeClr val="tx1"/>
+          </a:fontRef>
+        </p:style>
+      </p:cxnSp>
+      <p:cxnSp>
+        <p:nvCxnSpPr>
+          <p:cNvPr id="18" name="Straight Connector 17">
+            <a:extLst>
+              <a:ext uri="{FF2B5EF4-FFF2-40B4-BE49-F238E27FC236}">
+                <a16:creationId xmlns:a16="http://schemas.microsoft.com/office/drawing/2014/main" id="{985A0FC4-EDCE-F601-4F43-9D9B7E5FB72F}"/>
+              </a:ext>
+            </a:extLst>
+          </p:cNvPr>
+          <p:cNvCxnSpPr>
+            <a:cxnSpLocks/>
+          </p:cNvCxnSpPr>
+          <p:nvPr/>
+        </p:nvCxnSpPr>
+        <p:spPr>
+          <a:xfrm flipV="1">
+            <a:off x="6636869" y="2844996"/>
+            <a:ext cx="0" cy="822833"/>
+          </a:xfrm>
+          <a:prstGeom prst="line">
+            <a:avLst/>
+          </a:prstGeom>
+          <a:ln w="28575">
+            <a:solidFill>
+              <a:schemeClr val="tx1"/>
+            </a:solidFill>
+          </a:ln>
+        </p:spPr>
+        <p:style>
+          <a:lnRef idx="1">
+            <a:schemeClr val="accent1"/>
+          </a:lnRef>
+          <a:fillRef idx="0">
+            <a:schemeClr val="accent1"/>
+          </a:fillRef>
+          <a:effectRef idx="0">
+            <a:schemeClr val="accent1"/>
+          </a:effectRef>
+          <a:fontRef idx="minor">
+            <a:schemeClr val="tx1"/>
+          </a:fontRef>
+        </p:style>
+      </p:cxnSp>
+      <p:cxnSp>
+        <p:nvCxnSpPr>
+          <p:cNvPr id="19" name="Straight Connector 18">
+            <a:extLst>
+              <a:ext uri="{FF2B5EF4-FFF2-40B4-BE49-F238E27FC236}">
+                <a16:creationId xmlns:a16="http://schemas.microsoft.com/office/drawing/2014/main" id="{5A5D1EC3-B5F2-033A-B303-8F4E2065C8E4}"/>
+              </a:ext>
+            </a:extLst>
+          </p:cNvPr>
+          <p:cNvCxnSpPr>
+            <a:cxnSpLocks/>
+          </p:cNvCxnSpPr>
+          <p:nvPr/>
+        </p:nvCxnSpPr>
+        <p:spPr>
+          <a:xfrm flipV="1">
+            <a:off x="6962690" y="3373140"/>
+            <a:ext cx="0" cy="294688"/>
+          </a:xfrm>
+          <a:prstGeom prst="line">
+            <a:avLst/>
+          </a:prstGeom>
+          <a:ln w="28575">
+            <a:solidFill>
+              <a:schemeClr val="tx1"/>
+            </a:solidFill>
+          </a:ln>
+        </p:spPr>
+        <p:style>
+          <a:lnRef idx="1">
+            <a:schemeClr val="accent1"/>
+          </a:lnRef>
+          <a:fillRef idx="0">
+            <a:schemeClr val="accent1"/>
+          </a:fillRef>
+          <a:effectRef idx="0">
+            <a:schemeClr val="accent1"/>
+          </a:effectRef>
+          <a:fontRef idx="minor">
+            <a:schemeClr val="tx1"/>
+          </a:fontRef>
+        </p:style>
+      </p:cxnSp>
+      <p:cxnSp>
+        <p:nvCxnSpPr>
+          <p:cNvPr id="25" name="Straight Connector 24">
+            <a:extLst>
+              <a:ext uri="{FF2B5EF4-FFF2-40B4-BE49-F238E27FC236}">
+                <a16:creationId xmlns:a16="http://schemas.microsoft.com/office/drawing/2014/main" id="{2A62E996-B537-069D-485F-1179C0678BC3}"/>
+              </a:ext>
+            </a:extLst>
+          </p:cNvPr>
+          <p:cNvCxnSpPr>
+            <a:cxnSpLocks/>
+          </p:cNvCxnSpPr>
+          <p:nvPr/>
+        </p:nvCxnSpPr>
+        <p:spPr>
+          <a:xfrm flipV="1">
+            <a:off x="8289621" y="3152423"/>
+            <a:ext cx="0" cy="515406"/>
+          </a:xfrm>
+          <a:prstGeom prst="line">
+            <a:avLst/>
+          </a:prstGeom>
+          <a:ln w="28575">
+            <a:solidFill>
+              <a:schemeClr val="tx1"/>
+            </a:solidFill>
+          </a:ln>
+        </p:spPr>
+        <p:style>
+          <a:lnRef idx="1">
+            <a:schemeClr val="accent1"/>
+          </a:lnRef>
+          <a:fillRef idx="0">
+            <a:schemeClr val="accent1"/>
+          </a:fillRef>
+          <a:effectRef idx="0">
+            <a:schemeClr val="accent1"/>
+          </a:effectRef>
+          <a:fontRef idx="minor">
+            <a:schemeClr val="tx1"/>
+          </a:fontRef>
+        </p:style>
+      </p:cxnSp>
+      <p:pic>
+        <p:nvPicPr>
+          <p:cNvPr id="27" name="Picture 2" descr="keletal formula of arginine">
+            <a:extLst>
+              <a:ext uri="{FF2B5EF4-FFF2-40B4-BE49-F238E27FC236}">
+                <a16:creationId xmlns:a16="http://schemas.microsoft.com/office/drawing/2014/main" id="{ADE0A0D0-DAAE-94AD-2144-90CECC55D204}"/>
+              </a:ext>
+            </a:extLst>
+          </p:cNvPr>
+          <p:cNvPicPr>
+            <a:picLocks noChangeAspect="1" noChangeArrowheads="1"/>
+          </p:cNvPicPr>
+          <p:nvPr/>
+        </p:nvPicPr>
+        <p:blipFill>
+          <a:blip r:embed="rId3">
+            <a:extLst>
+              <a:ext uri="{28A0092B-C50C-407E-A947-70E740481C1C}">
+                <a14:useLocalDpi xmlns:a14="http://schemas.microsoft.com/office/drawing/2010/main" val="0"/>
+              </a:ext>
+            </a:extLst>
+          </a:blip>
+          <a:srcRect/>
+          <a:stretch>
+            <a:fillRect/>
+          </a:stretch>
+        </p:blipFill>
+        <p:spPr bwMode="auto">
+          <a:xfrm>
+            <a:off x="129274" y="1193871"/>
+            <a:ext cx="2430770" cy="881154"/>
+          </a:xfrm>
+          <a:prstGeom prst="rect">
+            <a:avLst/>
+          </a:prstGeom>
+          <a:noFill/>
+          <a:extLst>
+            <a:ext uri="{909E8E84-426E-40DD-AFC4-6F175D3DCCD1}">
+              <a14:hiddenFill xmlns:a14="http://schemas.microsoft.com/office/drawing/2010/main">
+                <a:solidFill>
+                  <a:srgbClr val="FFFFFF"/>
+                </a:solidFill>
+              </a14:hiddenFill>
+            </a:ext>
+          </a:extLst>
+        </p:spPr>
+      </p:pic>
+      <p:cxnSp>
+        <p:nvCxnSpPr>
+          <p:cNvPr id="29" name="Curved Connector 28">
+            <a:extLst>
+              <a:ext uri="{FF2B5EF4-FFF2-40B4-BE49-F238E27FC236}">
+                <a16:creationId xmlns:a16="http://schemas.microsoft.com/office/drawing/2014/main" id="{A3BC624A-B100-1F31-7124-D3A3F5EB518A}"/>
+              </a:ext>
+            </a:extLst>
+          </p:cNvPr>
+          <p:cNvCxnSpPr>
+            <a:stCxn id="27" idx="3"/>
+          </p:cNvCxnSpPr>
+          <p:nvPr/>
+        </p:nvCxnSpPr>
+        <p:spPr>
+          <a:xfrm>
+            <a:off x="2560044" y="1634448"/>
+            <a:ext cx="3220231" cy="853196"/>
+          </a:xfrm>
+          <a:prstGeom prst="curvedConnector3">
+            <a:avLst>
+              <a:gd name="adj1" fmla="val 99937"/>
+            </a:avLst>
+          </a:prstGeom>
+          <a:ln>
+            <a:tailEnd type="triangle"/>
+          </a:ln>
+        </p:spPr>
+        <p:style>
+          <a:lnRef idx="1">
+            <a:schemeClr val="accent1"/>
+          </a:lnRef>
+          <a:fillRef idx="0">
+            <a:schemeClr val="accent1"/>
+          </a:fillRef>
+          <a:effectRef idx="0">
+            <a:schemeClr val="accent1"/>
+          </a:effectRef>
+          <a:fontRef idx="minor">
+            <a:schemeClr val="tx1"/>
+          </a:fontRef>
+        </p:style>
+      </p:cxnSp>
+      <p:sp>
+        <p:nvSpPr>
+          <p:cNvPr id="31" name="TextBox 30">
+            <a:extLst>
+              <a:ext uri="{FF2B5EF4-FFF2-40B4-BE49-F238E27FC236}">
+                <a16:creationId xmlns:a16="http://schemas.microsoft.com/office/drawing/2014/main" id="{AB39A43C-FB88-DB7D-5EAF-52F907E91F0C}"/>
+              </a:ext>
+            </a:extLst>
+          </p:cNvPr>
+          <p:cNvSpPr txBox="1"/>
+          <p:nvPr/>
+        </p:nvSpPr>
+        <p:spPr>
+          <a:xfrm>
+            <a:off x="643880" y="2112648"/>
+            <a:ext cx="2007476" cy="646331"/>
+          </a:xfrm>
+          <a:prstGeom prst="rect">
+            <a:avLst/>
+          </a:prstGeom>
+          <a:noFill/>
+        </p:spPr>
+        <p:txBody>
+          <a:bodyPr wrap="square" rtlCol="0">
+            <a:spAutoFit/>
+          </a:bodyPr>
+          <a:lstStyle/>
+          <a:p>
+            <a:r>
+              <a:rPr lang="en-US" dirty="0"/>
+              <a:t>One Compound, Many Features</a:t>
+            </a:r>
+          </a:p>
+        </p:txBody>
+      </p:sp>
+      <p:sp>
+        <p:nvSpPr>
+          <p:cNvPr id="32" name="TextBox 31">
+            <a:extLst>
+              <a:ext uri="{FF2B5EF4-FFF2-40B4-BE49-F238E27FC236}">
+                <a16:creationId xmlns:a16="http://schemas.microsoft.com/office/drawing/2014/main" id="{02AB28B3-328F-1007-F15B-F2BF96DC1AF9}"/>
+              </a:ext>
+            </a:extLst>
+          </p:cNvPr>
+          <p:cNvSpPr txBox="1"/>
+          <p:nvPr/>
+        </p:nvSpPr>
+        <p:spPr>
+          <a:xfrm>
+            <a:off x="3223751" y="2099600"/>
+            <a:ext cx="1003623" cy="369332"/>
+          </a:xfrm>
+          <a:prstGeom prst="rect">
+            <a:avLst/>
+          </a:prstGeom>
+          <a:noFill/>
+        </p:spPr>
+        <p:txBody>
+          <a:bodyPr wrap="square" rtlCol="0">
+            <a:spAutoFit/>
+          </a:bodyPr>
+          <a:lstStyle/>
+          <a:p>
+            <a:r>
+              <a:rPr lang="en-US" dirty="0"/>
+              <a:t>m, +H</a:t>
+            </a:r>
+            <a:r>
+              <a:rPr lang="en-US" baseline="30000" dirty="0"/>
+              <a:t>+</a:t>
+            </a:r>
+          </a:p>
+        </p:txBody>
+      </p:sp>
+      <p:sp>
+        <p:nvSpPr>
+          <p:cNvPr id="33" name="TextBox 32">
+            <a:extLst>
+              <a:ext uri="{FF2B5EF4-FFF2-40B4-BE49-F238E27FC236}">
+                <a16:creationId xmlns:a16="http://schemas.microsoft.com/office/drawing/2014/main" id="{B3D0425D-7133-70EE-41A9-3B5819AEE588}"/>
+              </a:ext>
+            </a:extLst>
+          </p:cNvPr>
+          <p:cNvSpPr txBox="1"/>
+          <p:nvPr/>
+        </p:nvSpPr>
+        <p:spPr>
+          <a:xfrm>
+            <a:off x="3733032" y="2679103"/>
+            <a:ext cx="1608559" cy="369332"/>
+          </a:xfrm>
+          <a:prstGeom prst="rect">
+            <a:avLst/>
+          </a:prstGeom>
+          <a:noFill/>
+        </p:spPr>
+        <p:txBody>
+          <a:bodyPr wrap="square" rtlCol="0">
+            <a:spAutoFit/>
+          </a:bodyPr>
+          <a:lstStyle/>
+          <a:p>
+            <a:r>
+              <a:rPr lang="en-US" dirty="0"/>
+              <a:t>m+</a:t>
+            </a:r>
+            <a:r>
+              <a:rPr lang="en-US" baseline="30000" dirty="0"/>
+              <a:t>13</a:t>
+            </a:r>
+            <a:r>
+              <a:rPr lang="en-US" dirty="0"/>
+              <a:t>C</a:t>
+            </a:r>
+            <a:r>
+              <a:rPr lang="en-US" baseline="-25000" dirty="0"/>
+              <a:t>1</a:t>
+            </a:r>
+            <a:r>
+              <a:rPr lang="en-US" dirty="0"/>
+              <a:t>, +H</a:t>
+            </a:r>
+            <a:r>
+              <a:rPr lang="en-US" baseline="30000" dirty="0"/>
+              <a:t>+</a:t>
+            </a:r>
+          </a:p>
+        </p:txBody>
+      </p:sp>
+      <p:sp>
+        <p:nvSpPr>
+          <p:cNvPr id="34" name="TextBox 33">
+            <a:extLst>
+              <a:ext uri="{FF2B5EF4-FFF2-40B4-BE49-F238E27FC236}">
+                <a16:creationId xmlns:a16="http://schemas.microsoft.com/office/drawing/2014/main" id="{5C31FDB2-02CC-3DA0-8735-5B52C12ABF8A}"/>
+              </a:ext>
+            </a:extLst>
+          </p:cNvPr>
+          <p:cNvSpPr txBox="1"/>
+          <p:nvPr/>
+        </p:nvSpPr>
+        <p:spPr>
+          <a:xfrm>
+            <a:off x="4090378" y="3090519"/>
+            <a:ext cx="1608559" cy="369332"/>
+          </a:xfrm>
+          <a:prstGeom prst="rect">
+            <a:avLst/>
+          </a:prstGeom>
+          <a:noFill/>
+        </p:spPr>
+        <p:txBody>
+          <a:bodyPr wrap="square" rtlCol="0">
+            <a:spAutoFit/>
+          </a:bodyPr>
+          <a:lstStyle/>
+          <a:p>
+            <a:r>
+              <a:rPr lang="en-US" dirty="0"/>
+              <a:t>m+</a:t>
+            </a:r>
+            <a:r>
+              <a:rPr lang="en-US" baseline="30000" dirty="0"/>
+              <a:t>13</a:t>
+            </a:r>
+            <a:r>
+              <a:rPr lang="en-US" dirty="0"/>
+              <a:t>C</a:t>
+            </a:r>
+            <a:r>
+              <a:rPr lang="en-US" baseline="-25000" dirty="0"/>
+              <a:t>2</a:t>
+            </a:r>
+            <a:r>
+              <a:rPr lang="en-US" dirty="0"/>
+              <a:t>, +H</a:t>
+            </a:r>
+            <a:r>
+              <a:rPr lang="en-US" baseline="30000" dirty="0"/>
+              <a:t>+</a:t>
+            </a:r>
+          </a:p>
+        </p:txBody>
+      </p:sp>
+      <p:sp>
+        <p:nvSpPr>
+          <p:cNvPr id="35" name="TextBox 34">
+            <a:extLst>
+              <a:ext uri="{FF2B5EF4-FFF2-40B4-BE49-F238E27FC236}">
+                <a16:creationId xmlns:a16="http://schemas.microsoft.com/office/drawing/2014/main" id="{2CAB4AB3-CB64-D63B-C43C-3859A1E11E62}"/>
+              </a:ext>
+            </a:extLst>
+          </p:cNvPr>
+          <p:cNvSpPr txBox="1"/>
+          <p:nvPr/>
+        </p:nvSpPr>
+        <p:spPr>
+          <a:xfrm>
+            <a:off x="6135057" y="2435813"/>
+            <a:ext cx="1003623" cy="369332"/>
+          </a:xfrm>
+          <a:prstGeom prst="rect">
+            <a:avLst/>
+          </a:prstGeom>
+          <a:noFill/>
+        </p:spPr>
+        <p:txBody>
+          <a:bodyPr wrap="square" rtlCol="0">
+            <a:spAutoFit/>
+          </a:bodyPr>
+          <a:lstStyle/>
+          <a:p>
+            <a:r>
+              <a:rPr lang="en-US" dirty="0"/>
+              <a:t>m, +Na</a:t>
+            </a:r>
+            <a:r>
+              <a:rPr lang="en-US" baseline="30000" dirty="0"/>
+              <a:t>+</a:t>
+            </a:r>
+          </a:p>
+        </p:txBody>
+      </p:sp>
+      <p:sp>
+        <p:nvSpPr>
+          <p:cNvPr id="36" name="TextBox 35">
+            <a:extLst>
+              <a:ext uri="{FF2B5EF4-FFF2-40B4-BE49-F238E27FC236}">
+                <a16:creationId xmlns:a16="http://schemas.microsoft.com/office/drawing/2014/main" id="{2BBB46F3-429D-0B14-0600-5DEF1F21BBED}"/>
+              </a:ext>
+            </a:extLst>
+          </p:cNvPr>
+          <p:cNvSpPr txBox="1"/>
+          <p:nvPr/>
+        </p:nvSpPr>
+        <p:spPr>
+          <a:xfrm>
+            <a:off x="6668521" y="3052817"/>
+            <a:ext cx="1447912" cy="369332"/>
+          </a:xfrm>
+          <a:prstGeom prst="rect">
+            <a:avLst/>
+          </a:prstGeom>
+          <a:noFill/>
+        </p:spPr>
+        <p:txBody>
+          <a:bodyPr wrap="square" rtlCol="0">
+            <a:spAutoFit/>
+          </a:bodyPr>
+          <a:lstStyle/>
+          <a:p>
+            <a:r>
+              <a:rPr lang="en-US" dirty="0"/>
+              <a:t>m+</a:t>
+            </a:r>
+            <a:r>
+              <a:rPr lang="en-US" baseline="30000" dirty="0"/>
+              <a:t>13</a:t>
+            </a:r>
+            <a:r>
+              <a:rPr lang="en-US" dirty="0"/>
+              <a:t>C</a:t>
+            </a:r>
+            <a:r>
+              <a:rPr lang="en-US" baseline="-25000" dirty="0"/>
+              <a:t>1</a:t>
+            </a:r>
+            <a:r>
+              <a:rPr lang="en-US" dirty="0"/>
+              <a:t>, +Na</a:t>
+            </a:r>
+            <a:r>
+              <a:rPr lang="en-US" baseline="30000" dirty="0"/>
+              <a:t>+</a:t>
+            </a:r>
+          </a:p>
+        </p:txBody>
+      </p:sp>
+      <p:sp>
+        <p:nvSpPr>
+          <p:cNvPr id="37" name="TextBox 36">
+            <a:extLst>
+              <a:ext uri="{FF2B5EF4-FFF2-40B4-BE49-F238E27FC236}">
+                <a16:creationId xmlns:a16="http://schemas.microsoft.com/office/drawing/2014/main" id="{3236AD29-829F-5FDD-0DD8-AE93CE550E34}"/>
+              </a:ext>
+            </a:extLst>
+          </p:cNvPr>
+          <p:cNvSpPr txBox="1"/>
+          <p:nvPr/>
+        </p:nvSpPr>
+        <p:spPr>
+          <a:xfrm>
+            <a:off x="8012470" y="2787610"/>
+            <a:ext cx="1447912" cy="369332"/>
+          </a:xfrm>
+          <a:prstGeom prst="rect">
+            <a:avLst/>
+          </a:prstGeom>
+          <a:noFill/>
+        </p:spPr>
+        <p:txBody>
+          <a:bodyPr wrap="square" rtlCol="0">
+            <a:spAutoFit/>
+          </a:bodyPr>
+          <a:lstStyle/>
+          <a:p>
+            <a:r>
+              <a:rPr lang="en-US" dirty="0"/>
+              <a:t>m, +ACN</a:t>
+            </a:r>
+            <a:r>
+              <a:rPr lang="en-US" baseline="30000" dirty="0"/>
+              <a:t>+</a:t>
+            </a:r>
+          </a:p>
+        </p:txBody>
+      </p:sp>
+      <p:sp>
+        <p:nvSpPr>
+          <p:cNvPr id="38" name="Left Brace 37">
+            <a:extLst>
+              <a:ext uri="{FF2B5EF4-FFF2-40B4-BE49-F238E27FC236}">
+                <a16:creationId xmlns:a16="http://schemas.microsoft.com/office/drawing/2014/main" id="{69C652E0-A2DC-64FF-2BD1-602E9EF686E3}"/>
+              </a:ext>
+            </a:extLst>
+          </p:cNvPr>
+          <p:cNvSpPr/>
+          <p:nvPr/>
+        </p:nvSpPr>
+        <p:spPr>
+          <a:xfrm rot="16200000">
+            <a:off x="5720857" y="779468"/>
+            <a:ext cx="430504" cy="6400613"/>
+          </a:xfrm>
+          <a:prstGeom prst="leftBrace">
+            <a:avLst/>
+          </a:prstGeom>
+          <a:ln w="28575">
+            <a:solidFill>
+              <a:schemeClr val="tx1"/>
+            </a:solidFill>
+          </a:ln>
+        </p:spPr>
+        <p:style>
+          <a:lnRef idx="1">
+            <a:schemeClr val="accent1"/>
+          </a:lnRef>
+          <a:fillRef idx="0">
+            <a:schemeClr val="accent1"/>
+          </a:fillRef>
+          <a:effectRef idx="0">
+            <a:schemeClr val="accent1"/>
+          </a:effectRef>
+          <a:fontRef idx="minor">
+            <a:schemeClr val="tx1"/>
+          </a:fontRef>
+        </p:style>
+        <p:txBody>
+          <a:bodyPr rtlCol="0" anchor="ctr"/>
+          <a:lstStyle/>
+          <a:p>
+            <a:pPr algn="ctr"/>
+            <a:endParaRPr lang="en-US"/>
+          </a:p>
+        </p:txBody>
+      </p:sp>
+      <p:sp>
+        <p:nvSpPr>
+          <p:cNvPr id="39" name="TextBox 38">
+            <a:extLst>
+              <a:ext uri="{FF2B5EF4-FFF2-40B4-BE49-F238E27FC236}">
+                <a16:creationId xmlns:a16="http://schemas.microsoft.com/office/drawing/2014/main" id="{52BC594A-A5E2-03BE-B3F7-91213AE2E7B8}"/>
+              </a:ext>
+            </a:extLst>
+          </p:cNvPr>
+          <p:cNvSpPr txBox="1"/>
+          <p:nvPr/>
+        </p:nvSpPr>
+        <p:spPr>
+          <a:xfrm>
+            <a:off x="9256571" y="1650983"/>
+            <a:ext cx="2695904" cy="1200329"/>
+          </a:xfrm>
+          <a:prstGeom prst="rect">
+            <a:avLst/>
+          </a:prstGeom>
+          <a:noFill/>
+        </p:spPr>
+        <p:txBody>
+          <a:bodyPr wrap="square" rtlCol="0">
+            <a:spAutoFit/>
+          </a:bodyPr>
+          <a:lstStyle/>
+          <a:p>
+            <a:pPr algn="ctr"/>
+            <a:r>
+              <a:rPr lang="en-US" dirty="0"/>
+              <a:t>Traditional techniques, each feature is queried for annotation = 6 searches! More false positives</a:t>
+            </a:r>
+          </a:p>
+        </p:txBody>
+      </p:sp>
+      <p:sp>
+        <p:nvSpPr>
+          <p:cNvPr id="42" name="TextBox 41">
+            <a:extLst>
+              <a:ext uri="{FF2B5EF4-FFF2-40B4-BE49-F238E27FC236}">
+                <a16:creationId xmlns:a16="http://schemas.microsoft.com/office/drawing/2014/main" id="{A50BE3FD-780A-2EF9-353C-C553555D623D}"/>
+              </a:ext>
+            </a:extLst>
+          </p:cNvPr>
+          <p:cNvSpPr txBox="1"/>
+          <p:nvPr/>
+        </p:nvSpPr>
+        <p:spPr>
+          <a:xfrm>
+            <a:off x="4588157" y="4244982"/>
+            <a:ext cx="2695904" cy="369332"/>
+          </a:xfrm>
+          <a:prstGeom prst="rect">
+            <a:avLst/>
+          </a:prstGeom>
+          <a:noFill/>
+        </p:spPr>
+        <p:txBody>
+          <a:bodyPr wrap="square" rtlCol="0">
+            <a:spAutoFit/>
+          </a:bodyPr>
+          <a:lstStyle/>
+          <a:p>
+            <a:pPr algn="ctr"/>
+            <a:r>
+              <a:rPr lang="en-US" dirty="0"/>
+              <a:t>Empirical Compound</a:t>
+            </a:r>
+          </a:p>
+        </p:txBody>
+      </p:sp>
+      <p:cxnSp>
+        <p:nvCxnSpPr>
+          <p:cNvPr id="43" name="Straight Connector 42">
+            <a:extLst>
+              <a:ext uri="{FF2B5EF4-FFF2-40B4-BE49-F238E27FC236}">
+                <a16:creationId xmlns:a16="http://schemas.microsoft.com/office/drawing/2014/main" id="{B5367C8B-275A-FBC3-5F8B-4A11A6234793}"/>
+              </a:ext>
+            </a:extLst>
+          </p:cNvPr>
+          <p:cNvCxnSpPr>
+            <a:cxnSpLocks/>
+          </p:cNvCxnSpPr>
+          <p:nvPr/>
+        </p:nvCxnSpPr>
+        <p:spPr>
+          <a:xfrm>
+            <a:off x="5948500" y="4614314"/>
+            <a:ext cx="0" cy="395664"/>
+          </a:xfrm>
+          <a:prstGeom prst="line">
+            <a:avLst/>
+          </a:prstGeom>
+          <a:ln w="28575">
+            <a:solidFill>
+              <a:schemeClr val="tx1"/>
+            </a:solidFill>
+            <a:headEnd type="none" w="med" len="med"/>
+            <a:tailEnd type="triangle" w="med" len="med"/>
+          </a:ln>
+        </p:spPr>
+        <p:style>
+          <a:lnRef idx="1">
+            <a:schemeClr val="accent1"/>
+          </a:lnRef>
+          <a:fillRef idx="0">
+            <a:schemeClr val="accent1"/>
+          </a:fillRef>
+          <a:effectRef idx="0">
+            <a:schemeClr val="accent1"/>
+          </a:effectRef>
+          <a:fontRef idx="minor">
+            <a:schemeClr val="tx1"/>
+          </a:fontRef>
+        </p:style>
+      </p:cxnSp>
+      <p:sp>
+        <p:nvSpPr>
+          <p:cNvPr id="47" name="TextBox 46">
+            <a:extLst>
+              <a:ext uri="{FF2B5EF4-FFF2-40B4-BE49-F238E27FC236}">
+                <a16:creationId xmlns:a16="http://schemas.microsoft.com/office/drawing/2014/main" id="{C9054F24-D481-BACD-0256-2DC8ECFB0761}"/>
+              </a:ext>
+            </a:extLst>
+          </p:cNvPr>
+          <p:cNvSpPr txBox="1"/>
+          <p:nvPr/>
+        </p:nvSpPr>
+        <p:spPr>
+          <a:xfrm>
+            <a:off x="4580275" y="5034047"/>
+            <a:ext cx="2695904" cy="369332"/>
+          </a:xfrm>
+          <a:prstGeom prst="rect">
+            <a:avLst/>
+          </a:prstGeom>
+          <a:noFill/>
+        </p:spPr>
+        <p:txBody>
+          <a:bodyPr wrap="square" rtlCol="0">
+            <a:spAutoFit/>
+          </a:bodyPr>
+          <a:lstStyle/>
+          <a:p>
+            <a:pPr algn="ctr"/>
+            <a:r>
+              <a:rPr lang="en-US" dirty="0"/>
+              <a:t>Inferred Neutral Mass</a:t>
+            </a:r>
+          </a:p>
+        </p:txBody>
+      </p:sp>
+      <p:cxnSp>
+        <p:nvCxnSpPr>
+          <p:cNvPr id="48" name="Straight Connector 47">
+            <a:extLst>
+              <a:ext uri="{FF2B5EF4-FFF2-40B4-BE49-F238E27FC236}">
+                <a16:creationId xmlns:a16="http://schemas.microsoft.com/office/drawing/2014/main" id="{5AA75064-7E67-8145-5E06-64F1290996B9}"/>
+              </a:ext>
+            </a:extLst>
+          </p:cNvPr>
+          <p:cNvCxnSpPr>
+            <a:cxnSpLocks/>
+          </p:cNvCxnSpPr>
+          <p:nvPr/>
+        </p:nvCxnSpPr>
+        <p:spPr>
+          <a:xfrm>
+            <a:off x="7138680" y="5218713"/>
+            <a:ext cx="1150941" cy="0"/>
+          </a:xfrm>
+          <a:prstGeom prst="line">
+            <a:avLst/>
+          </a:prstGeom>
+          <a:ln w="28575">
+            <a:solidFill>
+              <a:schemeClr val="tx1"/>
+            </a:solidFill>
+            <a:headEnd type="none" w="med" len="med"/>
+            <a:tailEnd type="triangle" w="med" len="med"/>
+          </a:ln>
+        </p:spPr>
+        <p:style>
+          <a:lnRef idx="1">
+            <a:schemeClr val="accent1"/>
+          </a:lnRef>
+          <a:fillRef idx="0">
+            <a:schemeClr val="accent1"/>
+          </a:fillRef>
+          <a:effectRef idx="0">
+            <a:schemeClr val="accent1"/>
+          </a:effectRef>
+          <a:fontRef idx="minor">
+            <a:schemeClr val="tx1"/>
+          </a:fontRef>
+        </p:style>
+      </p:cxnSp>
+      <p:sp>
+        <p:nvSpPr>
+          <p:cNvPr id="51" name="TextBox 50">
+            <a:extLst>
+              <a:ext uri="{FF2B5EF4-FFF2-40B4-BE49-F238E27FC236}">
+                <a16:creationId xmlns:a16="http://schemas.microsoft.com/office/drawing/2014/main" id="{864C3F01-43BB-5445-B198-59D945788586}"/>
+              </a:ext>
+            </a:extLst>
+          </p:cNvPr>
+          <p:cNvSpPr txBox="1"/>
+          <p:nvPr/>
+        </p:nvSpPr>
+        <p:spPr>
+          <a:xfrm>
+            <a:off x="8506906" y="4775522"/>
+            <a:ext cx="2695904" cy="1200329"/>
+          </a:xfrm>
+          <a:prstGeom prst="rect">
+            <a:avLst/>
+          </a:prstGeom>
+          <a:noFill/>
+        </p:spPr>
+        <p:txBody>
+          <a:bodyPr wrap="square" rtlCol="0">
+            <a:spAutoFit/>
+          </a:bodyPr>
+          <a:lstStyle/>
+          <a:p>
+            <a:pPr algn="ctr"/>
+            <a:r>
+              <a:rPr lang="en-US" dirty="0"/>
+              <a:t>Empirical compound means one query and fewer false positives.</a:t>
+            </a:r>
+          </a:p>
+          <a:p>
+            <a:pPr algn="ctr"/>
+            <a:endParaRPr lang="en-US" dirty="0"/>
+          </a:p>
+        </p:txBody>
+      </p:sp>
+      <p:pic>
+        <p:nvPicPr>
+          <p:cNvPr id="3" name="Picture 2">
+            <a:extLst>
+              <a:ext uri="{FF2B5EF4-FFF2-40B4-BE49-F238E27FC236}">
+                <a16:creationId xmlns:a16="http://schemas.microsoft.com/office/drawing/2014/main" id="{CAB1BF83-E2C8-F63E-F054-884B8C212150}"/>
+              </a:ext>
+            </a:extLst>
+          </p:cNvPr>
+          <p:cNvPicPr>
+            <a:picLocks noChangeAspect="1"/>
+          </p:cNvPicPr>
+          <p:nvPr/>
+        </p:nvPicPr>
+        <p:blipFill>
+          <a:blip r:embed="rId4"/>
+          <a:stretch>
+            <a:fillRect/>
+          </a:stretch>
+        </p:blipFill>
+        <p:spPr>
+          <a:xfrm>
+            <a:off x="1860258" y="4402894"/>
+            <a:ext cx="2691888" cy="1787052"/>
+          </a:xfrm>
+          <a:prstGeom prst="rect">
+            <a:avLst/>
+          </a:prstGeom>
+        </p:spPr>
+      </p:pic>
+    </p:spTree>
+    <p:extLst>
+      <p:ext uri="{BB962C8B-B14F-4D97-AF65-F5344CB8AC3E}">
+        <p14:creationId xmlns:p14="http://schemas.microsoft.com/office/powerpoint/2010/main" val="889736281"/>
+      </p:ext>
+    </p:extLst>
+  </p:cSld>
+  <p:clrMapOvr>
+    <a:masterClrMapping/>
+  </p:clrMapOvr>
+  <p:timing>
+    <p:tnLst>
+      <p:par>
+        <p:cTn id="1" dur="indefinite" restart="never" nodeType="tmRoot">
+          <p:childTnLst>
+            <p:seq concurrent="1" nextAc="seek">
+              <p:cTn id="2" dur="indefinite" nodeType="mainSeq">
+                <p:childTnLst>
+                  <p:par>
+                    <p:cTn id="3" fill="hold">
+                      <p:stCondLst>
+                        <p:cond delay="indefinite"/>
+                      </p:stCondLst>
+                      <p:childTnLst>
+                        <p:par>
+                          <p:cTn id="4" fill="hold">
+                            <p:stCondLst>
+                              <p:cond delay="0"/>
+                            </p:stCondLst>
+                            <p:childTnLst>
+                              <p:par>
+                                <p:cTn id="5" presetID="1" presetClass="entr" presetSubtype="0" fill="hold" nodeType="clickEffect">
+                                  <p:stCondLst>
+                                    <p:cond delay="0"/>
+                                  </p:stCondLst>
+                                  <p:childTnLst>
+                                    <p:set>
+                                      <p:cBhvr>
+                                        <p:cTn id="6" dur="1" fill="hold">
+                                          <p:stCondLst>
+                                            <p:cond delay="0"/>
+                                          </p:stCondLst>
+                                        </p:cTn>
+                                        <p:tgtEl>
+                                          <p:spTgt spid="27"/>
+                                        </p:tgtEl>
+                                        <p:attrNameLst>
+                                          <p:attrName>style.visibility</p:attrName>
+                                        </p:attrNameLst>
+                                      </p:cBhvr>
+                                      <p:to>
+                                        <p:strVal val="visible"/>
+                                      </p:to>
+                                    </p:set>
+                                  </p:childTnLst>
+                                </p:cTn>
+                              </p:par>
+                            </p:childTnLst>
+                          </p:cTn>
+                        </p:par>
+                      </p:childTnLst>
+                    </p:cTn>
+                  </p:par>
+                </p:childTnLst>
+              </p:cTn>
+              <p:prevCondLst>
+                <p:cond evt="onPrev" delay="0">
+                  <p:tgtEl>
+                    <p:sldTgt/>
+                  </p:tgtEl>
+                </p:cond>
+              </p:prevCondLst>
+              <p:nextCondLst>
+                <p:cond evt="onNext" delay="0">
+                  <p:tgtEl>
+                    <p:sldTgt/>
+                  </p:tgtEl>
+                </p:cond>
+              </p:nextCondLst>
+            </p:seq>
+          </p:childTnLst>
+        </p:cTn>
+      </p:par>
+    </p:tnLst>
+  </p:timing>
+</p:sld>
+</file>
+
+<file path=ppt/slides/slide11.xml><?xml version="1.0" encoding="utf-8"?>
+<p:sld xmlns:a="http://schemas.openxmlformats.org/drawingml/2006/main" xmlns:r="http://schemas.openxmlformats.org/officeDocument/2006/relationships" xmlns:p="http://schemas.openxmlformats.org/presentationml/2006/main">
+  <p:cSld>
+    <p:spTree>
+      <p:nvGrpSpPr>
+        <p:cNvPr id="1" name="">
+          <a:extLst>
+            <a:ext uri="{FF2B5EF4-FFF2-40B4-BE49-F238E27FC236}">
+              <a16:creationId xmlns:a16="http://schemas.microsoft.com/office/drawing/2014/main" id="{62BEA899-A83F-DF3F-4BA3-0C08DB941D22}"/>
+            </a:ext>
+          </a:extLst>
+        </p:cNvPr>
+        <p:cNvGrpSpPr/>
+        <p:nvPr/>
+      </p:nvGrpSpPr>
+      <p:grpSpPr>
+        <a:xfrm>
+          <a:off x="0" y="0"/>
+          <a:ext cx="0" cy="0"/>
+          <a:chOff x="0" y="0"/>
+          <a:chExt cx="0" cy="0"/>
+        </a:xfrm>
+      </p:grpSpPr>
+      <p:sp>
+        <p:nvSpPr>
+          <p:cNvPr id="2" name="Title 1">
+            <a:extLst>
+              <a:ext uri="{FF2B5EF4-FFF2-40B4-BE49-F238E27FC236}">
+                <a16:creationId xmlns:a16="http://schemas.microsoft.com/office/drawing/2014/main" id="{BC177876-54AC-D9EC-375C-70346748D9FE}"/>
+              </a:ext>
+            </a:extLst>
+          </p:cNvPr>
+          <p:cNvSpPr>
+            <a:spLocks noGrp="1"/>
+          </p:cNvSpPr>
+          <p:nvPr>
+            <p:ph type="title"/>
+          </p:nvPr>
+        </p:nvSpPr>
+        <p:spPr/>
+        <p:txBody>
+          <a:bodyPr/>
+          <a:lstStyle/>
+          <a:p>
+            <a:r>
+              <a:rPr lang="en-US" dirty="0"/>
+              <a:t>Module 3</a:t>
+            </a:r>
+          </a:p>
+        </p:txBody>
+      </p:sp>
+      <p:sp>
+        <p:nvSpPr>
+          <p:cNvPr id="3" name="Content Placeholder 2">
+            <a:extLst>
+              <a:ext uri="{FF2B5EF4-FFF2-40B4-BE49-F238E27FC236}">
+                <a16:creationId xmlns:a16="http://schemas.microsoft.com/office/drawing/2014/main" id="{6A1487D9-2BD1-1842-95F1-9A2A45356574}"/>
+              </a:ext>
+            </a:extLst>
+          </p:cNvPr>
+          <p:cNvSpPr>
+            <a:spLocks noGrp="1"/>
+          </p:cNvSpPr>
+          <p:nvPr>
+            <p:ph idx="1"/>
+          </p:nvPr>
+        </p:nvSpPr>
+        <p:spPr/>
+        <p:txBody>
+          <a:bodyPr/>
+          <a:lstStyle/>
+          <a:p>
+            <a:r>
+              <a:rPr lang="en-US" dirty="0"/>
+              <a:t>This module provides examples and templates for statistical tests and plots. </a:t>
+            </a:r>
+          </a:p>
+          <a:p>
+            <a:r>
+              <a:rPr lang="en-US" dirty="0"/>
+              <a:t>There are two notebooks:</a:t>
+            </a:r>
+            <a:br>
+              <a:rPr lang="en-US" dirty="0"/>
+            </a:br>
+            <a:endParaRPr lang="en-US" dirty="0"/>
+          </a:p>
+          <a:p>
+            <a:pPr lvl="1"/>
+            <a:r>
+              <a:rPr lang="en-US" dirty="0"/>
+              <a:t>3.1 – Statistical Testing</a:t>
+            </a:r>
+          </a:p>
+          <a:p>
+            <a:pPr lvl="1"/>
+            <a:r>
+              <a:rPr lang="en-US" dirty="0"/>
+              <a:t>3.2 – Common Plots</a:t>
+            </a:r>
+          </a:p>
+        </p:txBody>
+      </p:sp>
+    </p:spTree>
+    <p:extLst>
+      <p:ext uri="{BB962C8B-B14F-4D97-AF65-F5344CB8AC3E}">
+        <p14:creationId xmlns:p14="http://schemas.microsoft.com/office/powerpoint/2010/main" val="2726946435"/>
       </p:ext>
     </p:extLst>
   </p:cSld>
@@ -3385,100 +5783,332 @@
           <a:chExt cx="0" cy="0"/>
         </a:xfrm>
       </p:grpSpPr>
-      <p:sp>
-        <p:nvSpPr>
-          <p:cNvPr id="2" name="Title 1">
-            <a:extLst>
-              <a:ext uri="{FF2B5EF4-FFF2-40B4-BE49-F238E27FC236}">
-                <a16:creationId xmlns:a16="http://schemas.microsoft.com/office/drawing/2014/main" id="{33B10306-75D9-2B6C-B7D9-9685C0D86F93}"/>
-              </a:ext>
-            </a:extLst>
-          </p:cNvPr>
-          <p:cNvSpPr>
-            <a:spLocks noGrp="1"/>
-          </p:cNvSpPr>
-          <p:nvPr>
-            <p:ph type="title"/>
-          </p:nvPr>
-        </p:nvSpPr>
-        <p:spPr/>
+      <p:pic>
+        <p:nvPicPr>
+          <p:cNvPr id="1028" name="Picture 4" descr="Learning resources: MATLAB | Princeton Research Computing">
+            <a:extLst>
+              <a:ext uri="{FF2B5EF4-FFF2-40B4-BE49-F238E27FC236}">
+                <a16:creationId xmlns:a16="http://schemas.microsoft.com/office/drawing/2014/main" id="{DF74700E-021F-124A-E8CC-0BD6106ACEE0}"/>
+              </a:ext>
+            </a:extLst>
+          </p:cNvPr>
+          <p:cNvPicPr>
+            <a:picLocks noChangeAspect="1" noChangeArrowheads="1"/>
+          </p:cNvPicPr>
+          <p:nvPr/>
+        </p:nvPicPr>
+        <p:blipFill>
+          <a:blip r:embed="rId2">
+            <a:extLst>
+              <a:ext uri="{28A0092B-C50C-407E-A947-70E740481C1C}">
+                <a14:useLocalDpi xmlns:a14="http://schemas.microsoft.com/office/drawing/2010/main" val="0"/>
+              </a:ext>
+            </a:extLst>
+          </a:blip>
+          <a:srcRect/>
+          <a:stretch>
+            <a:fillRect/>
+          </a:stretch>
+        </p:blipFill>
+        <p:spPr bwMode="auto">
+          <a:xfrm>
+            <a:off x="316023" y="3196911"/>
+            <a:ext cx="2481831" cy="1502335"/>
+          </a:xfrm>
+          <a:prstGeom prst="rect">
+            <a:avLst/>
+          </a:prstGeom>
+          <a:noFill/>
+          <a:extLst>
+            <a:ext uri="{909E8E84-426E-40DD-AFC4-6F175D3DCCD1}">
+              <a14:hiddenFill xmlns:a14="http://schemas.microsoft.com/office/drawing/2010/main">
+                <a:solidFill>
+                  <a:srgbClr val="FFFFFF"/>
+                </a:solidFill>
+              </a14:hiddenFill>
+            </a:ext>
+          </a:extLst>
+        </p:spPr>
+      </p:pic>
+      <p:pic>
+        <p:nvPicPr>
+          <p:cNvPr id="1030" name="Picture 6" descr="RStudio Package Manager 1.1.2 - Windows - Posit">
+            <a:extLst>
+              <a:ext uri="{FF2B5EF4-FFF2-40B4-BE49-F238E27FC236}">
+                <a16:creationId xmlns:a16="http://schemas.microsoft.com/office/drawing/2014/main" id="{A4BC335C-A733-D952-B1A7-09A11E17F724}"/>
+              </a:ext>
+            </a:extLst>
+          </p:cNvPr>
+          <p:cNvPicPr>
+            <a:picLocks noChangeAspect="1" noChangeArrowheads="1"/>
+          </p:cNvPicPr>
+          <p:nvPr/>
+        </p:nvPicPr>
+        <p:blipFill>
+          <a:blip r:embed="rId3">
+            <a:extLst>
+              <a:ext uri="{28A0092B-C50C-407E-A947-70E740481C1C}">
+                <a14:useLocalDpi xmlns:a14="http://schemas.microsoft.com/office/drawing/2010/main" val="0"/>
+              </a:ext>
+            </a:extLst>
+          </a:blip>
+          <a:srcRect/>
+          <a:stretch>
+            <a:fillRect/>
+          </a:stretch>
+        </p:blipFill>
+        <p:spPr bwMode="auto">
+          <a:xfrm>
+            <a:off x="1984435" y="3980328"/>
+            <a:ext cx="2560671" cy="2131837"/>
+          </a:xfrm>
+          <a:prstGeom prst="rect">
+            <a:avLst/>
+          </a:prstGeom>
+          <a:noFill/>
+          <a:extLst>
+            <a:ext uri="{909E8E84-426E-40DD-AFC4-6F175D3DCCD1}">
+              <a14:hiddenFill xmlns:a14="http://schemas.microsoft.com/office/drawing/2010/main">
+                <a:solidFill>
+                  <a:srgbClr val="FFFFFF"/>
+                </a:solidFill>
+              </a14:hiddenFill>
+            </a:ext>
+          </a:extLst>
+        </p:spPr>
+      </p:pic>
+      <p:pic>
+        <p:nvPicPr>
+          <p:cNvPr id="4" name="Graphic 3">
+            <a:extLst>
+              <a:ext uri="{FF2B5EF4-FFF2-40B4-BE49-F238E27FC236}">
+                <a16:creationId xmlns:a16="http://schemas.microsoft.com/office/drawing/2014/main" id="{362A7067-D4EB-63BD-A13E-9D161C7738A8}"/>
+              </a:ext>
+            </a:extLst>
+          </p:cNvPr>
+          <p:cNvPicPr>
+            <a:picLocks noChangeAspect="1"/>
+          </p:cNvPicPr>
+          <p:nvPr/>
+        </p:nvPicPr>
+        <p:blipFill>
+          <a:blip r:embed="rId4">
+            <a:extLst>
+              <a:ext uri="{96DAC541-7B7A-43D3-8B79-37D633B846F1}">
+                <asvg:svgBlip xmlns:asvg="http://schemas.microsoft.com/office/drawing/2016/SVG/main" r:embed="rId5"/>
+              </a:ext>
+            </a:extLst>
+          </a:blip>
+          <a:stretch>
+            <a:fillRect/>
+          </a:stretch>
+        </p:blipFill>
+        <p:spPr>
+          <a:xfrm>
+            <a:off x="5125372" y="2002709"/>
+            <a:ext cx="1932688" cy="2225519"/>
+          </a:xfrm>
+          <a:prstGeom prst="rect">
+            <a:avLst/>
+          </a:prstGeom>
+        </p:spPr>
+      </p:pic>
+      <p:pic>
+        <p:nvPicPr>
+          <p:cNvPr id="6" name="Picture 5" descr="A screenshot of a computer&#10;&#10;Description automatically generated">
+            <a:extLst>
+              <a:ext uri="{FF2B5EF4-FFF2-40B4-BE49-F238E27FC236}">
+                <a16:creationId xmlns:a16="http://schemas.microsoft.com/office/drawing/2014/main" id="{93D59B86-1C99-5209-7C9C-88E9B0D9AA1C}"/>
+              </a:ext>
+            </a:extLst>
+          </p:cNvPr>
+          <p:cNvPicPr>
+            <a:picLocks noChangeAspect="1"/>
+          </p:cNvPicPr>
+          <p:nvPr/>
+        </p:nvPicPr>
+        <p:blipFill>
+          <a:blip r:embed="rId6"/>
+          <a:stretch>
+            <a:fillRect/>
+          </a:stretch>
+        </p:blipFill>
+        <p:spPr>
+          <a:xfrm>
+            <a:off x="7265902" y="2540592"/>
+            <a:ext cx="4610075" cy="3716773"/>
+          </a:xfrm>
+          <a:prstGeom prst="rect">
+            <a:avLst/>
+          </a:prstGeom>
+        </p:spPr>
+      </p:pic>
+      <p:sp>
+        <p:nvSpPr>
+          <p:cNvPr id="7" name="Title 1">
+            <a:extLst>
+              <a:ext uri="{FF2B5EF4-FFF2-40B4-BE49-F238E27FC236}">
+                <a16:creationId xmlns:a16="http://schemas.microsoft.com/office/drawing/2014/main" id="{1224DF7C-E147-E238-12E0-510B4865672A}"/>
+              </a:ext>
+            </a:extLst>
+          </p:cNvPr>
+          <p:cNvSpPr txBox="1">
+            <a:spLocks/>
+          </p:cNvSpPr>
+          <p:nvPr/>
+        </p:nvSpPr>
+        <p:spPr>
+          <a:xfrm>
+            <a:off x="838200" y="365125"/>
+            <a:ext cx="10515600" cy="1325563"/>
+          </a:xfrm>
+          <a:prstGeom prst="rect">
+            <a:avLst/>
+          </a:prstGeom>
+        </p:spPr>
         <p:txBody>
           <a:bodyPr/>
-          <a:lstStyle/>
-          <a:p>
-            <a:r>
-              <a:rPr lang="en-US" dirty="0"/>
-              <a:t>Objectives</a:t>
-            </a:r>
-          </a:p>
-        </p:txBody>
-      </p:sp>
-      <p:sp>
-        <p:nvSpPr>
-          <p:cNvPr id="3" name="Content Placeholder 2">
-            <a:extLst>
-              <a:ext uri="{FF2B5EF4-FFF2-40B4-BE49-F238E27FC236}">
-                <a16:creationId xmlns:a16="http://schemas.microsoft.com/office/drawing/2014/main" id="{EAC5DC5C-841C-F4FA-C255-34CBC6AA8248}"/>
-              </a:ext>
-            </a:extLst>
-          </p:cNvPr>
-          <p:cNvSpPr>
-            <a:spLocks noGrp="1"/>
-          </p:cNvSpPr>
-          <p:nvPr>
-            <p:ph idx="1"/>
-          </p:nvPr>
-        </p:nvSpPr>
-        <p:spPr/>
-        <p:txBody>
-          <a:bodyPr/>
-          <a:lstStyle/>
-          <a:p>
-            <a:r>
-              <a:rPr lang="en-US" dirty="0"/>
-              <a:t>Learn about </a:t>
-            </a:r>
+          <a:lstStyle>
+            <a:lvl1pPr algn="l" defTabSz="914400" rtl="0" eaLnBrk="1" latinLnBrk="0" hangingPunct="1">
+              <a:lnSpc>
+                <a:spcPct val="90000"/>
+              </a:lnSpc>
+              <a:spcBef>
+                <a:spcPct val="0"/>
+              </a:spcBef>
+              <a:buNone/>
+              <a:defRPr sz="4400" kern="1200">
+                <a:solidFill>
+                  <a:schemeClr val="tx1"/>
+                </a:solidFill>
+                <a:latin typeface="+mj-lt"/>
+                <a:ea typeface="+mj-ea"/>
+                <a:cs typeface="+mj-cs"/>
+              </a:defRPr>
+            </a:lvl1pPr>
+          </a:lstStyle>
+          <a:p>
             <a:r>
               <a:rPr lang="en-US" dirty="0" err="1"/>
               <a:t>Jupyter</a:t>
             </a:r>
             <a:r>
               <a:rPr lang="en-US" dirty="0"/>
-              <a:t> notebooks, how to use them, and why they are useful.</a:t>
-            </a:r>
-          </a:p>
-          <a:p>
-            <a:r>
+              <a:t> notebooks: </a:t>
+            </a:r>
+            <a:br>
               <a:rPr lang="en-US" dirty="0"/>
-              <a:t>Learn about computational metabolomics including key terminology and concepts.</a:t>
-            </a:r>
-          </a:p>
-          <a:p>
+            </a:br>
             <a:r>
               <a:rPr lang="en-US" dirty="0"/>
-              <a:t>Use software tools to process metabolomics datasets.</a:t>
-            </a:r>
-          </a:p>
-          <a:p>
+              <a:t>workbench for </a:t>
+            </a:r>
+            <a:r>
+              <a:rPr lang="en-US" strike="sngStrike" dirty="0"/>
+              <a:t>data</a:t>
+            </a:r>
             <a:r>
               <a:rPr lang="en-US" dirty="0"/>
-              <a:t>Learn basic usage of software tools such as </a:t>
-            </a:r>
+              <a:t> scientists </a:t>
+            </a:r>
+          </a:p>
+        </p:txBody>
+      </p:sp>
+      <p:sp>
+        <p:nvSpPr>
+          <p:cNvPr id="9" name="TextBox 8">
+            <a:extLst>
+              <a:ext uri="{FF2B5EF4-FFF2-40B4-BE49-F238E27FC236}">
+                <a16:creationId xmlns:a16="http://schemas.microsoft.com/office/drawing/2014/main" id="{B682035D-5C82-920F-46B5-9998226E7C11}"/>
+              </a:ext>
+            </a:extLst>
+          </p:cNvPr>
+          <p:cNvSpPr txBox="1"/>
+          <p:nvPr/>
+        </p:nvSpPr>
+        <p:spPr>
+          <a:xfrm>
+            <a:off x="316023" y="4944040"/>
+            <a:ext cx="1521186" cy="923330"/>
+          </a:xfrm>
+          <a:prstGeom prst="rect">
+            <a:avLst/>
+          </a:prstGeom>
+          <a:noFill/>
+        </p:spPr>
+        <p:txBody>
+          <a:bodyPr wrap="none" rtlCol="0">
+            <a:spAutoFit/>
+          </a:bodyPr>
+          <a:lstStyle/>
+          <a:p>
+            <a:r>
+              <a:rPr lang="en-US" dirty="0"/>
+              <a:t>Inspirations: </a:t>
+            </a:r>
+          </a:p>
+          <a:p>
             <a:r>
               <a:rPr lang="en-US" dirty="0" err="1"/>
-              <a:t>Asari</a:t>
+              <a:t>Matlab</a:t>
             </a:r>
             <a:r>
               <a:rPr lang="en-US" dirty="0"/>
-              <a:t>, Khipu, and the PCPFM.</a:t>
-            </a:r>
+              <a:t>, </a:t>
+            </a:r>
+          </a:p>
+          <a:p>
+            <a:r>
+              <a:rPr lang="en-US" dirty="0" err="1"/>
+              <a:t>Rstudio</a:t>
+            </a:r>
+            <a:r>
+              <a:rPr lang="en-US" dirty="0"/>
+              <a:t>/Posit</a:t>
+            </a:r>
+          </a:p>
+        </p:txBody>
+      </p:sp>
+      <p:sp>
+        <p:nvSpPr>
+          <p:cNvPr id="10" name="TextBox 9">
+            <a:extLst>
+              <a:ext uri="{FF2B5EF4-FFF2-40B4-BE49-F238E27FC236}">
+                <a16:creationId xmlns:a16="http://schemas.microsoft.com/office/drawing/2014/main" id="{4816ADC7-0E87-3E8D-D9AD-BE8DD06898F8}"/>
+              </a:ext>
+            </a:extLst>
+          </p:cNvPr>
+          <p:cNvSpPr txBox="1"/>
+          <p:nvPr/>
+        </p:nvSpPr>
+        <p:spPr>
+          <a:xfrm>
+            <a:off x="8958848" y="2015236"/>
+            <a:ext cx="1224181" cy="369332"/>
+          </a:xfrm>
+          <a:prstGeom prst="rect">
+            <a:avLst/>
+          </a:prstGeom>
+          <a:noFill/>
+        </p:spPr>
+        <p:txBody>
+          <a:bodyPr wrap="none" rtlCol="0">
+            <a:spAutoFit/>
+          </a:bodyPr>
+          <a:lstStyle/>
+          <a:p>
+            <a:r>
+              <a:rPr lang="en-US" dirty="0" err="1"/>
+              <a:t>jupyter.org</a:t>
+            </a:r>
+            <a:endParaRPr lang="en-US" dirty="0"/>
           </a:p>
         </p:txBody>
       </p:sp>
     </p:spTree>
     <p:extLst>
       <p:ext uri="{BB962C8B-B14F-4D97-AF65-F5344CB8AC3E}">
-        <p14:creationId xmlns:p14="http://schemas.microsoft.com/office/powerpoint/2010/main" val="1666831718"/>
+        <p14:creationId xmlns:p14="http://schemas.microsoft.com/office/powerpoint/2010/main" val="2304592697"/>
       </p:ext>
     </p:extLst>
   </p:cSld>
@@ -3505,42 +6135,40 @@
           <a:chExt cx="0" cy="0"/>
         </a:xfrm>
       </p:grpSpPr>
-      <p:pic>
-        <p:nvPicPr>
-          <p:cNvPr id="5" name="Picture 4">
-            <a:extLst>
-              <a:ext uri="{FF2B5EF4-FFF2-40B4-BE49-F238E27FC236}">
-                <a16:creationId xmlns:a16="http://schemas.microsoft.com/office/drawing/2014/main" id="{F2EA2687-7D7B-F6B3-3036-3FA7A5474E31}"/>
-              </a:ext>
-            </a:extLst>
-          </p:cNvPr>
-          <p:cNvPicPr>
-            <a:picLocks noChangeAspect="1"/>
-          </p:cNvPicPr>
-          <p:nvPr/>
-        </p:nvPicPr>
-        <p:blipFill>
-          <a:blip r:embed="rId2"/>
-          <a:stretch>
-            <a:fillRect/>
-          </a:stretch>
-        </p:blipFill>
-        <p:spPr>
-          <a:xfrm>
-            <a:off x="295325" y="2997636"/>
-            <a:ext cx="11246509" cy="3247964"/>
-          </a:xfrm>
-          <a:prstGeom prst="rect">
-            <a:avLst/>
-          </a:prstGeom>
-        </p:spPr>
-      </p:pic>
-      <p:sp>
-        <p:nvSpPr>
-          <p:cNvPr id="6" name="Content Placeholder 2">
-            <a:extLst>
-              <a:ext uri="{FF2B5EF4-FFF2-40B4-BE49-F238E27FC236}">
-                <a16:creationId xmlns:a16="http://schemas.microsoft.com/office/drawing/2014/main" id="{90C2518B-A856-ABF6-27B3-54D5A62B2FCA}"/>
+      <p:sp>
+        <p:nvSpPr>
+          <p:cNvPr id="2" name="Title 1">
+            <a:extLst>
+              <a:ext uri="{FF2B5EF4-FFF2-40B4-BE49-F238E27FC236}">
+                <a16:creationId xmlns:a16="http://schemas.microsoft.com/office/drawing/2014/main" id="{33B10306-75D9-2B6C-B7D9-9685C0D86F93}"/>
+              </a:ext>
+            </a:extLst>
+          </p:cNvPr>
+          <p:cNvSpPr>
+            <a:spLocks noGrp="1"/>
+          </p:cNvSpPr>
+          <p:nvPr>
+            <p:ph type="title"/>
+          </p:nvPr>
+        </p:nvSpPr>
+        <p:spPr/>
+        <p:txBody>
+          <a:bodyPr/>
+          <a:lstStyle/>
+          <a:p>
+            <a:r>
+              <a:rPr lang="en-US" dirty="0"/>
+              <a:t>Objectives</a:t>
+            </a:r>
+          </a:p>
+        </p:txBody>
+      </p:sp>
+      <p:sp>
+        <p:nvSpPr>
+          <p:cNvPr id="3" name="Content Placeholder 2">
+            <a:extLst>
+              <a:ext uri="{FF2B5EF4-FFF2-40B4-BE49-F238E27FC236}">
+                <a16:creationId xmlns:a16="http://schemas.microsoft.com/office/drawing/2014/main" id="{EAC5DC5C-841C-F4FA-C255-34CBC6AA8248}"/>
               </a:ext>
             </a:extLst>
           </p:cNvPr>
@@ -3551,122 +6179,79 @@
             <p:ph idx="1"/>
           </p:nvPr>
         </p:nvSpPr>
-        <p:spPr>
-          <a:xfrm>
-            <a:off x="660780" y="458552"/>
-            <a:ext cx="10515600" cy="4351338"/>
-          </a:xfrm>
-        </p:spPr>
+        <p:spPr/>
         <p:txBody>
           <a:bodyPr/>
           <a:lstStyle/>
           <a:p>
+            <a:pPr>
+              <a:lnSpc>
+                <a:spcPct val="150000"/>
+              </a:lnSpc>
+            </a:pPr>
             <a:r>
               <a:rPr lang="en-US" dirty="0"/>
-              <a:t>Goto: </a:t>
-            </a:r>
-            <a:r>
-              <a:rPr lang="en-US" dirty="0">
-                <a:hlinkClick r:id="rId3"/>
-              </a:rPr>
-              <a:t>https://github.com/shuzhao-li-lab/MANA2024/</a:t>
-            </a:r>
-            <a:endParaRPr lang="en-US" dirty="0"/>
-          </a:p>
-          <a:p>
+              <a:t>What are </a:t>
+            </a:r>
+            <a:r>
+              <a:rPr lang="en-US" dirty="0" err="1"/>
+              <a:t>Jupyter</a:t>
+            </a:r>
             <a:r>
               <a:rPr lang="en-US" dirty="0"/>
-              <a:t>Navigate to the notebook you want to run.</a:t>
-            </a:r>
-          </a:p>
-        </p:txBody>
-      </p:sp>
-      <p:sp>
-        <p:nvSpPr>
-          <p:cNvPr id="7" name="TextBox 6">
-            <a:extLst>
-              <a:ext uri="{FF2B5EF4-FFF2-40B4-BE49-F238E27FC236}">
-                <a16:creationId xmlns:a16="http://schemas.microsoft.com/office/drawing/2014/main" id="{2C116F80-A573-3E79-589F-98A88F46C548}"/>
-              </a:ext>
-            </a:extLst>
-          </p:cNvPr>
-          <p:cNvSpPr txBox="1"/>
-          <p:nvPr/>
-        </p:nvSpPr>
-        <p:spPr>
-          <a:xfrm>
-            <a:off x="2508738" y="2239108"/>
-            <a:ext cx="3587262" cy="369332"/>
-          </a:xfrm>
-          <a:prstGeom prst="rect">
-            <a:avLst/>
-          </a:prstGeom>
-          <a:noFill/>
-        </p:spPr>
-        <p:txBody>
-          <a:bodyPr wrap="square" rtlCol="0">
-            <a:spAutoFit/>
-          </a:bodyPr>
-          <a:lstStyle/>
-          <a:p>
+              <a:t> notebooks, why &amp; how to use them</a:t>
+            </a:r>
+          </a:p>
+          <a:p>
+            <a:pPr>
+              <a:lnSpc>
+                <a:spcPct val="150000"/>
+              </a:lnSpc>
+            </a:pPr>
             <a:r>
               <a:rPr lang="en-US" dirty="0"/>
-              <a:t>Click this button to open in </a:t>
-            </a:r>
-            <a:r>
-              <a:rPr lang="en-US" dirty="0" err="1"/>
-              <a:t>colab</a:t>
-            </a:r>
-            <a:endParaRPr lang="en-US" dirty="0"/>
-          </a:p>
-        </p:txBody>
-      </p:sp>
-      <p:cxnSp>
-        <p:nvCxnSpPr>
-          <p:cNvPr id="9" name="Straight Arrow Connector 8">
-            <a:extLst>
-              <a:ext uri="{FF2B5EF4-FFF2-40B4-BE49-F238E27FC236}">
-                <a16:creationId xmlns:a16="http://schemas.microsoft.com/office/drawing/2014/main" id="{DD102D7A-951F-3F9E-8F62-216BB22C3D0E}"/>
-              </a:ext>
-            </a:extLst>
-          </p:cNvPr>
-          <p:cNvCxnSpPr>
-            <a:cxnSpLocks/>
-            <a:stCxn id="7" idx="2"/>
-          </p:cNvCxnSpPr>
-          <p:nvPr/>
-        </p:nvCxnSpPr>
-        <p:spPr>
-          <a:xfrm flipH="1">
-            <a:off x="2754923" y="2608440"/>
-            <a:ext cx="1547446" cy="662298"/>
-          </a:xfrm>
-          <a:prstGeom prst="straightConnector1">
-            <a:avLst/>
-          </a:prstGeom>
-          <a:ln>
-            <a:tailEnd type="triangle"/>
-          </a:ln>
-        </p:spPr>
-        <p:style>
-          <a:lnRef idx="2">
-            <a:schemeClr val="accent1"/>
-          </a:lnRef>
-          <a:fillRef idx="0">
-            <a:schemeClr val="accent1"/>
-          </a:fillRef>
-          <a:effectRef idx="1">
-            <a:schemeClr val="accent1"/>
-          </a:effectRef>
-          <a:fontRef idx="minor">
-            <a:schemeClr val="tx1"/>
-          </a:fontRef>
-        </p:style>
-      </p:cxnSp>
+              <a:t>Key concepts and terminology in handling metabolomics data.</a:t>
+            </a:r>
+          </a:p>
+          <a:p>
+            <a:pPr>
+              <a:lnSpc>
+                <a:spcPct val="150000"/>
+              </a:lnSpc>
+            </a:pPr>
+            <a:r>
+              <a:rPr lang="en-US" dirty="0"/>
+              <a:t>Processing LC-MS metabolomics data (Asari, PCPFM)</a:t>
+            </a:r>
+          </a:p>
+          <a:p>
+            <a:pPr>
+              <a:lnSpc>
+                <a:spcPct val="150000"/>
+              </a:lnSpc>
+            </a:pPr>
+            <a:r>
+              <a:rPr lang="en-US" dirty="0"/>
+              <a:t>Annotation concepts (Khipu)</a:t>
+            </a:r>
+          </a:p>
+          <a:p>
+            <a:pPr>
+              <a:lnSpc>
+                <a:spcPct val="150000"/>
+              </a:lnSpc>
+            </a:pPr>
+            <a:r>
+              <a:rPr lang="en-US" dirty="0"/>
+              <a:t>Basic processing of stable isotope tracing data</a:t>
+            </a:r>
+          </a:p>
+        </p:txBody>
+      </p:sp>
     </p:spTree>
     <p:extLst>
       <p:ext uri="{BB962C8B-B14F-4D97-AF65-F5344CB8AC3E}">
-        <p14:creationId xmlns:p14="http://schemas.microsoft.com/office/powerpoint/2010/main" val="335410725"/>
+        <p14:creationId xmlns:p14="http://schemas.microsoft.com/office/powerpoint/2010/main" val="1666831718"/>
       </p:ext>
     </p:extLst>
   </p:cSld>
@@ -3698,6 +6283,627 @@
           <p:cNvPr id="2" name="Title 1">
             <a:extLst>
               <a:ext uri="{FF2B5EF4-FFF2-40B4-BE49-F238E27FC236}">
+                <a16:creationId xmlns:a16="http://schemas.microsoft.com/office/drawing/2014/main" id="{4CB1B68E-9DA8-CA7D-84F5-F67DA9BE7707}"/>
+              </a:ext>
+            </a:extLst>
+          </p:cNvPr>
+          <p:cNvSpPr txBox="1">
+            <a:spLocks/>
+          </p:cNvSpPr>
+          <p:nvPr/>
+        </p:nvSpPr>
+        <p:spPr>
+          <a:xfrm>
+            <a:off x="838200" y="503672"/>
+            <a:ext cx="10515600" cy="1325563"/>
+          </a:xfrm>
+          <a:prstGeom prst="rect">
+            <a:avLst/>
+          </a:prstGeom>
+        </p:spPr>
+        <p:txBody>
+          <a:bodyPr/>
+          <a:lstStyle>
+            <a:lvl1pPr algn="l" defTabSz="914400" rtl="0" eaLnBrk="1" latinLnBrk="0" hangingPunct="1">
+              <a:lnSpc>
+                <a:spcPct val="90000"/>
+              </a:lnSpc>
+              <a:spcBef>
+                <a:spcPct val="0"/>
+              </a:spcBef>
+              <a:buNone/>
+              <a:defRPr sz="4400" kern="1200">
+                <a:solidFill>
+                  <a:schemeClr val="tx1"/>
+                </a:solidFill>
+                <a:latin typeface="+mj-lt"/>
+                <a:ea typeface="+mj-ea"/>
+                <a:cs typeface="+mj-cs"/>
+              </a:defRPr>
+            </a:lvl1pPr>
+          </a:lstStyle>
+          <a:p>
+            <a:r>
+              <a:rPr lang="en-US" dirty="0"/>
+              <a:t>Focus on work, not computing environment</a:t>
+            </a:r>
+          </a:p>
+        </p:txBody>
+      </p:sp>
+      <p:sp>
+        <p:nvSpPr>
+          <p:cNvPr id="3" name="Content Placeholder 2">
+            <a:extLst>
+              <a:ext uri="{FF2B5EF4-FFF2-40B4-BE49-F238E27FC236}">
+                <a16:creationId xmlns:a16="http://schemas.microsoft.com/office/drawing/2014/main" id="{AE6A0F4D-3136-E419-CBB8-97ECBF5A7C3B}"/>
+              </a:ext>
+            </a:extLst>
+          </p:cNvPr>
+          <p:cNvSpPr txBox="1">
+            <a:spLocks/>
+          </p:cNvSpPr>
+          <p:nvPr/>
+        </p:nvSpPr>
+        <p:spPr>
+          <a:xfrm>
+            <a:off x="1302327" y="1365986"/>
+            <a:ext cx="10051473" cy="5214921"/>
+          </a:xfrm>
+          <a:prstGeom prst="rect">
+            <a:avLst/>
+          </a:prstGeom>
+        </p:spPr>
+        <p:txBody>
+          <a:bodyPr/>
+          <a:lstStyle>
+            <a:lvl1pPr marL="228600" indent="-228600" algn="l" defTabSz="914400" rtl="0" eaLnBrk="1" latinLnBrk="0" hangingPunct="1">
+              <a:lnSpc>
+                <a:spcPct val="90000"/>
+              </a:lnSpc>
+              <a:spcBef>
+                <a:spcPts val="1000"/>
+              </a:spcBef>
+              <a:buFont typeface="Arial" panose="020B0604020202020204" pitchFamily="34" charset="0"/>
+              <a:buChar char="•"/>
+              <a:defRPr sz="2800" kern="1200">
+                <a:solidFill>
+                  <a:schemeClr val="tx1"/>
+                </a:solidFill>
+                <a:latin typeface="+mn-lt"/>
+                <a:ea typeface="+mn-ea"/>
+                <a:cs typeface="+mn-cs"/>
+              </a:defRPr>
+            </a:lvl1pPr>
+            <a:lvl2pPr marL="685800" indent="-228600" algn="l" defTabSz="914400" rtl="0" eaLnBrk="1" latinLnBrk="0" hangingPunct="1">
+              <a:lnSpc>
+                <a:spcPct val="90000"/>
+              </a:lnSpc>
+              <a:spcBef>
+                <a:spcPts val="500"/>
+              </a:spcBef>
+              <a:buFont typeface="Arial" panose="020B0604020202020204" pitchFamily="34" charset="0"/>
+              <a:buChar char="•"/>
+              <a:defRPr sz="2400" kern="1200">
+                <a:solidFill>
+                  <a:schemeClr val="tx1"/>
+                </a:solidFill>
+                <a:latin typeface="+mn-lt"/>
+                <a:ea typeface="+mn-ea"/>
+                <a:cs typeface="+mn-cs"/>
+              </a:defRPr>
+            </a:lvl2pPr>
+            <a:lvl3pPr marL="1143000" indent="-228600" algn="l" defTabSz="914400" rtl="0" eaLnBrk="1" latinLnBrk="0" hangingPunct="1">
+              <a:lnSpc>
+                <a:spcPct val="90000"/>
+              </a:lnSpc>
+              <a:spcBef>
+                <a:spcPts val="500"/>
+              </a:spcBef>
+              <a:buFont typeface="Arial" panose="020B0604020202020204" pitchFamily="34" charset="0"/>
+              <a:buChar char="•"/>
+              <a:defRPr sz="2000" kern="1200">
+                <a:solidFill>
+                  <a:schemeClr val="tx1"/>
+                </a:solidFill>
+                <a:latin typeface="+mn-lt"/>
+                <a:ea typeface="+mn-ea"/>
+                <a:cs typeface="+mn-cs"/>
+              </a:defRPr>
+            </a:lvl3pPr>
+            <a:lvl4pPr marL="1600200" indent="-228600" algn="l" defTabSz="914400" rtl="0" eaLnBrk="1" latinLnBrk="0" hangingPunct="1">
+              <a:lnSpc>
+                <a:spcPct val="90000"/>
+              </a:lnSpc>
+              <a:spcBef>
+                <a:spcPts val="500"/>
+              </a:spcBef>
+              <a:buFont typeface="Arial" panose="020B0604020202020204" pitchFamily="34" charset="0"/>
+              <a:buChar char="•"/>
+              <a:defRPr sz="1800" kern="1200">
+                <a:solidFill>
+                  <a:schemeClr val="tx1"/>
+                </a:solidFill>
+                <a:latin typeface="+mn-lt"/>
+                <a:ea typeface="+mn-ea"/>
+                <a:cs typeface="+mn-cs"/>
+              </a:defRPr>
+            </a:lvl4pPr>
+            <a:lvl5pPr marL="2057400" indent="-228600" algn="l" defTabSz="914400" rtl="0" eaLnBrk="1" latinLnBrk="0" hangingPunct="1">
+              <a:lnSpc>
+                <a:spcPct val="90000"/>
+              </a:lnSpc>
+              <a:spcBef>
+                <a:spcPts val="500"/>
+              </a:spcBef>
+              <a:buFont typeface="Arial" panose="020B0604020202020204" pitchFamily="34" charset="0"/>
+              <a:buChar char="•"/>
+              <a:defRPr sz="1800" kern="1200">
+                <a:solidFill>
+                  <a:schemeClr val="tx1"/>
+                </a:solidFill>
+                <a:latin typeface="+mn-lt"/>
+                <a:ea typeface="+mn-ea"/>
+                <a:cs typeface="+mn-cs"/>
+              </a:defRPr>
+            </a:lvl5pPr>
+            <a:lvl6pPr marL="2514600" indent="-228600" algn="l" defTabSz="914400" rtl="0" eaLnBrk="1" latinLnBrk="0" hangingPunct="1">
+              <a:lnSpc>
+                <a:spcPct val="90000"/>
+              </a:lnSpc>
+              <a:spcBef>
+                <a:spcPts val="500"/>
+              </a:spcBef>
+              <a:buFont typeface="Arial" panose="020B0604020202020204" pitchFamily="34" charset="0"/>
+              <a:buChar char="•"/>
+              <a:defRPr sz="1800" kern="1200">
+                <a:solidFill>
+                  <a:schemeClr val="tx1"/>
+                </a:solidFill>
+                <a:latin typeface="+mn-lt"/>
+                <a:ea typeface="+mn-ea"/>
+                <a:cs typeface="+mn-cs"/>
+              </a:defRPr>
+            </a:lvl6pPr>
+            <a:lvl7pPr marL="2971800" indent="-228600" algn="l" defTabSz="914400" rtl="0" eaLnBrk="1" latinLnBrk="0" hangingPunct="1">
+              <a:lnSpc>
+                <a:spcPct val="90000"/>
+              </a:lnSpc>
+              <a:spcBef>
+                <a:spcPts val="500"/>
+              </a:spcBef>
+              <a:buFont typeface="Arial" panose="020B0604020202020204" pitchFamily="34" charset="0"/>
+              <a:buChar char="•"/>
+              <a:defRPr sz="1800" kern="1200">
+                <a:solidFill>
+                  <a:schemeClr val="tx1"/>
+                </a:solidFill>
+                <a:latin typeface="+mn-lt"/>
+                <a:ea typeface="+mn-ea"/>
+                <a:cs typeface="+mn-cs"/>
+              </a:defRPr>
+            </a:lvl7pPr>
+            <a:lvl8pPr marL="3429000" indent="-228600" algn="l" defTabSz="914400" rtl="0" eaLnBrk="1" latinLnBrk="0" hangingPunct="1">
+              <a:lnSpc>
+                <a:spcPct val="90000"/>
+              </a:lnSpc>
+              <a:spcBef>
+                <a:spcPts val="500"/>
+              </a:spcBef>
+              <a:buFont typeface="Arial" panose="020B0604020202020204" pitchFamily="34" charset="0"/>
+              <a:buChar char="•"/>
+              <a:defRPr sz="1800" kern="1200">
+                <a:solidFill>
+                  <a:schemeClr val="tx1"/>
+                </a:solidFill>
+                <a:latin typeface="+mn-lt"/>
+                <a:ea typeface="+mn-ea"/>
+                <a:cs typeface="+mn-cs"/>
+              </a:defRPr>
+            </a:lvl8pPr>
+            <a:lvl9pPr marL="3886200" indent="-228600" algn="l" defTabSz="914400" rtl="0" eaLnBrk="1" latinLnBrk="0" hangingPunct="1">
+              <a:lnSpc>
+                <a:spcPct val="90000"/>
+              </a:lnSpc>
+              <a:spcBef>
+                <a:spcPts val="500"/>
+              </a:spcBef>
+              <a:buFont typeface="Arial" panose="020B0604020202020204" pitchFamily="34" charset="0"/>
+              <a:buChar char="•"/>
+              <a:defRPr sz="1800" kern="1200">
+                <a:solidFill>
+                  <a:schemeClr val="tx1"/>
+                </a:solidFill>
+                <a:latin typeface="+mn-lt"/>
+                <a:ea typeface="+mn-ea"/>
+                <a:cs typeface="+mn-cs"/>
+              </a:defRPr>
+            </a:lvl9pPr>
+          </a:lstStyle>
+          <a:p>
+            <a:pPr>
+              <a:lnSpc>
+                <a:spcPct val="150000"/>
+              </a:lnSpc>
+            </a:pPr>
+            <a:r>
+              <a:rPr lang="en-US" dirty="0"/>
+              <a:t>Often good idea to get a friend to help setup</a:t>
+            </a:r>
+          </a:p>
+          <a:p>
+            <a:pPr>
+              <a:lnSpc>
+                <a:spcPct val="150000"/>
+              </a:lnSpc>
+            </a:pPr>
+            <a:r>
+              <a:rPr lang="en-US" dirty="0"/>
+              <a:t>Know where data are, local directories or internet URL</a:t>
+            </a:r>
+          </a:p>
+          <a:p>
+            <a:pPr>
+              <a:lnSpc>
+                <a:spcPct val="150000"/>
+              </a:lnSpc>
+            </a:pPr>
+            <a:r>
+              <a:rPr lang="en-US" dirty="0"/>
+              <a:t>Computing on local machines, vs servers</a:t>
+            </a:r>
+          </a:p>
+          <a:p>
+            <a:pPr>
+              <a:lnSpc>
+                <a:spcPct val="150000"/>
+              </a:lnSpc>
+            </a:pPr>
+            <a:r>
+              <a:rPr lang="en-US" dirty="0" err="1"/>
+              <a:t>Colab</a:t>
+            </a:r>
+            <a:r>
+              <a:rPr lang="en-US" dirty="0"/>
+              <a:t> is running on Google’s servers</a:t>
+            </a:r>
+          </a:p>
+          <a:p>
+            <a:pPr>
+              <a:lnSpc>
+                <a:spcPct val="150000"/>
+              </a:lnSpc>
+            </a:pPr>
+            <a:r>
+              <a:rPr lang="en-US" dirty="0" err="1"/>
+              <a:t>Jupyter</a:t>
+            </a:r>
+            <a:r>
+              <a:rPr lang="en-US" dirty="0"/>
+              <a:t> notebooks are better run on local machines</a:t>
+            </a:r>
+          </a:p>
+          <a:p>
+            <a:pPr>
+              <a:lnSpc>
+                <a:spcPct val="150000"/>
+              </a:lnSpc>
+            </a:pPr>
+            <a:r>
+              <a:rPr lang="en-US" dirty="0" err="1"/>
+              <a:t>Jupyter</a:t>
+            </a:r>
+            <a:r>
+              <a:rPr lang="en-US" dirty="0"/>
+              <a:t> notebooks support R and other languages; we use Python here for demo</a:t>
+            </a:r>
+          </a:p>
+        </p:txBody>
+      </p:sp>
+    </p:spTree>
+    <p:extLst>
+      <p:ext uri="{BB962C8B-B14F-4D97-AF65-F5344CB8AC3E}">
+        <p14:creationId xmlns:p14="http://schemas.microsoft.com/office/powerpoint/2010/main" val="3135194799"/>
+      </p:ext>
+    </p:extLst>
+  </p:cSld>
+  <p:clrMapOvr>
+    <a:masterClrMapping/>
+  </p:clrMapOvr>
+</p:sld>
+</file>
+
+<file path=ppt/slides/slide5.xml><?xml version="1.0" encoding="utf-8"?>
+<p:sld xmlns:a="http://schemas.openxmlformats.org/drawingml/2006/main" xmlns:r="http://schemas.openxmlformats.org/officeDocument/2006/relationships" xmlns:p="http://schemas.openxmlformats.org/presentationml/2006/main">
+  <p:cSld>
+    <p:spTree>
+      <p:nvGrpSpPr>
+        <p:cNvPr id="1" name=""/>
+        <p:cNvGrpSpPr/>
+        <p:nvPr/>
+      </p:nvGrpSpPr>
+      <p:grpSpPr>
+        <a:xfrm>
+          <a:off x="0" y="0"/>
+          <a:ext cx="0" cy="0"/>
+          <a:chOff x="0" y="0"/>
+          <a:chExt cx="0" cy="0"/>
+        </a:xfrm>
+      </p:grpSpPr>
+      <p:sp>
+        <p:nvSpPr>
+          <p:cNvPr id="7" name="TextBox 6">
+            <a:extLst>
+              <a:ext uri="{FF2B5EF4-FFF2-40B4-BE49-F238E27FC236}">
+                <a16:creationId xmlns:a16="http://schemas.microsoft.com/office/drawing/2014/main" id="{2C116F80-A573-3E79-589F-98A88F46C548}"/>
+              </a:ext>
+            </a:extLst>
+          </p:cNvPr>
+          <p:cNvSpPr txBox="1"/>
+          <p:nvPr/>
+        </p:nvSpPr>
+        <p:spPr>
+          <a:xfrm>
+            <a:off x="8899283" y="4536855"/>
+            <a:ext cx="1870794" cy="646331"/>
+          </a:xfrm>
+          <a:prstGeom prst="rect">
+            <a:avLst/>
+          </a:prstGeom>
+          <a:noFill/>
+          <a:ln>
+            <a:solidFill>
+              <a:srgbClr val="F59714"/>
+            </a:solidFill>
+          </a:ln>
+        </p:spPr>
+        <p:txBody>
+          <a:bodyPr wrap="square" rtlCol="0">
+            <a:spAutoFit/>
+          </a:bodyPr>
+          <a:lstStyle/>
+          <a:p>
+            <a:r>
+              <a:rPr lang="en-US" dirty="0"/>
+              <a:t>Click this button </a:t>
+            </a:r>
+            <a:br>
+              <a:rPr lang="en-US" dirty="0"/>
+            </a:br>
+            <a:r>
+              <a:rPr lang="en-US" dirty="0"/>
+              <a:t>to open in </a:t>
+            </a:r>
+            <a:r>
+              <a:rPr lang="en-US" i="1" dirty="0" err="1"/>
+              <a:t>Colab</a:t>
+            </a:r>
+            <a:endParaRPr lang="en-US" i="1" dirty="0"/>
+          </a:p>
+        </p:txBody>
+      </p:sp>
+      <p:pic>
+        <p:nvPicPr>
+          <p:cNvPr id="3" name="Picture 2" descr="A screenshot of a computer&#10;&#10;Description automatically generated">
+            <a:extLst>
+              <a:ext uri="{FF2B5EF4-FFF2-40B4-BE49-F238E27FC236}">
+                <a16:creationId xmlns:a16="http://schemas.microsoft.com/office/drawing/2014/main" id="{5ADC7778-495B-AA77-DBF3-F3581A3DDFDC}"/>
+              </a:ext>
+            </a:extLst>
+          </p:cNvPr>
+          <p:cNvPicPr>
+            <a:picLocks noChangeAspect="1"/>
+          </p:cNvPicPr>
+          <p:nvPr/>
+        </p:nvPicPr>
+        <p:blipFill>
+          <a:blip r:embed="rId2"/>
+          <a:stretch>
+            <a:fillRect/>
+          </a:stretch>
+        </p:blipFill>
+        <p:spPr>
+          <a:xfrm>
+            <a:off x="910573" y="1051885"/>
+            <a:ext cx="6797072" cy="5580608"/>
+          </a:xfrm>
+          <a:prstGeom prst="rect">
+            <a:avLst/>
+          </a:prstGeom>
+        </p:spPr>
+      </p:pic>
+      <p:pic>
+        <p:nvPicPr>
+          <p:cNvPr id="4" name="Picture 3" descr="A qr code with a few black squares&#10;&#10;Description automatically generated">
+            <a:extLst>
+              <a:ext uri="{FF2B5EF4-FFF2-40B4-BE49-F238E27FC236}">
+                <a16:creationId xmlns:a16="http://schemas.microsoft.com/office/drawing/2014/main" id="{70A51C6F-E767-5C27-97A5-8301F8E474CF}"/>
+              </a:ext>
+            </a:extLst>
+          </p:cNvPr>
+          <p:cNvPicPr>
+            <a:picLocks noChangeAspect="1"/>
+          </p:cNvPicPr>
+          <p:nvPr/>
+        </p:nvPicPr>
+        <p:blipFill>
+          <a:blip r:embed="rId3"/>
+          <a:stretch>
+            <a:fillRect/>
+          </a:stretch>
+        </p:blipFill>
+        <p:spPr>
+          <a:xfrm>
+            <a:off x="8705101" y="652837"/>
+            <a:ext cx="2064976" cy="2048843"/>
+          </a:xfrm>
+          <a:prstGeom prst="rect">
+            <a:avLst/>
+          </a:prstGeom>
+        </p:spPr>
+      </p:pic>
+      <p:sp>
+        <p:nvSpPr>
+          <p:cNvPr id="11" name="TextBox 10">
+            <a:extLst>
+              <a:ext uri="{FF2B5EF4-FFF2-40B4-BE49-F238E27FC236}">
+                <a16:creationId xmlns:a16="http://schemas.microsoft.com/office/drawing/2014/main" id="{2B58FE4E-2010-0796-76C8-EBF864790F68}"/>
+              </a:ext>
+            </a:extLst>
+          </p:cNvPr>
+          <p:cNvSpPr txBox="1"/>
+          <p:nvPr/>
+        </p:nvSpPr>
+        <p:spPr>
+          <a:xfrm>
+            <a:off x="797939" y="316221"/>
+            <a:ext cx="7589618" cy="523220"/>
+          </a:xfrm>
+          <a:prstGeom prst="rect">
+            <a:avLst/>
+          </a:prstGeom>
+          <a:noFill/>
+        </p:spPr>
+        <p:txBody>
+          <a:bodyPr wrap="square">
+            <a:spAutoFit/>
+          </a:bodyPr>
+          <a:lstStyle/>
+          <a:p>
+            <a:r>
+              <a:rPr lang="en-US" sz="2800" dirty="0">
+                <a:solidFill>
+                  <a:srgbClr val="0070C0"/>
+                </a:solidFill>
+                <a:latin typeface="Arial" panose="020B0604020202020204" pitchFamily="34" charset="0"/>
+                <a:cs typeface="Arial" panose="020B0604020202020204" pitchFamily="34" charset="0"/>
+              </a:rPr>
+              <a:t>https://</a:t>
+            </a:r>
+            <a:r>
+              <a:rPr lang="en-US" sz="2800" dirty="0" err="1">
+                <a:solidFill>
+                  <a:srgbClr val="0070C0"/>
+                </a:solidFill>
+                <a:latin typeface="Arial" panose="020B0604020202020204" pitchFamily="34" charset="0"/>
+                <a:cs typeface="Arial" panose="020B0604020202020204" pitchFamily="34" charset="0"/>
+              </a:rPr>
+              <a:t>github.com</a:t>
+            </a:r>
+            <a:r>
+              <a:rPr lang="en-US" sz="2800" dirty="0">
+                <a:solidFill>
+                  <a:srgbClr val="0070C0"/>
+                </a:solidFill>
+                <a:latin typeface="Arial" panose="020B0604020202020204" pitchFamily="34" charset="0"/>
+                <a:cs typeface="Arial" panose="020B0604020202020204" pitchFamily="34" charset="0"/>
+              </a:rPr>
+              <a:t>/</a:t>
+            </a:r>
+            <a:r>
+              <a:rPr lang="en-US" sz="2800" dirty="0" err="1">
+                <a:solidFill>
+                  <a:srgbClr val="0070C0"/>
+                </a:solidFill>
+                <a:latin typeface="Arial" panose="020B0604020202020204" pitchFamily="34" charset="0"/>
+                <a:cs typeface="Arial" panose="020B0604020202020204" pitchFamily="34" charset="0"/>
+              </a:rPr>
+              <a:t>shuzhao</a:t>
+            </a:r>
+            <a:r>
+              <a:rPr lang="en-US" sz="2800" dirty="0">
+                <a:solidFill>
+                  <a:srgbClr val="0070C0"/>
+                </a:solidFill>
+                <a:latin typeface="Arial" panose="020B0604020202020204" pitchFamily="34" charset="0"/>
+                <a:cs typeface="Arial" panose="020B0604020202020204" pitchFamily="34" charset="0"/>
+              </a:rPr>
+              <a:t>-li-lab/MANA2024</a:t>
+            </a:r>
+          </a:p>
+        </p:txBody>
+      </p:sp>
+      <p:sp>
+        <p:nvSpPr>
+          <p:cNvPr id="12" name="Arc 11">
+            <a:extLst>
+              <a:ext uri="{FF2B5EF4-FFF2-40B4-BE49-F238E27FC236}">
+                <a16:creationId xmlns:a16="http://schemas.microsoft.com/office/drawing/2014/main" id="{4AAE255A-DC6E-32BB-0955-B955576928ED}"/>
+              </a:ext>
+            </a:extLst>
+          </p:cNvPr>
+          <p:cNvSpPr/>
+          <p:nvPr/>
+        </p:nvSpPr>
+        <p:spPr>
+          <a:xfrm rot="17393463">
+            <a:off x="7027507" y="2750205"/>
+            <a:ext cx="2720100" cy="6603829"/>
+          </a:xfrm>
+          <a:prstGeom prst="arc">
+            <a:avLst/>
+          </a:prstGeom>
+          <a:ln>
+            <a:headEnd type="stealth"/>
+          </a:ln>
+        </p:spPr>
+        <p:style>
+          <a:lnRef idx="2">
+            <a:schemeClr val="accent2"/>
+          </a:lnRef>
+          <a:fillRef idx="0">
+            <a:schemeClr val="accent2"/>
+          </a:fillRef>
+          <a:effectRef idx="1">
+            <a:schemeClr val="accent2"/>
+          </a:effectRef>
+          <a:fontRef idx="minor">
+            <a:schemeClr val="tx1"/>
+          </a:fontRef>
+        </p:style>
+        <p:txBody>
+          <a:bodyPr rtlCol="0" anchor="ctr"/>
+          <a:lstStyle/>
+          <a:p>
+            <a:pPr algn="ctr"/>
+            <a:endParaRPr lang="en-US" dirty="0"/>
+          </a:p>
+        </p:txBody>
+      </p:sp>
+    </p:spTree>
+    <p:extLst>
+      <p:ext uri="{BB962C8B-B14F-4D97-AF65-F5344CB8AC3E}">
+        <p14:creationId xmlns:p14="http://schemas.microsoft.com/office/powerpoint/2010/main" val="335410725"/>
+      </p:ext>
+    </p:extLst>
+  </p:cSld>
+  <p:clrMapOvr>
+    <a:masterClrMapping/>
+  </p:clrMapOvr>
+</p:sld>
+</file>
+
+<file path=ppt/slides/slide6.xml><?xml version="1.0" encoding="utf-8"?>
+<p:sld xmlns:a="http://schemas.openxmlformats.org/drawingml/2006/main" xmlns:r="http://schemas.openxmlformats.org/officeDocument/2006/relationships" xmlns:p="http://schemas.openxmlformats.org/presentationml/2006/main">
+  <p:cSld>
+    <p:spTree>
+      <p:nvGrpSpPr>
+        <p:cNvPr id="1" name=""/>
+        <p:cNvGrpSpPr/>
+        <p:nvPr/>
+      </p:nvGrpSpPr>
+      <p:grpSpPr>
+        <a:xfrm>
+          <a:off x="0" y="0"/>
+          <a:ext cx="0" cy="0"/>
+          <a:chOff x="0" y="0"/>
+          <a:chExt cx="0" cy="0"/>
+        </a:xfrm>
+      </p:grpSpPr>
+      <p:sp>
+        <p:nvSpPr>
+          <p:cNvPr id="2" name="Title 1">
+            <a:extLst>
+              <a:ext uri="{FF2B5EF4-FFF2-40B4-BE49-F238E27FC236}">
                 <a16:creationId xmlns:a16="http://schemas.microsoft.com/office/drawing/2014/main" id="{09E1F316-9705-A315-E609-2B88D1273249}"/>
               </a:ext>
             </a:extLst>
@@ -3744,7 +6950,7 @@
           <a:p>
             <a:r>
               <a:rPr lang="en-US" dirty="0"/>
-              <a:t>Skip this module for workshop.</a:t>
+              <a:t>Not part of live workshop</a:t>
             </a:r>
           </a:p>
           <a:p>
@@ -3753,7 +6959,7 @@
           <a:p>
             <a:r>
               <a:rPr lang="en-US" dirty="0"/>
-              <a:t>If you want to install our software later, the notebooks here will be useful. </a:t>
+              <a:t>Reference for you to install software later</a:t>
             </a:r>
           </a:p>
           <a:p>
@@ -3761,6 +6967,36 @@
           </a:p>
         </p:txBody>
       </p:sp>
+      <p:pic>
+        <p:nvPicPr>
+          <p:cNvPr id="4" name="Picture 3">
+            <a:extLst>
+              <a:ext uri="{FF2B5EF4-FFF2-40B4-BE49-F238E27FC236}">
+                <a16:creationId xmlns:a16="http://schemas.microsoft.com/office/drawing/2014/main" id="{8099D8AC-9328-B95F-BC0C-2BF4C04E95CE}"/>
+              </a:ext>
+            </a:extLst>
+          </p:cNvPr>
+          <p:cNvPicPr>
+            <a:picLocks noChangeAspect="1"/>
+          </p:cNvPicPr>
+          <p:nvPr/>
+        </p:nvPicPr>
+        <p:blipFill>
+          <a:blip r:embed="rId2"/>
+          <a:stretch>
+            <a:fillRect/>
+          </a:stretch>
+        </p:blipFill>
+        <p:spPr>
+          <a:xfrm>
+            <a:off x="838200" y="3876953"/>
+            <a:ext cx="7964092" cy="2300010"/>
+          </a:xfrm>
+          <a:prstGeom prst="rect">
+            <a:avLst/>
+          </a:prstGeom>
+        </p:spPr>
+      </p:pic>
     </p:spTree>
     <p:extLst>
       <p:ext uri="{BB962C8B-B14F-4D97-AF65-F5344CB8AC3E}">
@@ -3774,7 +7010,7 @@
 </p:sld>
 </file>
 
-<file path=ppt/slides/slide5.xml><?xml version="1.0" encoding="utf-8"?>
+<file path=ppt/slides/slide7.xml><?xml version="1.0" encoding="utf-8"?>
 <p:sld xmlns:a="http://schemas.openxmlformats.org/drawingml/2006/main" xmlns:r="http://schemas.openxmlformats.org/officeDocument/2006/relationships" xmlns:p="http://schemas.openxmlformats.org/presentationml/2006/main">
   <p:cSld>
     <p:spTree>
@@ -3848,47 +7084,50 @@
           <a:p>
             <a:r>
               <a:rPr lang="en-US" dirty="0"/>
-              <a:t>In this module, we will learn about pre-processing of metabolomics data and how to perform it using </a:t>
+              <a:t>In this module, we will look at spectral data, </a:t>
+            </a:r>
+            <a:br>
+              <a:rPr lang="en-US" dirty="0"/>
+            </a:br>
+            <a:r>
+              <a:rPr lang="en-US" dirty="0"/>
+              <a:t>learn about pre-processing of metabolomics data (Asari).</a:t>
+            </a:r>
+          </a:p>
+          <a:p>
+            <a:r>
+              <a:rPr lang="en-US" dirty="0"/>
+              <a:t>Three notebooks, work through them in order:</a:t>
+            </a:r>
+            <a:br>
+              <a:rPr lang="en-US" dirty="0"/>
+            </a:br>
+            <a:endParaRPr lang="en-US" dirty="0"/>
+          </a:p>
+          <a:p>
+            <a:pPr lvl="1"/>
+            <a:r>
+              <a:rPr lang="en-US" dirty="0"/>
+              <a:t>1.1 – Illustration of LC-MS Concepts</a:t>
+            </a:r>
+          </a:p>
+          <a:p>
+            <a:pPr lvl="1"/>
+            <a:r>
+              <a:rPr lang="en-US" dirty="0"/>
+              <a:t>1.2 – MS data processing in </a:t>
             </a:r>
             <a:r>
               <a:rPr lang="en-US" dirty="0" err="1"/>
               <a:t>Asari</a:t>
             </a:r>
+            <a:endParaRPr lang="en-US" dirty="0"/>
+          </a:p>
+          <a:p>
+            <a:pPr lvl="1"/>
             <a:r>
               <a:rPr lang="en-US" dirty="0"/>
-              <a:t>.</a:t>
-            </a:r>
-          </a:p>
-          <a:p>
-            <a:r>
-              <a:rPr lang="en-US" dirty="0"/>
-              <a:t>Three notebooks, work through them in order:</a:t>
-            </a:r>
-          </a:p>
-          <a:p>
-            <a:pPr lvl="1"/>
-            <a:r>
-              <a:rPr lang="en-US" dirty="0"/>
-              <a:t>1.1 – LCMS Concepts</a:t>
-            </a:r>
-          </a:p>
-          <a:p>
-            <a:pPr lvl="1"/>
-            <a:r>
-              <a:rPr lang="en-US" dirty="0"/>
-              <a:t>1.2 – MS data processing in </a:t>
-            </a:r>
-            <a:r>
-              <a:rPr lang="en-US" dirty="0" err="1"/>
-              <a:t>Asari</a:t>
-            </a:r>
-            <a:endParaRPr lang="en-US" dirty="0"/>
-          </a:p>
-          <a:p>
-            <a:pPr lvl="1"/>
-            <a:r>
-              <a:rPr lang="en-US" dirty="0"/>
-              <a:t>1.3 – Basic PCPFM usage</a:t>
+              <a:t>1.3 – Basic usage of PCPFM pipeline</a:t>
             </a:r>
           </a:p>
         </p:txBody>
@@ -3906,7 +7145,1168 @@
 </p:sld>
 </file>
 
-<file path=ppt/slides/slide6.xml><?xml version="1.0" encoding="utf-8"?>
+<file path=ppt/slides/slide8.xml><?xml version="1.0" encoding="utf-8"?>
+<p:sld xmlns:a="http://schemas.openxmlformats.org/drawingml/2006/main" xmlns:r="http://schemas.openxmlformats.org/officeDocument/2006/relationships" xmlns:p="http://schemas.openxmlformats.org/presentationml/2006/main">
+  <p:cSld>
+    <p:spTree>
+      <p:nvGrpSpPr>
+        <p:cNvPr id="1" name="">
+          <a:extLst>
+            <a:ext uri="{FF2B5EF4-FFF2-40B4-BE49-F238E27FC236}">
+              <a16:creationId xmlns:a16="http://schemas.microsoft.com/office/drawing/2014/main" id="{62561C7A-F996-CA5A-FE56-544F8FCA0D3E}"/>
+            </a:ext>
+          </a:extLst>
+        </p:cNvPr>
+        <p:cNvGrpSpPr/>
+        <p:nvPr/>
+      </p:nvGrpSpPr>
+      <p:grpSpPr>
+        <a:xfrm>
+          <a:off x="0" y="0"/>
+          <a:ext cx="0" cy="0"/>
+          <a:chOff x="0" y="0"/>
+          <a:chExt cx="0" cy="0"/>
+        </a:xfrm>
+      </p:grpSpPr>
+      <p:pic>
+        <p:nvPicPr>
+          <p:cNvPr id="4" name="Picture 3">
+            <a:extLst>
+              <a:ext uri="{FF2B5EF4-FFF2-40B4-BE49-F238E27FC236}">
+                <a16:creationId xmlns:a16="http://schemas.microsoft.com/office/drawing/2014/main" id="{B0EECD36-F7AC-F580-23F7-5C7EC23F0EB4}"/>
+              </a:ext>
+            </a:extLst>
+          </p:cNvPr>
+          <p:cNvPicPr>
+            <a:picLocks noChangeAspect="1"/>
+          </p:cNvPicPr>
+          <p:nvPr/>
+        </p:nvPicPr>
+        <p:blipFill>
+          <a:blip r:embed="rId3">
+            <a:extLst>
+              <a:ext uri="{28A0092B-C50C-407E-A947-70E740481C1C}">
+                <a14:useLocalDpi xmlns:a14="http://schemas.microsoft.com/office/drawing/2010/main" val="0"/>
+              </a:ext>
+            </a:extLst>
+          </a:blip>
+          <a:stretch>
+            <a:fillRect/>
+          </a:stretch>
+        </p:blipFill>
+        <p:spPr>
+          <a:xfrm>
+            <a:off x="459129" y="2108601"/>
+            <a:ext cx="2229594" cy="585612"/>
+          </a:xfrm>
+          <a:prstGeom prst="rect">
+            <a:avLst/>
+          </a:prstGeom>
+        </p:spPr>
+      </p:pic>
+      <p:pic>
+        <p:nvPicPr>
+          <p:cNvPr id="11" name="Picture 10">
+            <a:extLst>
+              <a:ext uri="{FF2B5EF4-FFF2-40B4-BE49-F238E27FC236}">
+                <a16:creationId xmlns:a16="http://schemas.microsoft.com/office/drawing/2014/main" id="{EABCF7BB-983F-FBCF-73FF-C88BB436D500}"/>
+              </a:ext>
+            </a:extLst>
+          </p:cNvPr>
+          <p:cNvPicPr>
+            <a:picLocks noChangeAspect="1"/>
+          </p:cNvPicPr>
+          <p:nvPr/>
+        </p:nvPicPr>
+        <p:blipFill>
+          <a:blip r:embed="rId3">
+            <a:extLst>
+              <a:ext uri="{28A0092B-C50C-407E-A947-70E740481C1C}">
+                <a14:useLocalDpi xmlns:a14="http://schemas.microsoft.com/office/drawing/2010/main" val="0"/>
+              </a:ext>
+            </a:extLst>
+          </a:blip>
+          <a:stretch>
+            <a:fillRect/>
+          </a:stretch>
+        </p:blipFill>
+        <p:spPr>
+          <a:xfrm>
+            <a:off x="611529" y="2261001"/>
+            <a:ext cx="2229594" cy="585612"/>
+          </a:xfrm>
+          <a:prstGeom prst="rect">
+            <a:avLst/>
+          </a:prstGeom>
+        </p:spPr>
+      </p:pic>
+      <p:pic>
+        <p:nvPicPr>
+          <p:cNvPr id="14" name="Picture 13">
+            <a:extLst>
+              <a:ext uri="{FF2B5EF4-FFF2-40B4-BE49-F238E27FC236}">
+                <a16:creationId xmlns:a16="http://schemas.microsoft.com/office/drawing/2014/main" id="{3250B1EB-1147-18AF-B8FB-2FB2E1F9204A}"/>
+              </a:ext>
+            </a:extLst>
+          </p:cNvPr>
+          <p:cNvPicPr>
+            <a:picLocks noChangeAspect="1"/>
+          </p:cNvPicPr>
+          <p:nvPr/>
+        </p:nvPicPr>
+        <p:blipFill>
+          <a:blip r:embed="rId3">
+            <a:extLst>
+              <a:ext uri="{28A0092B-C50C-407E-A947-70E740481C1C}">
+                <a14:useLocalDpi xmlns:a14="http://schemas.microsoft.com/office/drawing/2010/main" val="0"/>
+              </a:ext>
+            </a:extLst>
+          </a:blip>
+          <a:stretch>
+            <a:fillRect/>
+          </a:stretch>
+        </p:blipFill>
+        <p:spPr>
+          <a:xfrm>
+            <a:off x="763929" y="2413401"/>
+            <a:ext cx="2229594" cy="585612"/>
+          </a:xfrm>
+          <a:prstGeom prst="rect">
+            <a:avLst/>
+          </a:prstGeom>
+        </p:spPr>
+      </p:pic>
+      <p:pic>
+        <p:nvPicPr>
+          <p:cNvPr id="17" name="Picture 16">
+            <a:extLst>
+              <a:ext uri="{FF2B5EF4-FFF2-40B4-BE49-F238E27FC236}">
+                <a16:creationId xmlns:a16="http://schemas.microsoft.com/office/drawing/2014/main" id="{926E0284-B74A-FE16-FF2B-F3FA7380309D}"/>
+              </a:ext>
+            </a:extLst>
+          </p:cNvPr>
+          <p:cNvPicPr>
+            <a:picLocks noChangeAspect="1"/>
+          </p:cNvPicPr>
+          <p:nvPr/>
+        </p:nvPicPr>
+        <p:blipFill>
+          <a:blip r:embed="rId3">
+            <a:extLst>
+              <a:ext uri="{28A0092B-C50C-407E-A947-70E740481C1C}">
+                <a14:useLocalDpi xmlns:a14="http://schemas.microsoft.com/office/drawing/2010/main" val="0"/>
+              </a:ext>
+            </a:extLst>
+          </a:blip>
+          <a:stretch>
+            <a:fillRect/>
+          </a:stretch>
+        </p:blipFill>
+        <p:spPr>
+          <a:xfrm>
+            <a:off x="916329" y="2565801"/>
+            <a:ext cx="2229594" cy="585612"/>
+          </a:xfrm>
+          <a:prstGeom prst="rect">
+            <a:avLst/>
+          </a:prstGeom>
+        </p:spPr>
+      </p:pic>
+      <p:pic>
+        <p:nvPicPr>
+          <p:cNvPr id="18" name="Picture 17">
+            <a:extLst>
+              <a:ext uri="{FF2B5EF4-FFF2-40B4-BE49-F238E27FC236}">
+                <a16:creationId xmlns:a16="http://schemas.microsoft.com/office/drawing/2014/main" id="{E0D3FACD-266C-FC72-6A8D-260AF1F5C610}"/>
+              </a:ext>
+            </a:extLst>
+          </p:cNvPr>
+          <p:cNvPicPr>
+            <a:picLocks noChangeAspect="1"/>
+          </p:cNvPicPr>
+          <p:nvPr/>
+        </p:nvPicPr>
+        <p:blipFill>
+          <a:blip r:embed="rId3">
+            <a:extLst>
+              <a:ext uri="{28A0092B-C50C-407E-A947-70E740481C1C}">
+                <a14:useLocalDpi xmlns:a14="http://schemas.microsoft.com/office/drawing/2010/main" val="0"/>
+              </a:ext>
+            </a:extLst>
+          </a:blip>
+          <a:stretch>
+            <a:fillRect/>
+          </a:stretch>
+        </p:blipFill>
+        <p:spPr>
+          <a:xfrm>
+            <a:off x="1068729" y="2718201"/>
+            <a:ext cx="2229594" cy="585612"/>
+          </a:xfrm>
+          <a:prstGeom prst="rect">
+            <a:avLst/>
+          </a:prstGeom>
+        </p:spPr>
+      </p:pic>
+      <p:sp>
+        <p:nvSpPr>
+          <p:cNvPr id="19" name="Right Arrow 18">
+            <a:extLst>
+              <a:ext uri="{FF2B5EF4-FFF2-40B4-BE49-F238E27FC236}">
+                <a16:creationId xmlns:a16="http://schemas.microsoft.com/office/drawing/2014/main" id="{D48DBA7C-4059-4A88-C7E0-1EA4CE2CE204}"/>
+              </a:ext>
+            </a:extLst>
+          </p:cNvPr>
+          <p:cNvSpPr/>
+          <p:nvPr/>
+        </p:nvSpPr>
+        <p:spPr>
+          <a:xfrm>
+            <a:off x="6929564" y="3295750"/>
+            <a:ext cx="1016875" cy="595434"/>
+          </a:xfrm>
+          <a:prstGeom prst="rightArrow">
+            <a:avLst/>
+          </a:prstGeom>
+        </p:spPr>
+        <p:style>
+          <a:lnRef idx="2">
+            <a:schemeClr val="accent1">
+              <a:shade val="15000"/>
+            </a:schemeClr>
+          </a:lnRef>
+          <a:fillRef idx="1">
+            <a:schemeClr val="accent1"/>
+          </a:fillRef>
+          <a:effectRef idx="0">
+            <a:schemeClr val="accent1"/>
+          </a:effectRef>
+          <a:fontRef idx="minor">
+            <a:schemeClr val="lt1"/>
+          </a:fontRef>
+        </p:style>
+        <p:txBody>
+          <a:bodyPr rtlCol="0" anchor="ctr"/>
+          <a:lstStyle/>
+          <a:p>
+            <a:pPr algn="ctr"/>
+            <a:endParaRPr lang="en-US"/>
+          </a:p>
+        </p:txBody>
+      </p:sp>
+      <p:sp>
+        <p:nvSpPr>
+          <p:cNvPr id="20" name="TextBox 19">
+            <a:extLst>
+              <a:ext uri="{FF2B5EF4-FFF2-40B4-BE49-F238E27FC236}">
+                <a16:creationId xmlns:a16="http://schemas.microsoft.com/office/drawing/2014/main" id="{0F67FB59-A4E7-827A-792F-87A9C9EC5198}"/>
+              </a:ext>
+            </a:extLst>
+          </p:cNvPr>
+          <p:cNvSpPr txBox="1"/>
+          <p:nvPr/>
+        </p:nvSpPr>
+        <p:spPr>
+          <a:xfrm>
+            <a:off x="6766478" y="2686150"/>
+            <a:ext cx="1329734" cy="646331"/>
+          </a:xfrm>
+          <a:prstGeom prst="rect">
+            <a:avLst/>
+          </a:prstGeom>
+          <a:noFill/>
+        </p:spPr>
+        <p:txBody>
+          <a:bodyPr wrap="square" rtlCol="0">
+            <a:spAutoFit/>
+          </a:bodyPr>
+          <a:lstStyle/>
+          <a:p>
+            <a:pPr algn="ctr"/>
+            <a:r>
+              <a:rPr lang="en-US" dirty="0"/>
+              <a:t>Pre-Processing</a:t>
+            </a:r>
+          </a:p>
+        </p:txBody>
+      </p:sp>
+      <p:pic>
+        <p:nvPicPr>
+          <p:cNvPr id="21" name="Picture 20">
+            <a:extLst>
+              <a:ext uri="{FF2B5EF4-FFF2-40B4-BE49-F238E27FC236}">
+                <a16:creationId xmlns:a16="http://schemas.microsoft.com/office/drawing/2014/main" id="{FB84E8D8-E685-7C6D-F9C9-9D4431F77433}"/>
+              </a:ext>
+            </a:extLst>
+          </p:cNvPr>
+          <p:cNvPicPr>
+            <a:picLocks noChangeAspect="1"/>
+          </p:cNvPicPr>
+          <p:nvPr/>
+        </p:nvPicPr>
+        <p:blipFill>
+          <a:blip r:embed="rId4"/>
+          <a:stretch>
+            <a:fillRect/>
+          </a:stretch>
+        </p:blipFill>
+        <p:spPr>
+          <a:xfrm>
+            <a:off x="8470859" y="2137223"/>
+            <a:ext cx="2855221" cy="2769257"/>
+          </a:xfrm>
+          <a:prstGeom prst="rect">
+            <a:avLst/>
+          </a:prstGeom>
+        </p:spPr>
+      </p:pic>
+      <p:pic>
+        <p:nvPicPr>
+          <p:cNvPr id="23" name="Picture 22">
+            <a:extLst>
+              <a:ext uri="{FF2B5EF4-FFF2-40B4-BE49-F238E27FC236}">
+                <a16:creationId xmlns:a16="http://schemas.microsoft.com/office/drawing/2014/main" id="{256796B9-24B0-71C6-01FE-50723F17B6F0}"/>
+              </a:ext>
+            </a:extLst>
+          </p:cNvPr>
+          <p:cNvPicPr>
+            <a:picLocks noChangeAspect="1"/>
+          </p:cNvPicPr>
+          <p:nvPr/>
+        </p:nvPicPr>
+        <p:blipFill>
+          <a:blip r:embed="rId3">
+            <a:extLst>
+              <a:ext uri="{28A0092B-C50C-407E-A947-70E740481C1C}">
+                <a14:useLocalDpi xmlns:a14="http://schemas.microsoft.com/office/drawing/2010/main" val="0"/>
+              </a:ext>
+            </a:extLst>
+          </a:blip>
+          <a:stretch>
+            <a:fillRect/>
+          </a:stretch>
+        </p:blipFill>
+        <p:spPr>
+          <a:xfrm>
+            <a:off x="3493292" y="2123952"/>
+            <a:ext cx="2229594" cy="585612"/>
+          </a:xfrm>
+          <a:prstGeom prst="rect">
+            <a:avLst/>
+          </a:prstGeom>
+        </p:spPr>
+      </p:pic>
+      <p:pic>
+        <p:nvPicPr>
+          <p:cNvPr id="24" name="Picture 23">
+            <a:extLst>
+              <a:ext uri="{FF2B5EF4-FFF2-40B4-BE49-F238E27FC236}">
+                <a16:creationId xmlns:a16="http://schemas.microsoft.com/office/drawing/2014/main" id="{446181CA-C22D-FF95-C3B0-C5D71201389E}"/>
+              </a:ext>
+            </a:extLst>
+          </p:cNvPr>
+          <p:cNvPicPr>
+            <a:picLocks noChangeAspect="1"/>
+          </p:cNvPicPr>
+          <p:nvPr/>
+        </p:nvPicPr>
+        <p:blipFill>
+          <a:blip r:embed="rId3">
+            <a:extLst>
+              <a:ext uri="{28A0092B-C50C-407E-A947-70E740481C1C}">
+                <a14:useLocalDpi xmlns:a14="http://schemas.microsoft.com/office/drawing/2010/main" val="0"/>
+              </a:ext>
+            </a:extLst>
+          </a:blip>
+          <a:stretch>
+            <a:fillRect/>
+          </a:stretch>
+        </p:blipFill>
+        <p:spPr>
+          <a:xfrm>
+            <a:off x="3645692" y="2276352"/>
+            <a:ext cx="2229594" cy="585612"/>
+          </a:xfrm>
+          <a:prstGeom prst="rect">
+            <a:avLst/>
+          </a:prstGeom>
+        </p:spPr>
+      </p:pic>
+      <p:pic>
+        <p:nvPicPr>
+          <p:cNvPr id="25" name="Picture 24">
+            <a:extLst>
+              <a:ext uri="{FF2B5EF4-FFF2-40B4-BE49-F238E27FC236}">
+                <a16:creationId xmlns:a16="http://schemas.microsoft.com/office/drawing/2014/main" id="{0B125ECF-B9A9-9FEC-CCB5-9D41642E8F6C}"/>
+              </a:ext>
+            </a:extLst>
+          </p:cNvPr>
+          <p:cNvPicPr>
+            <a:picLocks noChangeAspect="1"/>
+          </p:cNvPicPr>
+          <p:nvPr/>
+        </p:nvPicPr>
+        <p:blipFill>
+          <a:blip r:embed="rId3">
+            <a:extLst>
+              <a:ext uri="{28A0092B-C50C-407E-A947-70E740481C1C}">
+                <a14:useLocalDpi xmlns:a14="http://schemas.microsoft.com/office/drawing/2010/main" val="0"/>
+              </a:ext>
+            </a:extLst>
+          </a:blip>
+          <a:stretch>
+            <a:fillRect/>
+          </a:stretch>
+        </p:blipFill>
+        <p:spPr>
+          <a:xfrm>
+            <a:off x="3798092" y="2428752"/>
+            <a:ext cx="2229594" cy="585612"/>
+          </a:xfrm>
+          <a:prstGeom prst="rect">
+            <a:avLst/>
+          </a:prstGeom>
+        </p:spPr>
+      </p:pic>
+      <p:pic>
+        <p:nvPicPr>
+          <p:cNvPr id="26" name="Picture 25">
+            <a:extLst>
+              <a:ext uri="{FF2B5EF4-FFF2-40B4-BE49-F238E27FC236}">
+                <a16:creationId xmlns:a16="http://schemas.microsoft.com/office/drawing/2014/main" id="{A23318F0-48B7-78C7-0043-DAF9BA38C999}"/>
+              </a:ext>
+            </a:extLst>
+          </p:cNvPr>
+          <p:cNvPicPr>
+            <a:picLocks noChangeAspect="1"/>
+          </p:cNvPicPr>
+          <p:nvPr/>
+        </p:nvPicPr>
+        <p:blipFill>
+          <a:blip r:embed="rId3">
+            <a:extLst>
+              <a:ext uri="{28A0092B-C50C-407E-A947-70E740481C1C}">
+                <a14:useLocalDpi xmlns:a14="http://schemas.microsoft.com/office/drawing/2010/main" val="0"/>
+              </a:ext>
+            </a:extLst>
+          </a:blip>
+          <a:stretch>
+            <a:fillRect/>
+          </a:stretch>
+        </p:blipFill>
+        <p:spPr>
+          <a:xfrm>
+            <a:off x="3950492" y="2581152"/>
+            <a:ext cx="2229594" cy="585612"/>
+          </a:xfrm>
+          <a:prstGeom prst="rect">
+            <a:avLst/>
+          </a:prstGeom>
+        </p:spPr>
+      </p:pic>
+      <p:pic>
+        <p:nvPicPr>
+          <p:cNvPr id="27" name="Picture 26">
+            <a:extLst>
+              <a:ext uri="{FF2B5EF4-FFF2-40B4-BE49-F238E27FC236}">
+                <a16:creationId xmlns:a16="http://schemas.microsoft.com/office/drawing/2014/main" id="{EED56EC3-E5FE-D058-D407-50798B123F2F}"/>
+              </a:ext>
+            </a:extLst>
+          </p:cNvPr>
+          <p:cNvPicPr>
+            <a:picLocks noChangeAspect="1"/>
+          </p:cNvPicPr>
+          <p:nvPr/>
+        </p:nvPicPr>
+        <p:blipFill>
+          <a:blip r:embed="rId3">
+            <a:extLst>
+              <a:ext uri="{28A0092B-C50C-407E-A947-70E740481C1C}">
+                <a14:useLocalDpi xmlns:a14="http://schemas.microsoft.com/office/drawing/2010/main" val="0"/>
+              </a:ext>
+            </a:extLst>
+          </a:blip>
+          <a:stretch>
+            <a:fillRect/>
+          </a:stretch>
+        </p:blipFill>
+        <p:spPr>
+          <a:xfrm>
+            <a:off x="4102892" y="2733552"/>
+            <a:ext cx="2229594" cy="585612"/>
+          </a:xfrm>
+          <a:prstGeom prst="rect">
+            <a:avLst/>
+          </a:prstGeom>
+        </p:spPr>
+      </p:pic>
+      <p:pic>
+        <p:nvPicPr>
+          <p:cNvPr id="28" name="Picture 27">
+            <a:extLst>
+              <a:ext uri="{FF2B5EF4-FFF2-40B4-BE49-F238E27FC236}">
+                <a16:creationId xmlns:a16="http://schemas.microsoft.com/office/drawing/2014/main" id="{4E381009-2DB6-ABAF-1120-B03112F86487}"/>
+              </a:ext>
+            </a:extLst>
+          </p:cNvPr>
+          <p:cNvPicPr>
+            <a:picLocks noChangeAspect="1"/>
+          </p:cNvPicPr>
+          <p:nvPr/>
+        </p:nvPicPr>
+        <p:blipFill>
+          <a:blip r:embed="rId3">
+            <a:extLst>
+              <a:ext uri="{28A0092B-C50C-407E-A947-70E740481C1C}">
+                <a14:useLocalDpi xmlns:a14="http://schemas.microsoft.com/office/drawing/2010/main" val="0"/>
+              </a:ext>
+            </a:extLst>
+          </a:blip>
+          <a:stretch>
+            <a:fillRect/>
+          </a:stretch>
+        </p:blipFill>
+        <p:spPr>
+          <a:xfrm>
+            <a:off x="459129" y="3499623"/>
+            <a:ext cx="2229594" cy="585612"/>
+          </a:xfrm>
+          <a:prstGeom prst="rect">
+            <a:avLst/>
+          </a:prstGeom>
+        </p:spPr>
+      </p:pic>
+      <p:pic>
+        <p:nvPicPr>
+          <p:cNvPr id="29" name="Picture 28">
+            <a:extLst>
+              <a:ext uri="{FF2B5EF4-FFF2-40B4-BE49-F238E27FC236}">
+                <a16:creationId xmlns:a16="http://schemas.microsoft.com/office/drawing/2014/main" id="{0F07C02C-FAD0-604D-E518-111E121A2134}"/>
+              </a:ext>
+            </a:extLst>
+          </p:cNvPr>
+          <p:cNvPicPr>
+            <a:picLocks noChangeAspect="1"/>
+          </p:cNvPicPr>
+          <p:nvPr/>
+        </p:nvPicPr>
+        <p:blipFill>
+          <a:blip r:embed="rId3">
+            <a:extLst>
+              <a:ext uri="{28A0092B-C50C-407E-A947-70E740481C1C}">
+                <a14:useLocalDpi xmlns:a14="http://schemas.microsoft.com/office/drawing/2010/main" val="0"/>
+              </a:ext>
+            </a:extLst>
+          </a:blip>
+          <a:stretch>
+            <a:fillRect/>
+          </a:stretch>
+        </p:blipFill>
+        <p:spPr>
+          <a:xfrm>
+            <a:off x="611529" y="3652023"/>
+            <a:ext cx="2229594" cy="585612"/>
+          </a:xfrm>
+          <a:prstGeom prst="rect">
+            <a:avLst/>
+          </a:prstGeom>
+        </p:spPr>
+      </p:pic>
+      <p:pic>
+        <p:nvPicPr>
+          <p:cNvPr id="30" name="Picture 29">
+            <a:extLst>
+              <a:ext uri="{FF2B5EF4-FFF2-40B4-BE49-F238E27FC236}">
+                <a16:creationId xmlns:a16="http://schemas.microsoft.com/office/drawing/2014/main" id="{09B554EF-3FAB-BBC0-06DD-6044DA910A5B}"/>
+              </a:ext>
+            </a:extLst>
+          </p:cNvPr>
+          <p:cNvPicPr>
+            <a:picLocks noChangeAspect="1"/>
+          </p:cNvPicPr>
+          <p:nvPr/>
+        </p:nvPicPr>
+        <p:blipFill>
+          <a:blip r:embed="rId3">
+            <a:extLst>
+              <a:ext uri="{28A0092B-C50C-407E-A947-70E740481C1C}">
+                <a14:useLocalDpi xmlns:a14="http://schemas.microsoft.com/office/drawing/2010/main" val="0"/>
+              </a:ext>
+            </a:extLst>
+          </a:blip>
+          <a:stretch>
+            <a:fillRect/>
+          </a:stretch>
+        </p:blipFill>
+        <p:spPr>
+          <a:xfrm>
+            <a:off x="763929" y="3804423"/>
+            <a:ext cx="2229594" cy="585612"/>
+          </a:xfrm>
+          <a:prstGeom prst="rect">
+            <a:avLst/>
+          </a:prstGeom>
+        </p:spPr>
+      </p:pic>
+      <p:pic>
+        <p:nvPicPr>
+          <p:cNvPr id="31" name="Picture 30">
+            <a:extLst>
+              <a:ext uri="{FF2B5EF4-FFF2-40B4-BE49-F238E27FC236}">
+                <a16:creationId xmlns:a16="http://schemas.microsoft.com/office/drawing/2014/main" id="{13775AB4-8328-D616-FB44-AA297F595F4D}"/>
+              </a:ext>
+            </a:extLst>
+          </p:cNvPr>
+          <p:cNvPicPr>
+            <a:picLocks noChangeAspect="1"/>
+          </p:cNvPicPr>
+          <p:nvPr/>
+        </p:nvPicPr>
+        <p:blipFill>
+          <a:blip r:embed="rId3">
+            <a:extLst>
+              <a:ext uri="{28A0092B-C50C-407E-A947-70E740481C1C}">
+                <a14:useLocalDpi xmlns:a14="http://schemas.microsoft.com/office/drawing/2010/main" val="0"/>
+              </a:ext>
+            </a:extLst>
+          </a:blip>
+          <a:stretch>
+            <a:fillRect/>
+          </a:stretch>
+        </p:blipFill>
+        <p:spPr>
+          <a:xfrm>
+            <a:off x="916329" y="3956823"/>
+            <a:ext cx="2229594" cy="585612"/>
+          </a:xfrm>
+          <a:prstGeom prst="rect">
+            <a:avLst/>
+          </a:prstGeom>
+        </p:spPr>
+      </p:pic>
+      <p:pic>
+        <p:nvPicPr>
+          <p:cNvPr id="32" name="Picture 31">
+            <a:extLst>
+              <a:ext uri="{FF2B5EF4-FFF2-40B4-BE49-F238E27FC236}">
+                <a16:creationId xmlns:a16="http://schemas.microsoft.com/office/drawing/2014/main" id="{A6B870DD-286B-8EE4-E72C-317C2F854526}"/>
+              </a:ext>
+            </a:extLst>
+          </p:cNvPr>
+          <p:cNvPicPr>
+            <a:picLocks noChangeAspect="1"/>
+          </p:cNvPicPr>
+          <p:nvPr/>
+        </p:nvPicPr>
+        <p:blipFill>
+          <a:blip r:embed="rId3">
+            <a:extLst>
+              <a:ext uri="{28A0092B-C50C-407E-A947-70E740481C1C}">
+                <a14:useLocalDpi xmlns:a14="http://schemas.microsoft.com/office/drawing/2010/main" val="0"/>
+              </a:ext>
+            </a:extLst>
+          </a:blip>
+          <a:stretch>
+            <a:fillRect/>
+          </a:stretch>
+        </p:blipFill>
+        <p:spPr>
+          <a:xfrm>
+            <a:off x="1068729" y="4109223"/>
+            <a:ext cx="2229594" cy="585612"/>
+          </a:xfrm>
+          <a:prstGeom prst="rect">
+            <a:avLst/>
+          </a:prstGeom>
+        </p:spPr>
+      </p:pic>
+      <p:pic>
+        <p:nvPicPr>
+          <p:cNvPr id="33" name="Picture 32">
+            <a:extLst>
+              <a:ext uri="{FF2B5EF4-FFF2-40B4-BE49-F238E27FC236}">
+                <a16:creationId xmlns:a16="http://schemas.microsoft.com/office/drawing/2014/main" id="{AD7DDFD0-55BC-4CEC-32DE-4CC7FA00FCB1}"/>
+              </a:ext>
+            </a:extLst>
+          </p:cNvPr>
+          <p:cNvPicPr>
+            <a:picLocks noChangeAspect="1"/>
+          </p:cNvPicPr>
+          <p:nvPr/>
+        </p:nvPicPr>
+        <p:blipFill>
+          <a:blip r:embed="rId3">
+            <a:extLst>
+              <a:ext uri="{28A0092B-C50C-407E-A947-70E740481C1C}">
+                <a14:useLocalDpi xmlns:a14="http://schemas.microsoft.com/office/drawing/2010/main" val="0"/>
+              </a:ext>
+            </a:extLst>
+          </a:blip>
+          <a:stretch>
+            <a:fillRect/>
+          </a:stretch>
+        </p:blipFill>
+        <p:spPr>
+          <a:xfrm>
+            <a:off x="3464124" y="3498387"/>
+            <a:ext cx="2229594" cy="585612"/>
+          </a:xfrm>
+          <a:prstGeom prst="rect">
+            <a:avLst/>
+          </a:prstGeom>
+        </p:spPr>
+      </p:pic>
+      <p:pic>
+        <p:nvPicPr>
+          <p:cNvPr id="34" name="Picture 33">
+            <a:extLst>
+              <a:ext uri="{FF2B5EF4-FFF2-40B4-BE49-F238E27FC236}">
+                <a16:creationId xmlns:a16="http://schemas.microsoft.com/office/drawing/2014/main" id="{B687DB02-F3A7-A5A8-F0D1-F1F129C172FD}"/>
+              </a:ext>
+            </a:extLst>
+          </p:cNvPr>
+          <p:cNvPicPr>
+            <a:picLocks noChangeAspect="1"/>
+          </p:cNvPicPr>
+          <p:nvPr/>
+        </p:nvPicPr>
+        <p:blipFill>
+          <a:blip r:embed="rId3">
+            <a:extLst>
+              <a:ext uri="{28A0092B-C50C-407E-A947-70E740481C1C}">
+                <a14:useLocalDpi xmlns:a14="http://schemas.microsoft.com/office/drawing/2010/main" val="0"/>
+              </a:ext>
+            </a:extLst>
+          </a:blip>
+          <a:stretch>
+            <a:fillRect/>
+          </a:stretch>
+        </p:blipFill>
+        <p:spPr>
+          <a:xfrm>
+            <a:off x="3616524" y="3650787"/>
+            <a:ext cx="2229594" cy="585612"/>
+          </a:xfrm>
+          <a:prstGeom prst="rect">
+            <a:avLst/>
+          </a:prstGeom>
+        </p:spPr>
+      </p:pic>
+      <p:pic>
+        <p:nvPicPr>
+          <p:cNvPr id="35" name="Picture 34">
+            <a:extLst>
+              <a:ext uri="{FF2B5EF4-FFF2-40B4-BE49-F238E27FC236}">
+                <a16:creationId xmlns:a16="http://schemas.microsoft.com/office/drawing/2014/main" id="{BAB33141-9FAF-A968-BB70-0B448592C1D2}"/>
+              </a:ext>
+            </a:extLst>
+          </p:cNvPr>
+          <p:cNvPicPr>
+            <a:picLocks noChangeAspect="1"/>
+          </p:cNvPicPr>
+          <p:nvPr/>
+        </p:nvPicPr>
+        <p:blipFill>
+          <a:blip r:embed="rId3">
+            <a:extLst>
+              <a:ext uri="{28A0092B-C50C-407E-A947-70E740481C1C}">
+                <a14:useLocalDpi xmlns:a14="http://schemas.microsoft.com/office/drawing/2010/main" val="0"/>
+              </a:ext>
+            </a:extLst>
+          </a:blip>
+          <a:stretch>
+            <a:fillRect/>
+          </a:stretch>
+        </p:blipFill>
+        <p:spPr>
+          <a:xfrm>
+            <a:off x="3768924" y="3803187"/>
+            <a:ext cx="2229594" cy="585612"/>
+          </a:xfrm>
+          <a:prstGeom prst="rect">
+            <a:avLst/>
+          </a:prstGeom>
+        </p:spPr>
+      </p:pic>
+      <p:pic>
+        <p:nvPicPr>
+          <p:cNvPr id="36" name="Picture 35">
+            <a:extLst>
+              <a:ext uri="{FF2B5EF4-FFF2-40B4-BE49-F238E27FC236}">
+                <a16:creationId xmlns:a16="http://schemas.microsoft.com/office/drawing/2014/main" id="{A91ACEE2-8A94-90B7-2AC7-8C41A34EBBC0}"/>
+              </a:ext>
+            </a:extLst>
+          </p:cNvPr>
+          <p:cNvPicPr>
+            <a:picLocks noChangeAspect="1"/>
+          </p:cNvPicPr>
+          <p:nvPr/>
+        </p:nvPicPr>
+        <p:blipFill>
+          <a:blip r:embed="rId3">
+            <a:extLst>
+              <a:ext uri="{28A0092B-C50C-407E-A947-70E740481C1C}">
+                <a14:useLocalDpi xmlns:a14="http://schemas.microsoft.com/office/drawing/2010/main" val="0"/>
+              </a:ext>
+            </a:extLst>
+          </a:blip>
+          <a:stretch>
+            <a:fillRect/>
+          </a:stretch>
+        </p:blipFill>
+        <p:spPr>
+          <a:xfrm>
+            <a:off x="3921324" y="3955587"/>
+            <a:ext cx="2229594" cy="585612"/>
+          </a:xfrm>
+          <a:prstGeom prst="rect">
+            <a:avLst/>
+          </a:prstGeom>
+        </p:spPr>
+      </p:pic>
+      <p:pic>
+        <p:nvPicPr>
+          <p:cNvPr id="37" name="Picture 36">
+            <a:extLst>
+              <a:ext uri="{FF2B5EF4-FFF2-40B4-BE49-F238E27FC236}">
+                <a16:creationId xmlns:a16="http://schemas.microsoft.com/office/drawing/2014/main" id="{967AA3D1-0719-6104-D1B3-C247884EB10A}"/>
+              </a:ext>
+            </a:extLst>
+          </p:cNvPr>
+          <p:cNvPicPr>
+            <a:picLocks noChangeAspect="1"/>
+          </p:cNvPicPr>
+          <p:nvPr/>
+        </p:nvPicPr>
+        <p:blipFill>
+          <a:blip r:embed="rId3">
+            <a:extLst>
+              <a:ext uri="{28A0092B-C50C-407E-A947-70E740481C1C}">
+                <a14:useLocalDpi xmlns:a14="http://schemas.microsoft.com/office/drawing/2010/main" val="0"/>
+              </a:ext>
+            </a:extLst>
+          </a:blip>
+          <a:stretch>
+            <a:fillRect/>
+          </a:stretch>
+        </p:blipFill>
+        <p:spPr>
+          <a:xfrm>
+            <a:off x="4073724" y="4107987"/>
+            <a:ext cx="2229594" cy="585612"/>
+          </a:xfrm>
+          <a:prstGeom prst="rect">
+            <a:avLst/>
+          </a:prstGeom>
+        </p:spPr>
+      </p:pic>
+      <p:sp>
+        <p:nvSpPr>
+          <p:cNvPr id="38" name="TextBox 37">
+            <a:extLst>
+              <a:ext uri="{FF2B5EF4-FFF2-40B4-BE49-F238E27FC236}">
+                <a16:creationId xmlns:a16="http://schemas.microsoft.com/office/drawing/2014/main" id="{F9ECE35D-ABC6-79A2-0C3E-4A2230F7276F}"/>
+              </a:ext>
+            </a:extLst>
+          </p:cNvPr>
+          <p:cNvSpPr txBox="1"/>
+          <p:nvPr/>
+        </p:nvSpPr>
+        <p:spPr>
+          <a:xfrm>
+            <a:off x="1464709" y="1776631"/>
+            <a:ext cx="1329734" cy="369332"/>
+          </a:xfrm>
+          <a:prstGeom prst="rect">
+            <a:avLst/>
+          </a:prstGeom>
+          <a:noFill/>
+        </p:spPr>
+        <p:txBody>
+          <a:bodyPr wrap="square" rtlCol="0">
+            <a:spAutoFit/>
+          </a:bodyPr>
+          <a:lstStyle/>
+          <a:p>
+            <a:pPr algn="ctr"/>
+            <a:r>
+              <a:rPr lang="en-US" dirty="0"/>
+              <a:t>Sample 1</a:t>
+            </a:r>
+          </a:p>
+        </p:txBody>
+      </p:sp>
+      <p:sp>
+        <p:nvSpPr>
+          <p:cNvPr id="39" name="TextBox 38">
+            <a:extLst>
+              <a:ext uri="{FF2B5EF4-FFF2-40B4-BE49-F238E27FC236}">
+                <a16:creationId xmlns:a16="http://schemas.microsoft.com/office/drawing/2014/main" id="{38621A91-39D6-8B4A-88D4-B9896AFE6BC6}"/>
+              </a:ext>
+            </a:extLst>
+          </p:cNvPr>
+          <p:cNvSpPr txBox="1"/>
+          <p:nvPr/>
+        </p:nvSpPr>
+        <p:spPr>
+          <a:xfrm>
+            <a:off x="4428977" y="1834281"/>
+            <a:ext cx="1329734" cy="369332"/>
+          </a:xfrm>
+          <a:prstGeom prst="rect">
+            <a:avLst/>
+          </a:prstGeom>
+          <a:noFill/>
+        </p:spPr>
+        <p:txBody>
+          <a:bodyPr wrap="square" rtlCol="0">
+            <a:spAutoFit/>
+          </a:bodyPr>
+          <a:lstStyle/>
+          <a:p>
+            <a:pPr algn="ctr"/>
+            <a:r>
+              <a:rPr lang="en-US" dirty="0"/>
+              <a:t>Sample 2</a:t>
+            </a:r>
+          </a:p>
+        </p:txBody>
+      </p:sp>
+      <p:sp>
+        <p:nvSpPr>
+          <p:cNvPr id="40" name="TextBox 39">
+            <a:extLst>
+              <a:ext uri="{FF2B5EF4-FFF2-40B4-BE49-F238E27FC236}">
+                <a16:creationId xmlns:a16="http://schemas.microsoft.com/office/drawing/2014/main" id="{18193373-DA3C-1F17-9311-25344C5C3B96}"/>
+              </a:ext>
+            </a:extLst>
+          </p:cNvPr>
+          <p:cNvSpPr txBox="1"/>
+          <p:nvPr/>
+        </p:nvSpPr>
+        <p:spPr>
+          <a:xfrm>
+            <a:off x="1464709" y="3521852"/>
+            <a:ext cx="1329734" cy="369332"/>
+          </a:xfrm>
+          <a:prstGeom prst="rect">
+            <a:avLst/>
+          </a:prstGeom>
+          <a:noFill/>
+        </p:spPr>
+        <p:txBody>
+          <a:bodyPr wrap="square" rtlCol="0">
+            <a:spAutoFit/>
+          </a:bodyPr>
+          <a:lstStyle/>
+          <a:p>
+            <a:pPr algn="ctr"/>
+            <a:r>
+              <a:rPr lang="en-US"/>
+              <a:t>Sample 3</a:t>
+            </a:r>
+            <a:endParaRPr lang="en-US" dirty="0"/>
+          </a:p>
+        </p:txBody>
+      </p:sp>
+      <p:sp>
+        <p:nvSpPr>
+          <p:cNvPr id="41" name="TextBox 40">
+            <a:extLst>
+              <a:ext uri="{FF2B5EF4-FFF2-40B4-BE49-F238E27FC236}">
+                <a16:creationId xmlns:a16="http://schemas.microsoft.com/office/drawing/2014/main" id="{41546348-8670-8E13-EE10-AFDDC0D33C86}"/>
+              </a:ext>
+            </a:extLst>
+          </p:cNvPr>
+          <p:cNvSpPr txBox="1"/>
+          <p:nvPr/>
+        </p:nvSpPr>
+        <p:spPr>
+          <a:xfrm>
+            <a:off x="4428977" y="3526024"/>
+            <a:ext cx="1329734" cy="369332"/>
+          </a:xfrm>
+          <a:prstGeom prst="rect">
+            <a:avLst/>
+          </a:prstGeom>
+          <a:noFill/>
+        </p:spPr>
+        <p:txBody>
+          <a:bodyPr wrap="square" rtlCol="0">
+            <a:spAutoFit/>
+          </a:bodyPr>
+          <a:lstStyle/>
+          <a:p>
+            <a:pPr algn="ctr"/>
+            <a:r>
+              <a:rPr lang="en-US" dirty="0"/>
+              <a:t>Sample 4</a:t>
+            </a:r>
+          </a:p>
+        </p:txBody>
+      </p:sp>
+      <p:sp>
+        <p:nvSpPr>
+          <p:cNvPr id="42" name="TextBox 41">
+            <a:extLst>
+              <a:ext uri="{FF2B5EF4-FFF2-40B4-BE49-F238E27FC236}">
+                <a16:creationId xmlns:a16="http://schemas.microsoft.com/office/drawing/2014/main" id="{A337A500-71D4-29A9-1F10-4B531E28A0AE}"/>
+              </a:ext>
+            </a:extLst>
+          </p:cNvPr>
+          <p:cNvSpPr txBox="1"/>
+          <p:nvPr/>
+        </p:nvSpPr>
+        <p:spPr>
+          <a:xfrm>
+            <a:off x="2980825" y="4844412"/>
+            <a:ext cx="1329734" cy="369332"/>
+          </a:xfrm>
+          <a:prstGeom prst="rect">
+            <a:avLst/>
+          </a:prstGeom>
+          <a:noFill/>
+        </p:spPr>
+        <p:txBody>
+          <a:bodyPr wrap="square" rtlCol="0">
+            <a:spAutoFit/>
+          </a:bodyPr>
+          <a:lstStyle/>
+          <a:p>
+            <a:pPr algn="ctr"/>
+            <a:r>
+              <a:rPr lang="en-US" dirty="0"/>
+              <a:t>…</a:t>
+            </a:r>
+          </a:p>
+        </p:txBody>
+      </p:sp>
+      <p:sp>
+        <p:nvSpPr>
+          <p:cNvPr id="43" name="TextBox 42">
+            <a:extLst>
+              <a:ext uri="{FF2B5EF4-FFF2-40B4-BE49-F238E27FC236}">
+                <a16:creationId xmlns:a16="http://schemas.microsoft.com/office/drawing/2014/main" id="{863AEFA4-0F7F-C5CE-A4C6-110763AE9B24}"/>
+              </a:ext>
+            </a:extLst>
+          </p:cNvPr>
+          <p:cNvSpPr txBox="1"/>
+          <p:nvPr/>
+        </p:nvSpPr>
+        <p:spPr>
+          <a:xfrm>
+            <a:off x="8836255" y="1754620"/>
+            <a:ext cx="2124431" cy="369332"/>
+          </a:xfrm>
+          <a:prstGeom prst="rect">
+            <a:avLst/>
+          </a:prstGeom>
+          <a:noFill/>
+        </p:spPr>
+        <p:txBody>
+          <a:bodyPr wrap="square" rtlCol="0">
+            <a:spAutoFit/>
+          </a:bodyPr>
+          <a:lstStyle/>
+          <a:p>
+            <a:pPr algn="ctr"/>
+            <a:r>
+              <a:rPr lang="en-US" dirty="0"/>
+              <a:t>Feature Table</a:t>
+            </a:r>
+          </a:p>
+        </p:txBody>
+      </p:sp>
+      <p:sp>
+        <p:nvSpPr>
+          <p:cNvPr id="2" name="Google Shape;697;p15">
+            <a:extLst>
+              <a:ext uri="{FF2B5EF4-FFF2-40B4-BE49-F238E27FC236}">
+                <a16:creationId xmlns:a16="http://schemas.microsoft.com/office/drawing/2014/main" id="{9708FCE5-1D65-3F49-E98D-CBA550F76255}"/>
+              </a:ext>
+            </a:extLst>
+          </p:cNvPr>
+          <p:cNvSpPr txBox="1">
+            <a:spLocks/>
+          </p:cNvSpPr>
+          <p:nvPr/>
+        </p:nvSpPr>
+        <p:spPr>
+          <a:xfrm>
+            <a:off x="778213" y="229111"/>
+            <a:ext cx="10573965" cy="763600"/>
+          </a:xfrm>
+          <a:prstGeom prst="rect">
+            <a:avLst/>
+          </a:prstGeom>
+        </p:spPr>
+        <p:txBody>
+          <a:bodyPr spcFirstLastPara="1" vert="horz" wrap="square" lIns="121900" tIns="121900" rIns="121900" bIns="121900" rtlCol="0" anchor="t" anchorCtr="0">
+            <a:noAutofit/>
+          </a:bodyPr>
+          <a:lstStyle>
+            <a:lvl1pPr algn="ctr" defTabSz="914400" rtl="0" eaLnBrk="1" latinLnBrk="0" hangingPunct="1">
+              <a:lnSpc>
+                <a:spcPct val="90000"/>
+              </a:lnSpc>
+              <a:spcBef>
+                <a:spcPct val="0"/>
+              </a:spcBef>
+              <a:buNone/>
+              <a:defRPr sz="6000" kern="1200">
+                <a:solidFill>
+                  <a:schemeClr val="tx1"/>
+                </a:solidFill>
+                <a:latin typeface="+mj-lt"/>
+                <a:ea typeface="+mj-ea"/>
+                <a:cs typeface="+mj-cs"/>
+              </a:defRPr>
+            </a:lvl1pPr>
+          </a:lstStyle>
+          <a:p>
+            <a:pPr marR="0">
+              <a:lnSpc>
+                <a:spcPct val="150000"/>
+              </a:lnSpc>
+              <a:spcBef>
+                <a:spcPts val="100"/>
+              </a:spcBef>
+              <a:spcAft>
+                <a:spcPts val="100"/>
+              </a:spcAft>
+            </a:pPr>
+            <a:r>
+              <a:rPr lang="en-US" sz="3200" dirty="0">
+                <a:latin typeface="Arial" panose="020B0604020202020204" pitchFamily="34" charset="0"/>
+                <a:ea typeface="Times New Roman" panose="02020603050405020304" pitchFamily="18" charset="0"/>
+              </a:rPr>
+              <a:t>Pre</a:t>
+            </a:r>
+            <a:r>
+              <a:rPr lang="en-US" sz="3200" b="0" dirty="0">
+                <a:effectLst/>
+                <a:latin typeface="Arial" panose="020B0604020202020204" pitchFamily="34" charset="0"/>
+                <a:ea typeface="Times New Roman" panose="02020603050405020304" pitchFamily="18" charset="0"/>
+              </a:rPr>
+              <a:t>processing: from spectra to table</a:t>
+            </a:r>
+          </a:p>
+        </p:txBody>
+      </p:sp>
+    </p:spTree>
+    <p:extLst>
+      <p:ext uri="{BB962C8B-B14F-4D97-AF65-F5344CB8AC3E}">
+        <p14:creationId xmlns:p14="http://schemas.microsoft.com/office/powerpoint/2010/main" val="1475805762"/>
+      </p:ext>
+    </p:extLst>
+  </p:cSld>
+  <p:clrMapOvr>
+    <a:masterClrMapping/>
+  </p:clrMapOvr>
+</p:sld>
+</file>
+
+<file path=ppt/slides/slide9.xml><?xml version="1.0" encoding="utf-8"?>
 <p:sld xmlns:a="http://schemas.openxmlformats.org/drawingml/2006/main" xmlns:r="http://schemas.openxmlformats.org/officeDocument/2006/relationships" xmlns:p="http://schemas.openxmlformats.org/presentationml/2006/main">
   <p:cSld>
     <p:spTree>
@@ -3988,12 +8388,16 @@
               <a:rPr lang="en-US" dirty="0"/>
               <a:t>Three notebooks, work through them in order:</a:t>
             </a:r>
+            <a:br>
+              <a:rPr lang="en-US" dirty="0"/>
+            </a:br>
+            <a:endParaRPr lang="en-US" dirty="0"/>
           </a:p>
           <a:p>
             <a:pPr lvl="1"/>
             <a:r>
               <a:rPr lang="en-US" dirty="0"/>
-              <a:t>2.1 – Pre Annotation with Khipu</a:t>
+              <a:t>2.1 – Pre-annotation with Khipu</a:t>
             </a:r>
           </a:p>
           <a:p>
@@ -4007,7 +8411,7 @@
             <a:pPr lvl="1"/>
             <a:r>
               <a:rPr lang="en-US" dirty="0"/>
-              <a:t>2.3 – Advanced PCPFM usage.</a:t>
+              <a:t>2.3 – Advanced usage of PCPFM pipeline.</a:t>
             </a:r>
           </a:p>
         </p:txBody>
@@ -4016,118 +8420,6 @@
     <p:extLst>
       <p:ext uri="{BB962C8B-B14F-4D97-AF65-F5344CB8AC3E}">
         <p14:creationId xmlns:p14="http://schemas.microsoft.com/office/powerpoint/2010/main" val="3044041018"/>
-      </p:ext>
-    </p:extLst>
-  </p:cSld>
-  <p:clrMapOvr>
-    <a:masterClrMapping/>
-  </p:clrMapOvr>
-</p:sld>
-</file>
-
-<file path=ppt/slides/slide7.xml><?xml version="1.0" encoding="utf-8"?>
-<p:sld xmlns:a="http://schemas.openxmlformats.org/drawingml/2006/main" xmlns:r="http://schemas.openxmlformats.org/officeDocument/2006/relationships" xmlns:p="http://schemas.openxmlformats.org/presentationml/2006/main">
-  <p:cSld>
-    <p:spTree>
-      <p:nvGrpSpPr>
-        <p:cNvPr id="1" name="">
-          <a:extLst>
-            <a:ext uri="{FF2B5EF4-FFF2-40B4-BE49-F238E27FC236}">
-              <a16:creationId xmlns:a16="http://schemas.microsoft.com/office/drawing/2014/main" id="{62BEA899-A83F-DF3F-4BA3-0C08DB941D22}"/>
-            </a:ext>
-          </a:extLst>
-        </p:cNvPr>
-        <p:cNvGrpSpPr/>
-        <p:nvPr/>
-      </p:nvGrpSpPr>
-      <p:grpSpPr>
-        <a:xfrm>
-          <a:off x="0" y="0"/>
-          <a:ext cx="0" cy="0"/>
-          <a:chOff x="0" y="0"/>
-          <a:chExt cx="0" cy="0"/>
-        </a:xfrm>
-      </p:grpSpPr>
-      <p:sp>
-        <p:nvSpPr>
-          <p:cNvPr id="2" name="Title 1">
-            <a:extLst>
-              <a:ext uri="{FF2B5EF4-FFF2-40B4-BE49-F238E27FC236}">
-                <a16:creationId xmlns:a16="http://schemas.microsoft.com/office/drawing/2014/main" id="{BC177876-54AC-D9EC-375C-70346748D9FE}"/>
-              </a:ext>
-            </a:extLst>
-          </p:cNvPr>
-          <p:cNvSpPr>
-            <a:spLocks noGrp="1"/>
-          </p:cNvSpPr>
-          <p:nvPr>
-            <p:ph type="title"/>
-          </p:nvPr>
-        </p:nvSpPr>
-        <p:spPr/>
-        <p:txBody>
-          <a:bodyPr/>
-          <a:lstStyle/>
-          <a:p>
-            <a:r>
-              <a:rPr lang="en-US" dirty="0"/>
-              <a:t>Module 3</a:t>
-            </a:r>
-          </a:p>
-        </p:txBody>
-      </p:sp>
-      <p:sp>
-        <p:nvSpPr>
-          <p:cNvPr id="3" name="Content Placeholder 2">
-            <a:extLst>
-              <a:ext uri="{FF2B5EF4-FFF2-40B4-BE49-F238E27FC236}">
-                <a16:creationId xmlns:a16="http://schemas.microsoft.com/office/drawing/2014/main" id="{6A1487D9-2BD1-1842-95F1-9A2A45356574}"/>
-              </a:ext>
-            </a:extLst>
-          </p:cNvPr>
-          <p:cNvSpPr>
-            <a:spLocks noGrp="1"/>
-          </p:cNvSpPr>
-          <p:nvPr>
-            <p:ph idx="1"/>
-          </p:nvPr>
-        </p:nvSpPr>
-        <p:spPr/>
-        <p:txBody>
-          <a:bodyPr/>
-          <a:lstStyle/>
-          <a:p>
-            <a:r>
-              <a:rPr lang="en-US" dirty="0"/>
-              <a:t>This is the final module for MANA2024. Here we will explore common statistical tests and plots. </a:t>
-            </a:r>
-          </a:p>
-          <a:p>
-            <a:r>
-              <a:rPr lang="en-US" dirty="0"/>
-              <a:t>There are two notebooks:</a:t>
-            </a:r>
-          </a:p>
-          <a:p>
-            <a:pPr lvl="1"/>
-            <a:r>
-              <a:rPr lang="en-US" dirty="0"/>
-              <a:t>3.1 – Statistical Testing</a:t>
-            </a:r>
-          </a:p>
-          <a:p>
-            <a:pPr lvl="1"/>
-            <a:r>
-              <a:rPr lang="en-US" dirty="0"/>
-              <a:t>3.2 – Common Plots</a:t>
-            </a:r>
-          </a:p>
-        </p:txBody>
-      </p:sp>
-    </p:spTree>
-    <p:extLst>
-      <p:ext uri="{BB962C8B-B14F-4D97-AF65-F5344CB8AC3E}">
-        <p14:creationId xmlns:p14="http://schemas.microsoft.com/office/powerpoint/2010/main" val="2726946435"/>
       </p:ext>
     </p:extLst>
   </p:cSld>
@@ -4450,4 +8742,319 @@
     </a:ext>
   </a:extLst>
 </a:theme>
+</file>
+
+<file path=ppt/theme/theme2.xml><?xml version="1.0" encoding="utf-8"?>
+<a:theme xmlns:a="http://schemas.openxmlformats.org/drawingml/2006/main" name="Office Theme">
+  <a:themeElements>
+    <a:clrScheme name="Office">
+      <a:dk1>
+        <a:sysClr val="windowText" lastClr="000000"/>
+      </a:dk1>
+      <a:lt1>
+        <a:sysClr val="window" lastClr="FFFFFF"/>
+      </a:lt1>
+      <a:dk2>
+        <a:srgbClr val="0E2841"/>
+      </a:dk2>
+      <a:lt2>
+        <a:srgbClr val="E8E8E8"/>
+      </a:lt2>
+      <a:accent1>
+        <a:srgbClr val="156082"/>
+      </a:accent1>
+      <a:accent2>
+        <a:srgbClr val="E97132"/>
+      </a:accent2>
+      <a:accent3>
+        <a:srgbClr val="196B24"/>
+      </a:accent3>
+      <a:accent4>
+        <a:srgbClr val="0F9ED5"/>
+      </a:accent4>
+      <a:accent5>
+        <a:srgbClr val="A02B93"/>
+      </a:accent5>
+      <a:accent6>
+        <a:srgbClr val="4EA72E"/>
+      </a:accent6>
+      <a:hlink>
+        <a:srgbClr val="467886"/>
+      </a:hlink>
+      <a:folHlink>
+        <a:srgbClr val="96607D"/>
+      </a:folHlink>
+    </a:clrScheme>
+    <a:fontScheme name="Office">
+      <a:majorFont>
+        <a:latin typeface="Aptos Display" panose="02110004020202020204"/>
+        <a:ea typeface=""/>
+        <a:cs typeface=""/>
+        <a:font script="Jpan" typeface="游ゴシック Light"/>
+        <a:font script="Hang" typeface="맑은 고딕"/>
+        <a:font script="Hans" typeface="等线 Light"/>
+        <a:font script="Hant" typeface="新細明體"/>
+        <a:font script="Arab" typeface="Times New Roman"/>
+        <a:font script="Hebr" typeface="Times New Roman"/>
+        <a:font script="Thai" typeface="Angsana New"/>
+        <a:font script="Ethi" typeface="Nyala"/>
+        <a:font script="Beng" typeface="Vrinda"/>
+        <a:font script="Gujr" typeface="Shruti"/>
+        <a:font script="Khmr" typeface="MoolBoran"/>
+        <a:font script="Knda" typeface="Tunga"/>
+        <a:font script="Guru" typeface="Raavi"/>
+        <a:font script="Cans" typeface="Euphemia"/>
+        <a:font script="Cher" typeface="Plantagenet Cherokee"/>
+        <a:font script="Yiii" typeface="Microsoft Yi Baiti"/>
+        <a:font script="Tibt" typeface="Microsoft Himalaya"/>
+        <a:font script="Thaa" typeface="MV Boli"/>
+        <a:font script="Deva" typeface="Mangal"/>
+        <a:font script="Telu" typeface="Gautami"/>
+        <a:font script="Taml" typeface="Latha"/>
+        <a:font script="Syrc" typeface="Estrangelo Edessa"/>
+        <a:font script="Orya" typeface="Kalinga"/>
+        <a:font script="Mlym" typeface="Kartika"/>
+        <a:font script="Laoo" typeface="DokChampa"/>
+        <a:font script="Sinh" typeface="Iskoola Pota"/>
+        <a:font script="Mong" typeface="Mongolian Baiti"/>
+        <a:font script="Viet" typeface="Times New Roman"/>
+        <a:font script="Uigh" typeface="Microsoft Uighur"/>
+        <a:font script="Geor" typeface="Sylfaen"/>
+        <a:font script="Armn" typeface="Arial"/>
+        <a:font script="Bugi" typeface="Leelawadee UI"/>
+        <a:font script="Bopo" typeface="Microsoft JhengHei"/>
+        <a:font script="Java" typeface="Javanese Text"/>
+        <a:font script="Lisu" typeface="Segoe UI"/>
+        <a:font script="Mymr" typeface="Myanmar Text"/>
+        <a:font script="Nkoo" typeface="Ebrima"/>
+        <a:font script="Olck" typeface="Nirmala UI"/>
+        <a:font script="Osma" typeface="Ebrima"/>
+        <a:font script="Phag" typeface="Phagspa"/>
+        <a:font script="Syrn" typeface="Estrangelo Edessa"/>
+        <a:font script="Syrj" typeface="Estrangelo Edessa"/>
+        <a:font script="Syre" typeface="Estrangelo Edessa"/>
+        <a:font script="Sora" typeface="Nirmala UI"/>
+        <a:font script="Tale" typeface="Microsoft Tai Le"/>
+        <a:font script="Talu" typeface="Microsoft New Tai Lue"/>
+        <a:font script="Tfng" typeface="Ebrima"/>
+      </a:majorFont>
+      <a:minorFont>
+        <a:latin typeface="Aptos" panose="02110004020202020204"/>
+        <a:ea typeface=""/>
+        <a:cs typeface=""/>
+        <a:font script="Jpan" typeface="游ゴシック"/>
+        <a:font script="Hang" typeface="맑은 고딕"/>
+        <a:font script="Hans" typeface="等线"/>
+        <a:font script="Hant" typeface="新細明體"/>
+        <a:font script="Arab" typeface="Arial"/>
+        <a:font script="Hebr" typeface="Arial"/>
+        <a:font script="Thai" typeface="Cordia New"/>
+        <a:font script="Ethi" typeface="Nyala"/>
+        <a:font script="Beng" typeface="Vrinda"/>
+        <a:font script="Gujr" typeface="Shruti"/>
+        <a:font script="Khmr" typeface="DaunPenh"/>
+        <a:font script="Knda" typeface="Tunga"/>
+        <a:font script="Guru" typeface="Raavi"/>
+        <a:font script="Cans" typeface="Euphemia"/>
+        <a:font script="Cher" typeface="Plantagenet Cherokee"/>
+        <a:font script="Yiii" typeface="Microsoft Yi Baiti"/>
+        <a:font script="Tibt" typeface="Microsoft Himalaya"/>
+        <a:font script="Thaa" typeface="MV Boli"/>
+        <a:font script="Deva" typeface="Mangal"/>
+        <a:font script="Telu" typeface="Gautami"/>
+        <a:font script="Taml" typeface="Latha"/>
+        <a:font script="Syrc" typeface="Estrangelo Edessa"/>
+        <a:font script="Orya" typeface="Kalinga"/>
+        <a:font script="Mlym" typeface="Kartika"/>
+        <a:font script="Laoo" typeface="DokChampa"/>
+        <a:font script="Sinh" typeface="Iskoola Pota"/>
+        <a:font script="Mong" typeface="Mongolian Baiti"/>
+        <a:font script="Viet" typeface="Arial"/>
+        <a:font script="Uigh" typeface="Microsoft Uighur"/>
+        <a:font script="Geor" typeface="Sylfaen"/>
+        <a:font script="Armn" typeface="Arial"/>
+        <a:font script="Bugi" typeface="Leelawadee UI"/>
+        <a:font script="Bopo" typeface="Microsoft JhengHei"/>
+        <a:font script="Java" typeface="Javanese Text"/>
+        <a:font script="Lisu" typeface="Segoe UI"/>
+        <a:font script="Mymr" typeface="Myanmar Text"/>
+        <a:font script="Nkoo" typeface="Ebrima"/>
+        <a:font script="Olck" typeface="Nirmala UI"/>
+        <a:font script="Osma" typeface="Ebrima"/>
+        <a:font script="Phag" typeface="Phagspa"/>
+        <a:font script="Syrn" typeface="Estrangelo Edessa"/>
+        <a:font script="Syrj" typeface="Estrangelo Edessa"/>
+        <a:font script="Syre" typeface="Estrangelo Edessa"/>
+        <a:font script="Sora" typeface="Nirmala UI"/>
+        <a:font script="Tale" typeface="Microsoft Tai Le"/>
+        <a:font script="Talu" typeface="Microsoft New Tai Lue"/>
+        <a:font script="Tfng" typeface="Ebrima"/>
+      </a:minorFont>
+    </a:fontScheme>
+    <a:fmtScheme name="Office">
+      <a:fillStyleLst>
+        <a:solidFill>
+          <a:schemeClr val="phClr"/>
+        </a:solidFill>
+        <a:gradFill rotWithShape="1">
+          <a:gsLst>
+            <a:gs pos="0">
+              <a:schemeClr val="phClr">
+                <a:lumMod val="110000"/>
+                <a:satMod val="105000"/>
+                <a:tint val="67000"/>
+              </a:schemeClr>
+            </a:gs>
+            <a:gs pos="50000">
+              <a:schemeClr val="phClr">
+                <a:lumMod val="105000"/>
+                <a:satMod val="103000"/>
+                <a:tint val="73000"/>
+              </a:schemeClr>
+            </a:gs>
+            <a:gs pos="100000">
+              <a:schemeClr val="phClr">
+                <a:lumMod val="105000"/>
+                <a:satMod val="109000"/>
+                <a:tint val="81000"/>
+              </a:schemeClr>
+            </a:gs>
+          </a:gsLst>
+          <a:lin ang="5400000" scaled="0"/>
+        </a:gradFill>
+        <a:gradFill rotWithShape="1">
+          <a:gsLst>
+            <a:gs pos="0">
+              <a:schemeClr val="phClr">
+                <a:satMod val="103000"/>
+                <a:lumMod val="102000"/>
+                <a:tint val="94000"/>
+              </a:schemeClr>
+            </a:gs>
+            <a:gs pos="50000">
+              <a:schemeClr val="phClr">
+                <a:satMod val="110000"/>
+                <a:lumMod val="100000"/>
+                <a:shade val="100000"/>
+              </a:schemeClr>
+            </a:gs>
+            <a:gs pos="100000">
+              <a:schemeClr val="phClr">
+                <a:lumMod val="99000"/>
+                <a:satMod val="120000"/>
+                <a:shade val="78000"/>
+              </a:schemeClr>
+            </a:gs>
+          </a:gsLst>
+          <a:lin ang="5400000" scaled="0"/>
+        </a:gradFill>
+      </a:fillStyleLst>
+      <a:lnStyleLst>
+        <a:ln w="12700" cap="flat" cmpd="sng" algn="ctr">
+          <a:solidFill>
+            <a:schemeClr val="phClr"/>
+          </a:solidFill>
+          <a:prstDash val="solid"/>
+          <a:miter lim="800000"/>
+        </a:ln>
+        <a:ln w="19050" cap="flat" cmpd="sng" algn="ctr">
+          <a:solidFill>
+            <a:schemeClr val="phClr"/>
+          </a:solidFill>
+          <a:prstDash val="solid"/>
+          <a:miter lim="800000"/>
+        </a:ln>
+        <a:ln w="25400" cap="flat" cmpd="sng" algn="ctr">
+          <a:solidFill>
+            <a:schemeClr val="phClr"/>
+          </a:solidFill>
+          <a:prstDash val="solid"/>
+          <a:miter lim="800000"/>
+        </a:ln>
+      </a:lnStyleLst>
+      <a:effectStyleLst>
+        <a:effectStyle>
+          <a:effectLst/>
+        </a:effectStyle>
+        <a:effectStyle>
+          <a:effectLst/>
+        </a:effectStyle>
+        <a:effectStyle>
+          <a:effectLst>
+            <a:outerShdw blurRad="57150" dist="19050" dir="5400000" algn="ctr" rotWithShape="0">
+              <a:srgbClr val="000000">
+                <a:alpha val="63000"/>
+              </a:srgbClr>
+            </a:outerShdw>
+          </a:effectLst>
+        </a:effectStyle>
+      </a:effectStyleLst>
+      <a:bgFillStyleLst>
+        <a:solidFill>
+          <a:schemeClr val="phClr"/>
+        </a:solidFill>
+        <a:solidFill>
+          <a:schemeClr val="phClr">
+            <a:tint val="95000"/>
+            <a:satMod val="170000"/>
+          </a:schemeClr>
+        </a:solidFill>
+        <a:gradFill rotWithShape="1">
+          <a:gsLst>
+            <a:gs pos="0">
+              <a:schemeClr val="phClr">
+                <a:tint val="93000"/>
+                <a:satMod val="150000"/>
+                <a:shade val="98000"/>
+                <a:lumMod val="102000"/>
+              </a:schemeClr>
+            </a:gs>
+            <a:gs pos="50000">
+              <a:schemeClr val="phClr">
+                <a:tint val="98000"/>
+                <a:satMod val="130000"/>
+                <a:shade val="90000"/>
+                <a:lumMod val="103000"/>
+              </a:schemeClr>
+            </a:gs>
+            <a:gs pos="100000">
+              <a:schemeClr val="phClr">
+                <a:shade val="63000"/>
+                <a:satMod val="120000"/>
+              </a:schemeClr>
+            </a:gs>
+          </a:gsLst>
+          <a:lin ang="5400000" scaled="0"/>
+        </a:gradFill>
+      </a:bgFillStyleLst>
+    </a:fmtScheme>
+  </a:themeElements>
+  <a:objectDefaults>
+    <a:lnDef>
+      <a:spPr/>
+      <a:bodyPr/>
+      <a:lstStyle/>
+      <a:style>
+        <a:lnRef idx="2">
+          <a:schemeClr val="accent1"/>
+        </a:lnRef>
+        <a:fillRef idx="0">
+          <a:schemeClr val="accent1"/>
+        </a:fillRef>
+        <a:effectRef idx="1">
+          <a:schemeClr val="accent1"/>
+        </a:effectRef>
+        <a:fontRef idx="minor">
+          <a:schemeClr val="tx1"/>
+        </a:fontRef>
+      </a:style>
+    </a:lnDef>
+  </a:objectDefaults>
+  <a:extraClrSchemeLst/>
+  <a:extLst>
+    <a:ext uri="{05A4C25C-085E-4340-85A3-A5531E510DB2}">
+      <thm15:themeFamily xmlns:thm15="http://schemas.microsoft.com/office/thememl/2012/main" name="Office Theme" id="{2E142A2C-CD16-42D6-873A-C26D2A0506FA}" vid="{1BDDFF52-6CD6-40A5-AB3C-68EB2F1E4D0A}"/>
+    </a:ext>
+  </a:extLst>
+</a:theme>
 </file>
--- a/Slides.pptx
+++ b/Slides.pptx
@@ -6644,7 +6644,7 @@
         <p:spPr>
           <a:xfrm>
             <a:off x="8899283" y="4536855"/>
-            <a:ext cx="1870794" cy="646331"/>
+            <a:ext cx="2382144" cy="1754326"/>
           </a:xfrm>
           <a:prstGeom prst="rect">
             <a:avLst/>
@@ -6678,6 +6678,15 @@
               <a:t>Colab</a:t>
             </a:r>
             <a:endParaRPr lang="en-US" i="1" dirty="0"/>
+          </a:p>
+          <a:p>
+            <a:endParaRPr lang="en-US" i="1" dirty="0"/>
+          </a:p>
+          <a:p>
+            <a:r>
+              <a:rPr lang="en-US" dirty="0"/>
+              <a:t>Can ignore warning not authored by Google</a:t>
+            </a:r>
           </a:p>
         </p:txBody>
       </p:sp>
